--- a/1. Project/DTNPL/Weekly Report/DTN_SBC-TRS28-분석 20200831.pptx
+++ b/1. Project/DTNPL/Weekly Report/DTN_SBC-TRS28-분석 20200831.pptx
@@ -5334,8 +5334,8 @@
         </p:nvSpPr>
         <p:spPr>
           <a:xfrm>
-            <a:off x="233363" y="981307"/>
-            <a:ext cx="8666798" cy="5191424"/>
+            <a:off x="233363" y="981306"/>
+            <a:ext cx="8666798" cy="5503383"/>
           </a:xfrm>
         </p:spPr>
         <p:txBody>
@@ -5352,6 +5352,18 @@
             <a:endParaRPr lang="en-US" altLang="ko-KR" dirty="0"/>
           </a:p>
           <a:p>
+            <a:endParaRPr lang="en-US" altLang="ko-KR" dirty="0" smtClean="0"/>
+          </a:p>
+          <a:p>
+            <a:endParaRPr lang="en-US" altLang="ko-KR" dirty="0"/>
+          </a:p>
+          <a:p>
+            <a:endParaRPr lang="en-US" altLang="ko-KR" dirty="0" smtClean="0"/>
+          </a:p>
+          <a:p>
+            <a:endParaRPr lang="en-US" altLang="ko-KR" dirty="0" smtClean="0"/>
+          </a:p>
+          <a:p>
             <a:endParaRPr lang="en-US" altLang="ko-KR" dirty="0"/>
           </a:p>
           <a:p>
@@ -5386,10 +5398,6 @@
               <a:rPr lang="ko-KR" altLang="en-US" dirty="0" smtClean="0"/>
               <a:t>확인이 되지 않는 문제점 발생</a:t>
             </a:r>
-            <a:endParaRPr lang="en-US" altLang="ko-KR" dirty="0"/>
-          </a:p>
-          <a:p>
-            <a:pPr lvl="1"/>
             <a:endParaRPr lang="en-US" altLang="ko-KR" dirty="0"/>
           </a:p>
           <a:p>
@@ -5405,253 +5413,265 @@
               <a:rPr lang="en-US" altLang="ko-KR" dirty="0" smtClean="0"/>
             </a:br>
             <a:r>
-              <a:rPr lang="en-US" altLang="ko-KR" dirty="0" smtClean="0"/>
+              <a:rPr lang="en-US" altLang="ko-KR" b="0" dirty="0" smtClean="0"/>
               <a:t>  - </a:t>
             </a:r>
             <a:r>
-              <a:rPr lang="en-US" altLang="ko-KR" dirty="0" smtClean="0"/>
+              <a:rPr lang="en-US" altLang="ko-KR" b="0" dirty="0" smtClean="0"/>
               <a:t>DTN</a:t>
             </a:r>
             <a:r>
-              <a:rPr lang="ko-KR" altLang="en-US" dirty="0" smtClean="0"/>
-              <a:t>의 동작을 </a:t>
-            </a:r>
-            <a:r>
-              <a:rPr lang="en-US" altLang="ko-KR" dirty="0" smtClean="0"/>
+              <a:rPr lang="en-US" altLang="ko-KR" b="0" dirty="0" smtClean="0"/>
+              <a:t>PL</a:t>
+            </a:r>
+            <a:r>
+              <a:rPr lang="ko-KR" altLang="en-US" b="0" dirty="0" smtClean="0"/>
+              <a:t>의 </a:t>
+            </a:r>
+            <a:r>
+              <a:rPr lang="ko-KR" altLang="en-US" b="0" dirty="0" smtClean="0"/>
+              <a:t>동작을 </a:t>
+            </a:r>
+            <a:r>
+              <a:rPr lang="en-US" altLang="ko-KR" b="0" dirty="0" smtClean="0"/>
               <a:t>Monitoring</a:t>
             </a:r>
             <a:r>
-              <a:rPr lang="ko-KR" altLang="en-US" dirty="0" smtClean="0"/>
+              <a:rPr lang="ko-KR" altLang="en-US" b="0" dirty="0" smtClean="0"/>
               <a:t>을</a:t>
             </a:r>
             <a:r>
-              <a:rPr lang="en-US" altLang="ko-KR" dirty="0" smtClean="0"/>
+              <a:rPr lang="en-US" altLang="ko-KR" b="0" dirty="0" smtClean="0"/>
               <a:t> </a:t>
             </a:r>
             <a:r>
-              <a:rPr lang="ko-KR" altLang="en-US" dirty="0" smtClean="0"/>
+              <a:rPr lang="ko-KR" altLang="en-US" b="0" dirty="0" smtClean="0"/>
               <a:t>하기 위해서 </a:t>
             </a:r>
             <a:r>
-              <a:rPr lang="en-US" altLang="ko-KR" dirty="0" smtClean="0"/>
-              <a:t>DTN – SBC </a:t>
-            </a:r>
-            <a:r>
-              <a:rPr lang="ko-KR" altLang="en-US" dirty="0" smtClean="0"/>
+              <a:rPr lang="en-US" altLang="ko-KR" b="0" dirty="0" smtClean="0"/>
+              <a:t>DTNPL</a:t>
+            </a:r>
+            <a:r>
+              <a:rPr lang="ko-KR" altLang="en-US" b="0" dirty="0" smtClean="0"/>
               <a:t>에 </a:t>
             </a:r>
             <a:r>
-              <a:rPr lang="en-US" altLang="ko-KR" dirty="0" smtClean="0"/>
+              <a:rPr lang="en-US" altLang="ko-KR" b="0" dirty="0" smtClean="0"/>
               <a:t>JTAG</a:t>
             </a:r>
             <a:r>
-              <a:rPr lang="ko-KR" altLang="en-US" dirty="0" smtClean="0"/>
+              <a:rPr lang="ko-KR" altLang="en-US" b="0" dirty="0" smtClean="0"/>
               <a:t>을 연결하여 그 상태를 </a:t>
             </a:r>
             <a:r>
-              <a:rPr lang="en-US" altLang="ko-KR" dirty="0" smtClean="0"/>
+              <a:rPr lang="en-US" altLang="ko-KR" b="0" dirty="0" smtClean="0"/>
               <a:t>Monitoring</a:t>
             </a:r>
             <a:r>
-              <a:rPr lang="ko-KR" altLang="en-US" dirty="0" smtClean="0"/>
+              <a:rPr lang="ko-KR" altLang="en-US" b="0" dirty="0" smtClean="0"/>
               <a:t>을 진행함</a:t>
             </a:r>
             <a:r>
-              <a:rPr lang="en-US" altLang="ko-KR" dirty="0" smtClean="0"/>
+              <a:rPr lang="en-US" altLang="ko-KR" b="0" dirty="0" smtClean="0"/>
               <a:t>. </a:t>
             </a:r>
             <a:br>
-              <a:rPr lang="en-US" altLang="ko-KR" dirty="0" smtClean="0"/>
+              <a:rPr lang="en-US" altLang="ko-KR" b="0" dirty="0" smtClean="0"/>
             </a:br>
             <a:r>
-              <a:rPr lang="en-US" altLang="ko-KR" dirty="0" smtClean="0"/>
+              <a:rPr lang="en-US" altLang="ko-KR" b="0" dirty="0" smtClean="0"/>
               <a:t>- Script 1 </a:t>
             </a:r>
             <a:r>
-              <a:rPr lang="ko-KR" altLang="en-US" dirty="0" smtClean="0"/>
+              <a:rPr lang="ko-KR" altLang="en-US" b="0" dirty="0" smtClean="0"/>
               <a:t>명령 </a:t>
             </a:r>
             <a:r>
-              <a:rPr lang="ko-KR" altLang="en-US" dirty="0" err="1" smtClean="0"/>
-              <a:t>수행시</a:t>
-            </a:r>
-            <a:r>
-              <a:rPr lang="ko-KR" altLang="en-US" dirty="0" smtClean="0"/>
+              <a:rPr lang="ko-KR" altLang="en-US" b="0" dirty="0" smtClean="0"/>
+              <a:t>수행 시 </a:t>
+            </a:r>
+            <a:r>
+              <a:rPr lang="en-US" altLang="ko-KR" b="0" dirty="0" smtClean="0"/>
+              <a:t>SBC </a:t>
+            </a:r>
+            <a:r>
+              <a:rPr lang="ko-KR" altLang="en-US" b="0" dirty="0" smtClean="0"/>
+              <a:t>가 </a:t>
+            </a:r>
+            <a:r>
+              <a:rPr lang="en-US" altLang="ko-KR" b="0" dirty="0" smtClean="0"/>
+              <a:t>Reset</a:t>
+            </a:r>
+            <a:r>
+              <a:rPr lang="ko-KR" altLang="en-US" b="0" dirty="0" smtClean="0"/>
+              <a:t> 후 </a:t>
+            </a:r>
+            <a:r>
+              <a:rPr lang="en-US" altLang="ko-KR" b="0" dirty="0" smtClean="0"/>
+              <a:t>Booting </a:t>
+            </a:r>
+            <a:r>
+              <a:rPr lang="ko-KR" altLang="en-US" b="0" dirty="0" smtClean="0"/>
+              <a:t>까지 </a:t>
+            </a:r>
+            <a:r>
+              <a:rPr lang="ko-KR" altLang="en-US" b="0" dirty="0"/>
+              <a:t>약</a:t>
+            </a:r>
+            <a:r>
+              <a:rPr lang="en-US" altLang="ko-KR" b="0" dirty="0" smtClean="0"/>
+              <a:t> 30</a:t>
+            </a:r>
+            <a:r>
+              <a:rPr lang="ko-KR" altLang="en-US" b="0" dirty="0" smtClean="0"/>
+              <a:t>초의 시간이 소요되는데</a:t>
+            </a:r>
+            <a:r>
+              <a:rPr lang="en-US" altLang="ko-KR" b="0" dirty="0" smtClean="0"/>
+              <a:t>, Booting </a:t>
+            </a:r>
+            <a:r>
+              <a:rPr lang="ko-KR" altLang="en-US" b="0" dirty="0" smtClean="0"/>
+              <a:t>하는 중간에 </a:t>
+            </a:r>
+            <a:r>
+              <a:rPr lang="en-US" altLang="ko-KR" b="0" dirty="0" smtClean="0"/>
+              <a:t>OBT</a:t>
+            </a:r>
+            <a:r>
+              <a:rPr lang="ko-KR" altLang="en-US" b="0" dirty="0" smtClean="0"/>
+              <a:t>와 </a:t>
+            </a:r>
+            <a:r>
+              <a:rPr lang="en-US" altLang="ko-KR" b="0" dirty="0" smtClean="0"/>
+              <a:t>SOH Request</a:t>
+            </a:r>
+            <a:r>
+              <a:rPr lang="ko-KR" altLang="en-US" b="0" dirty="0" smtClean="0"/>
+              <a:t> 명령을 받게 되면 </a:t>
+            </a:r>
+            <a:r>
+              <a:rPr lang="en-US" altLang="ko-KR" b="0" dirty="0" smtClean="0"/>
+              <a:t>ACK </a:t>
+            </a:r>
+            <a:r>
+              <a:rPr lang="ko-KR" altLang="en-US" b="0" dirty="0" smtClean="0"/>
+              <a:t>신호를 </a:t>
+            </a:r>
+            <a:r>
+              <a:rPr lang="en-US" altLang="ko-KR" b="0" dirty="0" smtClean="0"/>
+              <a:t>DTNPL</a:t>
+            </a:r>
+            <a:r>
+              <a:rPr lang="ko-KR" altLang="en-US" b="0" dirty="0" smtClean="0"/>
+              <a:t>이 응답할 수 없는 </a:t>
+            </a:r>
+            <a:r>
+              <a:rPr lang="ko-KR" altLang="en-US" b="0" dirty="0" smtClean="0"/>
+              <a:t>상태가 됨</a:t>
+            </a:r>
+            <a:r>
+              <a:rPr lang="en-US" altLang="ko-KR" b="0" dirty="0" smtClean="0"/>
+              <a:t>. </a:t>
+            </a:r>
+            <a:r>
+              <a:rPr lang="en-US" altLang="ko-KR" b="0" dirty="0" smtClean="0"/>
+              <a:t/>
+            </a:r>
+            <a:br>
+              <a:rPr lang="en-US" altLang="ko-KR" b="0" dirty="0" smtClean="0"/>
+            </a:br>
+            <a:r>
+              <a:rPr lang="en-US" altLang="ko-KR" b="0" dirty="0" smtClean="0"/>
+              <a:t>- Rebooting </a:t>
+            </a:r>
+            <a:r>
+              <a:rPr lang="ko-KR" altLang="en-US" b="0" dirty="0" smtClean="0"/>
+              <a:t>후</a:t>
+            </a:r>
+            <a:r>
+              <a:rPr lang="en-US" altLang="ko-KR" b="0" dirty="0" smtClean="0"/>
               <a:t> </a:t>
             </a:r>
             <a:r>
-              <a:rPr lang="en-US" altLang="ko-KR" dirty="0" smtClean="0"/>
-              <a:t>SBC </a:t>
-            </a:r>
-            <a:r>
-              <a:rPr lang="ko-KR" altLang="en-US" dirty="0" smtClean="0"/>
-              <a:t>가 </a:t>
-            </a:r>
-            <a:r>
-              <a:rPr lang="en-US" altLang="ko-KR" dirty="0" smtClean="0"/>
-              <a:t>Reset</a:t>
-            </a:r>
-            <a:r>
-              <a:rPr lang="ko-KR" altLang="en-US" dirty="0" smtClean="0"/>
-              <a:t> 후 </a:t>
-            </a:r>
-            <a:r>
-              <a:rPr lang="en-US" altLang="ko-KR" dirty="0" smtClean="0"/>
-              <a:t>Booting </a:t>
-            </a:r>
-            <a:r>
-              <a:rPr lang="ko-KR" altLang="en-US" dirty="0" smtClean="0"/>
-              <a:t>까지 </a:t>
-            </a:r>
-            <a:r>
-              <a:rPr lang="ko-KR" altLang="en-US" dirty="0"/>
-              <a:t>약</a:t>
-            </a:r>
-            <a:r>
-              <a:rPr lang="en-US" altLang="ko-KR" dirty="0" smtClean="0"/>
-              <a:t> 30</a:t>
-            </a:r>
-            <a:r>
-              <a:rPr lang="ko-KR" altLang="en-US" dirty="0" smtClean="0"/>
-              <a:t>초의 시간이 소요되는데</a:t>
-            </a:r>
-            <a:r>
-              <a:rPr lang="en-US" altLang="ko-KR" dirty="0" smtClean="0"/>
-              <a:t>, Booting </a:t>
-            </a:r>
-            <a:r>
-              <a:rPr lang="ko-KR" altLang="en-US" dirty="0" smtClean="0"/>
-              <a:t>하는 중간에 </a:t>
-            </a:r>
-            <a:r>
-              <a:rPr lang="en-US" altLang="ko-KR" dirty="0" smtClean="0"/>
+              <a:rPr lang="ko-KR" altLang="en-US" b="0" dirty="0" smtClean="0"/>
+              <a:t>상태 </a:t>
+            </a:r>
+            <a:r>
+              <a:rPr lang="en-US" altLang="ko-KR" b="0" dirty="0" smtClean="0"/>
+              <a:t>Monitoring</a:t>
+            </a:r>
+            <a:r>
+              <a:rPr lang="ko-KR" altLang="en-US" b="0" dirty="0" smtClean="0"/>
+              <a:t>을 위해 </a:t>
+            </a:r>
+            <a:r>
+              <a:rPr lang="en-US" altLang="ko-KR" b="0" dirty="0" smtClean="0"/>
+              <a:t>GRMON</a:t>
+            </a:r>
+            <a:r>
+              <a:rPr lang="ko-KR" altLang="en-US" b="0" dirty="0" smtClean="0"/>
+              <a:t>을 연결하게 되면 </a:t>
+            </a:r>
+            <a:r>
+              <a:rPr lang="en-US" altLang="ko-KR" b="0" dirty="0" smtClean="0"/>
+              <a:t>GRMON </a:t>
+            </a:r>
+            <a:r>
+              <a:rPr lang="ko-KR" altLang="en-US" b="0" dirty="0" smtClean="0"/>
+              <a:t>연결 하는 동안 </a:t>
+            </a:r>
+            <a:r>
+              <a:rPr lang="en-US" altLang="ko-KR" b="0" dirty="0" smtClean="0"/>
+              <a:t>CPU</a:t>
+            </a:r>
+            <a:r>
+              <a:rPr lang="ko-KR" altLang="en-US" b="0" dirty="0" smtClean="0"/>
+              <a:t>는 </a:t>
+            </a:r>
+            <a:r>
+              <a:rPr lang="en-US" altLang="ko-KR" b="0" dirty="0" smtClean="0"/>
+              <a:t>Halt </a:t>
+            </a:r>
+            <a:r>
+              <a:rPr lang="ko-KR" altLang="en-US" b="0" dirty="0" smtClean="0"/>
+              <a:t>상태에 있게 됨</a:t>
+            </a:r>
+            <a:r>
+              <a:rPr lang="en-US" altLang="ko-KR" b="0" dirty="0" smtClean="0"/>
+              <a:t>. </a:t>
+            </a:r>
+            <a:r>
+              <a:rPr lang="ko-KR" altLang="en-US" b="0" dirty="0" smtClean="0"/>
+              <a:t>이 때 </a:t>
+            </a:r>
+            <a:r>
+              <a:rPr lang="en-US" altLang="ko-KR" b="0" dirty="0" smtClean="0"/>
               <a:t>OBT</a:t>
             </a:r>
             <a:r>
-              <a:rPr lang="ko-KR" altLang="en-US" dirty="0" smtClean="0"/>
+              <a:rPr lang="ko-KR" altLang="en-US" b="0" dirty="0" smtClean="0"/>
               <a:t>와 </a:t>
             </a:r>
             <a:r>
-              <a:rPr lang="en-US" altLang="ko-KR" dirty="0" smtClean="0"/>
+              <a:rPr lang="en-US" altLang="ko-KR" b="0" dirty="0" smtClean="0"/>
               <a:t>SOH Request</a:t>
             </a:r>
             <a:r>
-              <a:rPr lang="ko-KR" altLang="en-US" dirty="0" smtClean="0"/>
-              <a:t> 명령을 받게 되면 </a:t>
-            </a:r>
-            <a:r>
-              <a:rPr lang="en-US" altLang="ko-KR" dirty="0" smtClean="0"/>
-              <a:t>ACK </a:t>
-            </a:r>
-            <a:r>
-              <a:rPr lang="ko-KR" altLang="en-US" dirty="0" smtClean="0"/>
-              <a:t>신호를 </a:t>
-            </a:r>
-            <a:r>
-              <a:rPr lang="en-US" altLang="ko-KR" dirty="0" smtClean="0"/>
-              <a:t>SBC </a:t>
-            </a:r>
-            <a:r>
-              <a:rPr lang="ko-KR" altLang="en-US" dirty="0" smtClean="0"/>
-              <a:t>가 보낼 수 없는 상태가 발생함</a:t>
-            </a:r>
-            <a:r>
-              <a:rPr lang="en-US" altLang="ko-KR" dirty="0" smtClean="0"/>
-              <a:t>. </a:t>
-            </a:r>
-            <a:br>
-              <a:rPr lang="en-US" altLang="ko-KR" dirty="0" smtClean="0"/>
-            </a:br>
-            <a:r>
-              <a:rPr lang="en-US" altLang="ko-KR" dirty="0" smtClean="0"/>
-              <a:t>- Rebooting </a:t>
-            </a:r>
-            <a:r>
-              <a:rPr lang="ko-KR" altLang="en-US" dirty="0" smtClean="0"/>
-              <a:t>후</a:t>
-            </a:r>
-            <a:r>
-              <a:rPr lang="en-US" altLang="ko-KR" dirty="0" smtClean="0"/>
-              <a:t> </a:t>
-            </a:r>
-            <a:r>
-              <a:rPr lang="ko-KR" altLang="en-US" dirty="0" smtClean="0"/>
-              <a:t>상태 </a:t>
-            </a:r>
-            <a:r>
-              <a:rPr lang="en-US" altLang="ko-KR" dirty="0" smtClean="0"/>
-              <a:t>Monitoring</a:t>
-            </a:r>
-            <a:r>
-              <a:rPr lang="ko-KR" altLang="en-US" dirty="0" smtClean="0"/>
-              <a:t>을 위해 </a:t>
-            </a:r>
-            <a:r>
-              <a:rPr lang="en-US" altLang="ko-KR" dirty="0" smtClean="0"/>
-              <a:t>GRMON</a:t>
-            </a:r>
-            <a:r>
-              <a:rPr lang="ko-KR" altLang="en-US" dirty="0" smtClean="0"/>
-              <a:t>을 연결하게 되면 </a:t>
-            </a:r>
-            <a:r>
-              <a:rPr lang="en-US" altLang="ko-KR" dirty="0" smtClean="0"/>
-              <a:t>GRMON </a:t>
-            </a:r>
-            <a:r>
-              <a:rPr lang="ko-KR" altLang="en-US" dirty="0" smtClean="0"/>
-              <a:t>연결 하는 동안 </a:t>
-            </a:r>
-            <a:r>
-              <a:rPr lang="en-US" altLang="ko-KR" dirty="0" smtClean="0"/>
-              <a:t>CPU</a:t>
-            </a:r>
-            <a:r>
-              <a:rPr lang="ko-KR" altLang="en-US" dirty="0" smtClean="0"/>
-              <a:t>는 </a:t>
-            </a:r>
-            <a:r>
-              <a:rPr lang="en-US" altLang="ko-KR" dirty="0" smtClean="0"/>
-              <a:t>Halt </a:t>
-            </a:r>
-            <a:r>
-              <a:rPr lang="ko-KR" altLang="en-US" dirty="0" smtClean="0"/>
-              <a:t>상태에 있게 됨</a:t>
-            </a:r>
-            <a:r>
-              <a:rPr lang="en-US" altLang="ko-KR" dirty="0" smtClean="0"/>
-              <a:t>. </a:t>
-            </a:r>
-            <a:r>
-              <a:rPr lang="ko-KR" altLang="en-US" dirty="0" smtClean="0"/>
-              <a:t>이 때 </a:t>
-            </a:r>
-            <a:r>
-              <a:rPr lang="en-US" altLang="ko-KR" dirty="0" smtClean="0"/>
-              <a:t>OBT</a:t>
-            </a:r>
-            <a:r>
-              <a:rPr lang="ko-KR" altLang="en-US" dirty="0" smtClean="0"/>
-              <a:t>와 </a:t>
-            </a:r>
-            <a:r>
-              <a:rPr lang="en-US" altLang="ko-KR" dirty="0" smtClean="0"/>
-              <a:t>SOH Request</a:t>
-            </a:r>
-            <a:r>
-              <a:rPr lang="ko-KR" altLang="en-US" dirty="0" smtClean="0"/>
+              <a:rPr lang="ko-KR" altLang="en-US" b="0" dirty="0" smtClean="0"/>
               <a:t> 명령을 수신하게 되면</a:t>
             </a:r>
             <a:r>
-              <a:rPr lang="en-US" altLang="ko-KR" dirty="0" smtClean="0"/>
+              <a:rPr lang="en-US" altLang="ko-KR" b="0" dirty="0" smtClean="0"/>
               <a:t>, </a:t>
             </a:r>
             <a:r>
-              <a:rPr lang="ko-KR" altLang="en-US" dirty="0" smtClean="0"/>
+              <a:rPr lang="ko-KR" altLang="en-US" b="0" dirty="0" smtClean="0"/>
               <a:t>그에 대한 응답을 할 수 없는 상태가 됨</a:t>
             </a:r>
             <a:r>
-              <a:rPr lang="en-US" altLang="ko-KR" dirty="0" smtClean="0"/>
+              <a:rPr lang="en-US" altLang="ko-KR" b="0" dirty="0" smtClean="0"/>
               <a:t>. </a:t>
             </a:r>
             <a:r>
@@ -5748,30 +5768,1488 @@
           </a:p>
         </p:txBody>
       </p:sp>
-      <p:pic>
-        <p:nvPicPr>
-          <p:cNvPr id="4" name="그림 3"/>
-          <p:cNvPicPr>
-            <a:picLocks noChangeAspect="1"/>
-          </p:cNvPicPr>
-          <p:nvPr/>
-        </p:nvPicPr>
-        <p:blipFill>
-          <a:blip r:embed="rId3"/>
-          <a:stretch>
-            <a:fillRect/>
-          </a:stretch>
-        </p:blipFill>
-        <p:spPr>
-          <a:xfrm>
-            <a:off x="384790" y="1434732"/>
-            <a:ext cx="8607780" cy="354960"/>
-          </a:xfrm>
-          <a:prstGeom prst="rect">
-            <a:avLst/>
-          </a:prstGeom>
-        </p:spPr>
-      </p:pic>
+      <p:graphicFrame>
+        <p:nvGraphicFramePr>
+          <p:cNvPr id="8" name="표 7">
+            <a:extLst>
+              <a:ext uri="{FF2B5EF4-FFF2-40B4-BE49-F238E27FC236}">
+                <a16:creationId xmlns:a16="http://schemas.microsoft.com/office/drawing/2014/main" id="{C62BF178-802E-4362-9FC6-62B6F85D0C13}"/>
+              </a:ext>
+            </a:extLst>
+          </p:cNvPr>
+          <p:cNvGraphicFramePr>
+            <a:graphicFrameLocks noGrp="1"/>
+          </p:cNvGraphicFramePr>
+          <p:nvPr>
+            <p:extLst>
+              <p:ext uri="{D42A27DB-BD31-4B8C-83A1-F6EECF244321}">
+                <p14:modId xmlns:p14="http://schemas.microsoft.com/office/powerpoint/2010/main" val="2780375375"/>
+              </p:ext>
+            </p:extLst>
+          </p:nvPr>
+        </p:nvGraphicFramePr>
+        <p:xfrm>
+          <a:off x="233363" y="1377090"/>
+          <a:ext cx="8784975" cy="1859280"/>
+        </p:xfrm>
+        <a:graphic>
+          <a:graphicData uri="http://schemas.openxmlformats.org/drawingml/2006/table">
+            <a:tbl>
+              <a:tblPr firstRow="1" bandRow="1">
+                <a:tableStyleId>{2A488322-F2BA-4B5B-9748-0D474271808F}</a:tableStyleId>
+              </a:tblPr>
+              <a:tblGrid>
+                <a:gridCol w="434657">
+                  <a:extLst>
+                    <a:ext uri="{9D8B030D-6E8A-4147-A177-3AD203B41FA5}">
+                      <a16:colId xmlns:a16="http://schemas.microsoft.com/office/drawing/2014/main" val="20000"/>
+                    </a:ext>
+                  </a:extLst>
+                </a:gridCol>
+                <a:gridCol w="1450053">
+                  <a:extLst>
+                    <a:ext uri="{9D8B030D-6E8A-4147-A177-3AD203B41FA5}">
+                      <a16:colId xmlns:a16="http://schemas.microsoft.com/office/drawing/2014/main" val="20001"/>
+                    </a:ext>
+                  </a:extLst>
+                </a:gridCol>
+                <a:gridCol w="1491045">
+                  <a:extLst>
+                    <a:ext uri="{9D8B030D-6E8A-4147-A177-3AD203B41FA5}">
+                      <a16:colId xmlns:a16="http://schemas.microsoft.com/office/drawing/2014/main" val="20002"/>
+                    </a:ext>
+                  </a:extLst>
+                </a:gridCol>
+                <a:gridCol w="576064">
+                  <a:extLst>
+                    <a:ext uri="{9D8B030D-6E8A-4147-A177-3AD203B41FA5}">
+                      <a16:colId xmlns:a16="http://schemas.microsoft.com/office/drawing/2014/main" val="20003"/>
+                    </a:ext>
+                  </a:extLst>
+                </a:gridCol>
+                <a:gridCol w="576064">
+                  <a:extLst>
+                    <a:ext uri="{9D8B030D-6E8A-4147-A177-3AD203B41FA5}">
+                      <a16:colId xmlns:a16="http://schemas.microsoft.com/office/drawing/2014/main" val="20004"/>
+                    </a:ext>
+                  </a:extLst>
+                </a:gridCol>
+                <a:gridCol w="576064">
+                  <a:extLst>
+                    <a:ext uri="{9D8B030D-6E8A-4147-A177-3AD203B41FA5}">
+                      <a16:colId xmlns:a16="http://schemas.microsoft.com/office/drawing/2014/main" val="20005"/>
+                    </a:ext>
+                  </a:extLst>
+                </a:gridCol>
+                <a:gridCol w="2304256">
+                  <a:extLst>
+                    <a:ext uri="{9D8B030D-6E8A-4147-A177-3AD203B41FA5}">
+                      <a16:colId xmlns:a16="http://schemas.microsoft.com/office/drawing/2014/main" val="20006"/>
+                    </a:ext>
+                  </a:extLst>
+                </a:gridCol>
+                <a:gridCol w="623319">
+                  <a:extLst>
+                    <a:ext uri="{9D8B030D-6E8A-4147-A177-3AD203B41FA5}">
+                      <a16:colId xmlns:a16="http://schemas.microsoft.com/office/drawing/2014/main" val="20007"/>
+                    </a:ext>
+                  </a:extLst>
+                </a:gridCol>
+                <a:gridCol w="753453">
+                  <a:extLst>
+                    <a:ext uri="{9D8B030D-6E8A-4147-A177-3AD203B41FA5}">
+                      <a16:colId xmlns:a16="http://schemas.microsoft.com/office/drawing/2014/main" val="20008"/>
+                    </a:ext>
+                  </a:extLst>
+                </a:gridCol>
+              </a:tblGrid>
+              <a:tr h="308501">
+                <a:tc>
+                  <a:txBody>
+                    <a:bodyPr/>
+                    <a:lstStyle/>
+                    <a:p>
+                      <a:pPr algn="ctr" latinLnBrk="1"/>
+                      <a:r>
+                        <a:rPr lang="en-US" altLang="ko-KR" sz="1000" dirty="0"/>
+                        <a:t>TRS#</a:t>
+                      </a:r>
+                      <a:endParaRPr lang="ko-KR" altLang="en-US" sz="1000" b="1" dirty="0">
+                        <a:latin typeface="Consolas" panose="020B0609020204030204" pitchFamily="49" charset="0"/>
+                        <a:cs typeface="Consolas" panose="020B0609020204030204" pitchFamily="49" charset="0"/>
+                      </a:endParaRPr>
+                    </a:p>
+                  </a:txBody>
+                  <a:tcPr anchor="ctr">
+                    <a:lnL w="6350" cap="flat" cmpd="sng" algn="ctr">
+                      <a:solidFill>
+                        <a:schemeClr val="tx1"/>
+                      </a:solidFill>
+                      <a:prstDash val="solid"/>
+                      <a:round/>
+                      <a:headEnd type="none" w="med" len="med"/>
+                      <a:tailEnd type="none" w="med" len="med"/>
+                    </a:lnL>
+                    <a:lnR w="6350" cap="flat" cmpd="sng" algn="ctr">
+                      <a:solidFill>
+                        <a:schemeClr val="tx1"/>
+                      </a:solidFill>
+                      <a:prstDash val="solid"/>
+                      <a:round/>
+                      <a:headEnd type="none" w="med" len="med"/>
+                      <a:tailEnd type="none" w="med" len="med"/>
+                    </a:lnR>
+                    <a:lnT w="6350" cap="flat" cmpd="sng" algn="ctr">
+                      <a:solidFill>
+                        <a:schemeClr val="tx1"/>
+                      </a:solidFill>
+                      <a:prstDash val="solid"/>
+                      <a:round/>
+                      <a:headEnd type="none" w="med" len="med"/>
+                      <a:tailEnd type="none" w="med" len="med"/>
+                    </a:lnT>
+                    <a:lnB w="6350" cap="flat" cmpd="sng" algn="ctr">
+                      <a:solidFill>
+                        <a:schemeClr val="tx1"/>
+                      </a:solidFill>
+                      <a:prstDash val="solid"/>
+                      <a:round/>
+                      <a:headEnd type="none" w="med" len="med"/>
+                      <a:tailEnd type="none" w="med" len="med"/>
+                    </a:lnB>
+                  </a:tcPr>
+                </a:tc>
+                <a:tc>
+                  <a:txBody>
+                    <a:bodyPr/>
+                    <a:lstStyle/>
+                    <a:p>
+                      <a:pPr algn="ctr" latinLnBrk="1"/>
+                      <a:r>
+                        <a:rPr lang="en-US" altLang="ko-KR" sz="1000" dirty="0"/>
+                        <a:t>Departure</a:t>
+                      </a:r>
+                      <a:endParaRPr lang="ko-KR" altLang="en-US" sz="1000" b="1" dirty="0">
+                        <a:latin typeface="Consolas" panose="020B0609020204030204" pitchFamily="49" charset="0"/>
+                        <a:cs typeface="Consolas" panose="020B0609020204030204" pitchFamily="49" charset="0"/>
+                      </a:endParaRPr>
+                    </a:p>
+                  </a:txBody>
+                  <a:tcPr anchor="ctr">
+                    <a:lnL w="6350" cap="flat" cmpd="sng" algn="ctr">
+                      <a:solidFill>
+                        <a:schemeClr val="tx1"/>
+                      </a:solidFill>
+                      <a:prstDash val="solid"/>
+                      <a:round/>
+                      <a:headEnd type="none" w="med" len="med"/>
+                      <a:tailEnd type="none" w="med" len="med"/>
+                    </a:lnL>
+                    <a:lnR w="6350" cap="flat" cmpd="sng" algn="ctr">
+                      <a:solidFill>
+                        <a:schemeClr val="tx1"/>
+                      </a:solidFill>
+                      <a:prstDash val="solid"/>
+                      <a:round/>
+                      <a:headEnd type="none" w="med" len="med"/>
+                      <a:tailEnd type="none" w="med" len="med"/>
+                    </a:lnR>
+                    <a:lnT w="6350" cap="flat" cmpd="sng" algn="ctr">
+                      <a:solidFill>
+                        <a:schemeClr val="tx1"/>
+                      </a:solidFill>
+                      <a:prstDash val="solid"/>
+                      <a:round/>
+                      <a:headEnd type="none" w="med" len="med"/>
+                      <a:tailEnd type="none" w="med" len="med"/>
+                    </a:lnT>
+                    <a:lnB w="6350" cap="flat" cmpd="sng" algn="ctr">
+                      <a:solidFill>
+                        <a:schemeClr val="tx1"/>
+                      </a:solidFill>
+                      <a:prstDash val="solid"/>
+                      <a:round/>
+                      <a:headEnd type="none" w="med" len="med"/>
+                      <a:tailEnd type="none" w="med" len="med"/>
+                    </a:lnB>
+                  </a:tcPr>
+                </a:tc>
+                <a:tc>
+                  <a:txBody>
+                    <a:bodyPr/>
+                    <a:lstStyle/>
+                    <a:p>
+                      <a:pPr algn="ctr" latinLnBrk="1"/>
+                      <a:r>
+                        <a:rPr lang="en-US" altLang="ko-KR" sz="1000" dirty="0"/>
+                        <a:t>Cause</a:t>
+                      </a:r>
+                      <a:endParaRPr lang="ko-KR" altLang="en-US" sz="1000" b="1">
+                        <a:latin typeface="Consolas" panose="020B0609020204030204" pitchFamily="49" charset="0"/>
+                        <a:cs typeface="Consolas" panose="020B0609020204030204" pitchFamily="49" charset="0"/>
+                      </a:endParaRPr>
+                    </a:p>
+                  </a:txBody>
+                  <a:tcPr anchor="ctr">
+                    <a:lnL w="6350" cap="flat" cmpd="sng" algn="ctr">
+                      <a:solidFill>
+                        <a:schemeClr val="tx1"/>
+                      </a:solidFill>
+                      <a:prstDash val="solid"/>
+                      <a:round/>
+                      <a:headEnd type="none" w="med" len="med"/>
+                      <a:tailEnd type="none" w="med" len="med"/>
+                    </a:lnL>
+                    <a:lnR w="6350" cap="flat" cmpd="sng" algn="ctr">
+                      <a:solidFill>
+                        <a:schemeClr val="tx1"/>
+                      </a:solidFill>
+                      <a:prstDash val="solid"/>
+                      <a:round/>
+                      <a:headEnd type="none" w="med" len="med"/>
+                      <a:tailEnd type="none" w="med" len="med"/>
+                    </a:lnR>
+                    <a:lnT w="6350" cap="flat" cmpd="sng" algn="ctr">
+                      <a:solidFill>
+                        <a:schemeClr val="tx1"/>
+                      </a:solidFill>
+                      <a:prstDash val="solid"/>
+                      <a:round/>
+                      <a:headEnd type="none" w="med" len="med"/>
+                      <a:tailEnd type="none" w="med" len="med"/>
+                    </a:lnT>
+                    <a:lnB w="6350" cap="flat" cmpd="sng" algn="ctr">
+                      <a:solidFill>
+                        <a:schemeClr val="tx1"/>
+                      </a:solidFill>
+                      <a:prstDash val="solid"/>
+                      <a:round/>
+                      <a:headEnd type="none" w="med" len="med"/>
+                      <a:tailEnd type="none" w="med" len="med"/>
+                    </a:lnB>
+                  </a:tcPr>
+                </a:tc>
+                <a:tc>
+                  <a:txBody>
+                    <a:bodyPr/>
+                    <a:lstStyle/>
+                    <a:p>
+                      <a:pPr algn="ctr" latinLnBrk="1"/>
+                      <a:r>
+                        <a:rPr lang="en-US" altLang="ko-KR" sz="1000" dirty="0"/>
+                        <a:t>Status</a:t>
+                      </a:r>
+                      <a:endParaRPr lang="ko-KR" altLang="en-US" sz="1000" b="1" dirty="0">
+                        <a:latin typeface="Consolas" panose="020B0609020204030204" pitchFamily="49" charset="0"/>
+                        <a:cs typeface="Consolas" panose="020B0609020204030204" pitchFamily="49" charset="0"/>
+                      </a:endParaRPr>
+                    </a:p>
+                  </a:txBody>
+                  <a:tcPr anchor="ctr">
+                    <a:lnL w="6350" cap="flat" cmpd="sng" algn="ctr">
+                      <a:solidFill>
+                        <a:schemeClr val="tx1"/>
+                      </a:solidFill>
+                      <a:prstDash val="solid"/>
+                      <a:round/>
+                      <a:headEnd type="none" w="med" len="med"/>
+                      <a:tailEnd type="none" w="med" len="med"/>
+                    </a:lnL>
+                    <a:lnR w="6350" cap="flat" cmpd="sng" algn="ctr">
+                      <a:solidFill>
+                        <a:schemeClr val="tx1"/>
+                      </a:solidFill>
+                      <a:prstDash val="solid"/>
+                      <a:round/>
+                      <a:headEnd type="none" w="med" len="med"/>
+                      <a:tailEnd type="none" w="med" len="med"/>
+                    </a:lnR>
+                    <a:lnT w="6350" cap="flat" cmpd="sng" algn="ctr">
+                      <a:solidFill>
+                        <a:schemeClr val="tx1"/>
+                      </a:solidFill>
+                      <a:prstDash val="solid"/>
+                      <a:round/>
+                      <a:headEnd type="none" w="med" len="med"/>
+                      <a:tailEnd type="none" w="med" len="med"/>
+                    </a:lnT>
+                    <a:lnB w="6350" cap="flat" cmpd="sng" algn="ctr">
+                      <a:solidFill>
+                        <a:schemeClr val="tx1"/>
+                      </a:solidFill>
+                      <a:prstDash val="solid"/>
+                      <a:round/>
+                      <a:headEnd type="none" w="med" len="med"/>
+                      <a:tailEnd type="none" w="med" len="med"/>
+                    </a:lnB>
+                  </a:tcPr>
+                </a:tc>
+                <a:tc>
+                  <a:txBody>
+                    <a:bodyPr/>
+                    <a:lstStyle/>
+                    <a:p>
+                      <a:pPr algn="ctr" latinLnBrk="1"/>
+                      <a:r>
+                        <a:rPr lang="en-US" altLang="ko-KR" sz="1000" dirty="0"/>
+                        <a:t>Open</a:t>
+                      </a:r>
+                    </a:p>
+                    <a:p>
+                      <a:pPr algn="ctr" latinLnBrk="1"/>
+                      <a:r>
+                        <a:rPr lang="en-US" altLang="ko-KR" sz="1000" dirty="0"/>
+                        <a:t>Date</a:t>
+                      </a:r>
+                      <a:endParaRPr lang="ko-KR" altLang="en-US" sz="1000" b="1">
+                        <a:latin typeface="Consolas" panose="020B0609020204030204" pitchFamily="49" charset="0"/>
+                        <a:cs typeface="Consolas" panose="020B0609020204030204" pitchFamily="49" charset="0"/>
+                      </a:endParaRPr>
+                    </a:p>
+                  </a:txBody>
+                  <a:tcPr anchor="ctr">
+                    <a:lnL w="6350" cap="flat" cmpd="sng" algn="ctr">
+                      <a:solidFill>
+                        <a:schemeClr val="tx1"/>
+                      </a:solidFill>
+                      <a:prstDash val="solid"/>
+                      <a:round/>
+                      <a:headEnd type="none" w="med" len="med"/>
+                      <a:tailEnd type="none" w="med" len="med"/>
+                    </a:lnL>
+                    <a:lnR w="6350" cap="flat" cmpd="sng" algn="ctr">
+                      <a:solidFill>
+                        <a:schemeClr val="tx1"/>
+                      </a:solidFill>
+                      <a:prstDash val="solid"/>
+                      <a:round/>
+                      <a:headEnd type="none" w="med" len="med"/>
+                      <a:tailEnd type="none" w="med" len="med"/>
+                    </a:lnR>
+                    <a:lnT w="6350" cap="flat" cmpd="sng" algn="ctr">
+                      <a:solidFill>
+                        <a:schemeClr val="tx1"/>
+                      </a:solidFill>
+                      <a:prstDash val="solid"/>
+                      <a:round/>
+                      <a:headEnd type="none" w="med" len="med"/>
+                      <a:tailEnd type="none" w="med" len="med"/>
+                    </a:lnT>
+                    <a:lnB w="6350" cap="flat" cmpd="sng" algn="ctr">
+                      <a:solidFill>
+                        <a:schemeClr val="tx1"/>
+                      </a:solidFill>
+                      <a:prstDash val="solid"/>
+                      <a:round/>
+                      <a:headEnd type="none" w="med" len="med"/>
+                      <a:tailEnd type="none" w="med" len="med"/>
+                    </a:lnB>
+                  </a:tcPr>
+                </a:tc>
+                <a:tc>
+                  <a:txBody>
+                    <a:bodyPr/>
+                    <a:lstStyle/>
+                    <a:p>
+                      <a:pPr algn="ctr" latinLnBrk="1"/>
+                      <a:r>
+                        <a:rPr lang="en-US" altLang="ko-KR" sz="1000" dirty="0"/>
+                        <a:t>Close</a:t>
+                      </a:r>
+                    </a:p>
+                    <a:p>
+                      <a:pPr algn="ctr" latinLnBrk="1"/>
+                      <a:r>
+                        <a:rPr lang="en-US" altLang="ko-KR" sz="1000" dirty="0"/>
+                        <a:t>Date</a:t>
+                      </a:r>
+                      <a:endParaRPr lang="ko-KR" altLang="en-US" sz="1000" b="1">
+                        <a:latin typeface="Consolas" panose="020B0609020204030204" pitchFamily="49" charset="0"/>
+                        <a:cs typeface="Consolas" panose="020B0609020204030204" pitchFamily="49" charset="0"/>
+                      </a:endParaRPr>
+                    </a:p>
+                  </a:txBody>
+                  <a:tcPr anchor="ctr">
+                    <a:lnL w="6350" cap="flat" cmpd="sng" algn="ctr">
+                      <a:solidFill>
+                        <a:schemeClr val="tx1"/>
+                      </a:solidFill>
+                      <a:prstDash val="solid"/>
+                      <a:round/>
+                      <a:headEnd type="none" w="med" len="med"/>
+                      <a:tailEnd type="none" w="med" len="med"/>
+                    </a:lnL>
+                    <a:lnR w="6350" cap="flat" cmpd="sng" algn="ctr">
+                      <a:solidFill>
+                        <a:schemeClr val="tx1"/>
+                      </a:solidFill>
+                      <a:prstDash val="solid"/>
+                      <a:round/>
+                      <a:headEnd type="none" w="med" len="med"/>
+                      <a:tailEnd type="none" w="med" len="med"/>
+                    </a:lnR>
+                    <a:lnT w="6350" cap="flat" cmpd="sng" algn="ctr">
+                      <a:solidFill>
+                        <a:schemeClr val="tx1"/>
+                      </a:solidFill>
+                      <a:prstDash val="solid"/>
+                      <a:round/>
+                      <a:headEnd type="none" w="med" len="med"/>
+                      <a:tailEnd type="none" w="med" len="med"/>
+                    </a:lnT>
+                    <a:lnB w="6350" cap="flat" cmpd="sng" algn="ctr">
+                      <a:solidFill>
+                        <a:schemeClr val="tx1"/>
+                      </a:solidFill>
+                      <a:prstDash val="solid"/>
+                      <a:round/>
+                      <a:headEnd type="none" w="med" len="med"/>
+                      <a:tailEnd type="none" w="med" len="med"/>
+                    </a:lnB>
+                  </a:tcPr>
+                </a:tc>
+                <a:tc>
+                  <a:txBody>
+                    <a:bodyPr/>
+                    <a:lstStyle/>
+                    <a:p>
+                      <a:pPr algn="ctr" latinLnBrk="1"/>
+                      <a:r>
+                        <a:rPr lang="en-US" altLang="ko-KR" sz="1000" dirty="0"/>
+                        <a:t>Disposition</a:t>
+                      </a:r>
+                      <a:endParaRPr lang="ko-KR" altLang="en-US" sz="1000" b="1">
+                        <a:latin typeface="Consolas" panose="020B0609020204030204" pitchFamily="49" charset="0"/>
+                        <a:cs typeface="Consolas" panose="020B0609020204030204" pitchFamily="49" charset="0"/>
+                      </a:endParaRPr>
+                    </a:p>
+                  </a:txBody>
+                  <a:tcPr anchor="ctr">
+                    <a:lnL w="6350" cap="flat" cmpd="sng" algn="ctr">
+                      <a:solidFill>
+                        <a:schemeClr val="tx1"/>
+                      </a:solidFill>
+                      <a:prstDash val="solid"/>
+                      <a:round/>
+                      <a:headEnd type="none" w="med" len="med"/>
+                      <a:tailEnd type="none" w="med" len="med"/>
+                    </a:lnL>
+                    <a:lnR w="6350" cap="flat" cmpd="sng" algn="ctr">
+                      <a:solidFill>
+                        <a:schemeClr val="tx1"/>
+                      </a:solidFill>
+                      <a:prstDash val="solid"/>
+                      <a:round/>
+                      <a:headEnd type="none" w="med" len="med"/>
+                      <a:tailEnd type="none" w="med" len="med"/>
+                    </a:lnR>
+                    <a:lnT w="6350" cap="flat" cmpd="sng" algn="ctr">
+                      <a:solidFill>
+                        <a:schemeClr val="tx1"/>
+                      </a:solidFill>
+                      <a:prstDash val="solid"/>
+                      <a:round/>
+                      <a:headEnd type="none" w="med" len="med"/>
+                      <a:tailEnd type="none" w="med" len="med"/>
+                    </a:lnT>
+                    <a:lnB w="6350" cap="flat" cmpd="sng" algn="ctr">
+                      <a:solidFill>
+                        <a:schemeClr val="tx1"/>
+                      </a:solidFill>
+                      <a:prstDash val="solid"/>
+                      <a:round/>
+                      <a:headEnd type="none" w="med" len="med"/>
+                      <a:tailEnd type="none" w="med" len="med"/>
+                    </a:lnB>
+                  </a:tcPr>
+                </a:tc>
+                <a:tc>
+                  <a:txBody>
+                    <a:bodyPr/>
+                    <a:lstStyle/>
+                    <a:p>
+                      <a:pPr algn="ctr" latinLnBrk="1"/>
+                      <a:r>
+                        <a:rPr lang="en-US" altLang="ko-KR" sz="1000" dirty="0" err="1"/>
+                        <a:t>Actionee</a:t>
+                      </a:r>
+                      <a:endParaRPr lang="ko-KR" altLang="en-US" sz="1000" b="1" dirty="0">
+                        <a:latin typeface="Consolas" panose="020B0609020204030204" pitchFamily="49" charset="0"/>
+                        <a:cs typeface="Consolas" panose="020B0609020204030204" pitchFamily="49" charset="0"/>
+                      </a:endParaRPr>
+                    </a:p>
+                  </a:txBody>
+                  <a:tcPr anchor="ctr">
+                    <a:lnL w="6350" cap="flat" cmpd="sng" algn="ctr">
+                      <a:solidFill>
+                        <a:schemeClr val="tx1"/>
+                      </a:solidFill>
+                      <a:prstDash val="solid"/>
+                      <a:round/>
+                      <a:headEnd type="none" w="med" len="med"/>
+                      <a:tailEnd type="none" w="med" len="med"/>
+                    </a:lnL>
+                    <a:lnR w="6350" cap="flat" cmpd="sng" algn="ctr">
+                      <a:solidFill>
+                        <a:schemeClr val="tx1"/>
+                      </a:solidFill>
+                      <a:prstDash val="solid"/>
+                      <a:round/>
+                      <a:headEnd type="none" w="med" len="med"/>
+                      <a:tailEnd type="none" w="med" len="med"/>
+                    </a:lnR>
+                    <a:lnT w="6350" cap="flat" cmpd="sng" algn="ctr">
+                      <a:solidFill>
+                        <a:schemeClr val="tx1"/>
+                      </a:solidFill>
+                      <a:prstDash val="solid"/>
+                      <a:round/>
+                      <a:headEnd type="none" w="med" len="med"/>
+                      <a:tailEnd type="none" w="med" len="med"/>
+                    </a:lnT>
+                    <a:lnB w="6350" cap="flat" cmpd="sng" algn="ctr">
+                      <a:solidFill>
+                        <a:schemeClr val="tx1"/>
+                      </a:solidFill>
+                      <a:prstDash val="solid"/>
+                      <a:round/>
+                      <a:headEnd type="none" w="med" len="med"/>
+                      <a:tailEnd type="none" w="med" len="med"/>
+                    </a:lnB>
+                  </a:tcPr>
+                </a:tc>
+                <a:tc>
+                  <a:txBody>
+                    <a:bodyPr/>
+                    <a:lstStyle/>
+                    <a:p>
+                      <a:pPr algn="ctr" latinLnBrk="1"/>
+                      <a:r>
+                        <a:rPr lang="en-US" altLang="ko-KR" sz="1000" dirty="0"/>
+                        <a:t>Corrective Action</a:t>
+                      </a:r>
+                      <a:endParaRPr lang="ko-KR" altLang="en-US" sz="1000" b="1" dirty="0">
+                        <a:latin typeface="Consolas" panose="020B0609020204030204" pitchFamily="49" charset="0"/>
+                        <a:cs typeface="Consolas" panose="020B0609020204030204" pitchFamily="49" charset="0"/>
+                      </a:endParaRPr>
+                    </a:p>
+                  </a:txBody>
+                  <a:tcPr anchor="ctr">
+                    <a:lnL w="6350" cap="flat" cmpd="sng" algn="ctr">
+                      <a:solidFill>
+                        <a:schemeClr val="tx1"/>
+                      </a:solidFill>
+                      <a:prstDash val="solid"/>
+                      <a:round/>
+                      <a:headEnd type="none" w="med" len="med"/>
+                      <a:tailEnd type="none" w="med" len="med"/>
+                    </a:lnL>
+                    <a:lnR w="6350" cap="flat" cmpd="sng" algn="ctr">
+                      <a:solidFill>
+                        <a:schemeClr val="tx1"/>
+                      </a:solidFill>
+                      <a:prstDash val="solid"/>
+                      <a:round/>
+                      <a:headEnd type="none" w="med" len="med"/>
+                      <a:tailEnd type="none" w="med" len="med"/>
+                    </a:lnR>
+                    <a:lnT w="6350" cap="flat" cmpd="sng" algn="ctr">
+                      <a:solidFill>
+                        <a:schemeClr val="tx1"/>
+                      </a:solidFill>
+                      <a:prstDash val="solid"/>
+                      <a:round/>
+                      <a:headEnd type="none" w="med" len="med"/>
+                      <a:tailEnd type="none" w="med" len="med"/>
+                    </a:lnT>
+                    <a:lnB w="6350" cap="flat" cmpd="sng" algn="ctr">
+                      <a:solidFill>
+                        <a:schemeClr val="tx1"/>
+                      </a:solidFill>
+                      <a:prstDash val="solid"/>
+                      <a:round/>
+                      <a:headEnd type="none" w="med" len="med"/>
+                      <a:tailEnd type="none" w="med" len="med"/>
+                    </a:lnB>
+                  </a:tcPr>
+                </a:tc>
+                <a:extLst>
+                  <a:ext uri="{0D108BD9-81ED-4DB2-BD59-A6C34878D82A}">
+                    <a16:rowId xmlns:a16="http://schemas.microsoft.com/office/drawing/2014/main" val="10000"/>
+                  </a:ext>
+                </a:extLst>
+              </a:tr>
+              <a:tr h="1376390">
+                <a:tc>
+                  <a:txBody>
+                    <a:bodyPr/>
+                    <a:lstStyle/>
+                    <a:p>
+                      <a:pPr algn="ctr" latinLnBrk="1"/>
+                      <a:r>
+                        <a:rPr lang="en-US" altLang="ko-KR" sz="900" dirty="0" smtClean="0">
+                          <a:latin typeface="+mn-lt"/>
+                          <a:cs typeface="+mn-cs"/>
+                        </a:rPr>
+                        <a:t>28</a:t>
+                      </a:r>
+                      <a:endParaRPr lang="ko-KR" altLang="en-US" sz="900" dirty="0">
+                        <a:latin typeface="Consolas" panose="020B0609020204030204" pitchFamily="49" charset="0"/>
+                        <a:cs typeface="Consolas" panose="020B0609020204030204" pitchFamily="49" charset="0"/>
+                      </a:endParaRPr>
+                    </a:p>
+                  </a:txBody>
+                  <a:tcPr anchor="ctr">
+                    <a:lnL w="6350" cap="flat" cmpd="sng" algn="ctr">
+                      <a:solidFill>
+                        <a:schemeClr val="tx1"/>
+                      </a:solidFill>
+                      <a:prstDash val="solid"/>
+                      <a:round/>
+                      <a:headEnd type="none" w="med" len="med"/>
+                      <a:tailEnd type="none" w="med" len="med"/>
+                    </a:lnL>
+                    <a:lnR w="6350" cap="flat" cmpd="sng" algn="ctr">
+                      <a:solidFill>
+                        <a:schemeClr val="tx1"/>
+                      </a:solidFill>
+                      <a:prstDash val="solid"/>
+                      <a:round/>
+                      <a:headEnd type="none" w="med" len="med"/>
+                      <a:tailEnd type="none" w="med" len="med"/>
+                    </a:lnR>
+                    <a:lnT w="6350" cap="flat" cmpd="sng" algn="ctr">
+                      <a:solidFill>
+                        <a:schemeClr val="tx1"/>
+                      </a:solidFill>
+                      <a:prstDash val="solid"/>
+                      <a:round/>
+                      <a:headEnd type="none" w="med" len="med"/>
+                      <a:tailEnd type="none" w="med" len="med"/>
+                    </a:lnT>
+                    <a:lnB w="6350" cap="flat" cmpd="sng" algn="ctr">
+                      <a:solidFill>
+                        <a:schemeClr val="tx1"/>
+                      </a:solidFill>
+                      <a:prstDash val="solid"/>
+                      <a:round/>
+                      <a:headEnd type="none" w="med" len="med"/>
+                      <a:tailEnd type="none" w="med" len="med"/>
+                    </a:lnB>
+                  </a:tcPr>
+                </a:tc>
+                <a:tc>
+                  <a:txBody>
+                    <a:bodyPr/>
+                    <a:lstStyle/>
+                    <a:p>
+                      <a:pPr algn="l" latinLnBrk="1"/>
+                      <a:r>
+                        <a:rPr lang="en-US" altLang="ko-KR" sz="900" dirty="0" smtClean="0">
+                          <a:latin typeface="Consolas" panose="020B0609020204030204" pitchFamily="49" charset="0"/>
+                          <a:cs typeface="Consolas" panose="020B0609020204030204" pitchFamily="49" charset="0"/>
+                        </a:rPr>
+                        <a:t>DTNPL_CONFIG (</a:t>
+                      </a:r>
+                      <a:r>
+                        <a:rPr lang="en-US" altLang="ko-KR" sz="900" dirty="0" err="1" smtClean="0">
+                          <a:latin typeface="Consolas" panose="020B0609020204030204" pitchFamily="49" charset="0"/>
+                          <a:cs typeface="Consolas" panose="020B0609020204030204" pitchFamily="49" charset="0"/>
+                        </a:rPr>
+                        <a:t>sco</a:t>
+                      </a:r>
+                      <a:r>
+                        <a:rPr lang="en-US" altLang="ko-KR" sz="900" dirty="0" smtClean="0">
+                          <a:latin typeface="Consolas" panose="020B0609020204030204" pitchFamily="49" charset="0"/>
+                          <a:cs typeface="Consolas" panose="020B0609020204030204" pitchFamily="49" charset="0"/>
+                        </a:rPr>
+                        <a:t> 431)</a:t>
+                      </a:r>
+                      <a:r>
+                        <a:rPr lang="ko-KR" altLang="en-US" sz="900" dirty="0" smtClean="0">
+                          <a:latin typeface="Consolas" panose="020B0609020204030204" pitchFamily="49" charset="0"/>
+                          <a:cs typeface="Consolas" panose="020B0609020204030204" pitchFamily="49" charset="0"/>
+                        </a:rPr>
+                        <a:t>울 통해 </a:t>
+                      </a:r>
+                      <a:r>
+                        <a:rPr lang="en-US" altLang="ko-KR" sz="900" dirty="0" smtClean="0">
+                          <a:latin typeface="Consolas" panose="020B0609020204030204" pitchFamily="49" charset="0"/>
+                          <a:cs typeface="Consolas" panose="020B0609020204030204" pitchFamily="49" charset="0"/>
+                        </a:rPr>
+                        <a:t>CDSCRIPT2 </a:t>
+                      </a:r>
+                      <a:r>
+                        <a:rPr lang="ko-KR" altLang="en-US" sz="900" dirty="0" smtClean="0">
+                          <a:latin typeface="Consolas" panose="020B0609020204030204" pitchFamily="49" charset="0"/>
+                          <a:cs typeface="Consolas" panose="020B0609020204030204" pitchFamily="49" charset="0"/>
+                        </a:rPr>
+                        <a:t>명령을 전송하였으나 </a:t>
+                      </a:r>
+                      <a:r>
+                        <a:rPr lang="en-US" altLang="ko-KR" sz="900" dirty="0" smtClean="0">
+                          <a:latin typeface="Consolas" panose="020B0609020204030204" pitchFamily="49" charset="0"/>
+                          <a:cs typeface="Consolas" panose="020B0609020204030204" pitchFamily="49" charset="0"/>
+                        </a:rPr>
+                        <a:t>DTNPL</a:t>
+                      </a:r>
+                      <a:r>
+                        <a:rPr lang="ko-KR" altLang="en-US" sz="900" dirty="0" smtClean="0">
+                          <a:latin typeface="Consolas" panose="020B0609020204030204" pitchFamily="49" charset="0"/>
+                          <a:cs typeface="Consolas" panose="020B0609020204030204" pitchFamily="49" charset="0"/>
+                        </a:rPr>
+                        <a:t>로부터 </a:t>
+                      </a:r>
+                      <a:r>
+                        <a:rPr lang="en-US" altLang="ko-KR" sz="900" dirty="0" smtClean="0">
+                          <a:latin typeface="Consolas" panose="020B0609020204030204" pitchFamily="49" charset="0"/>
+                          <a:cs typeface="Consolas" panose="020B0609020204030204" pitchFamily="49" charset="0"/>
+                        </a:rPr>
+                        <a:t>PDHU</a:t>
+                      </a:r>
+                      <a:r>
+                        <a:rPr lang="ko-KR" altLang="en-US" sz="900" dirty="0" smtClean="0">
+                          <a:latin typeface="Consolas" panose="020B0609020204030204" pitchFamily="49" charset="0"/>
+                          <a:cs typeface="Consolas" panose="020B0609020204030204" pitchFamily="49" charset="0"/>
+                        </a:rPr>
+                        <a:t>로 데이터가 전송되지 않음</a:t>
+                      </a:r>
+                      <a:endParaRPr lang="ko-KR" altLang="en-US" sz="900" dirty="0">
+                        <a:latin typeface="Consolas" panose="020B0609020204030204" pitchFamily="49" charset="0"/>
+                        <a:cs typeface="Consolas" panose="020B0609020204030204" pitchFamily="49" charset="0"/>
+                      </a:endParaRPr>
+                    </a:p>
+                  </a:txBody>
+                  <a:tcPr anchor="ctr">
+                    <a:lnL w="6350" cap="flat" cmpd="sng" algn="ctr">
+                      <a:solidFill>
+                        <a:schemeClr val="tx1"/>
+                      </a:solidFill>
+                      <a:prstDash val="solid"/>
+                      <a:round/>
+                      <a:headEnd type="none" w="med" len="med"/>
+                      <a:tailEnd type="none" w="med" len="med"/>
+                    </a:lnL>
+                    <a:lnR w="6350" cap="flat" cmpd="sng" algn="ctr">
+                      <a:solidFill>
+                        <a:schemeClr val="tx1"/>
+                      </a:solidFill>
+                      <a:prstDash val="solid"/>
+                      <a:round/>
+                      <a:headEnd type="none" w="med" len="med"/>
+                      <a:tailEnd type="none" w="med" len="med"/>
+                    </a:lnR>
+                    <a:lnT w="6350" cap="flat" cmpd="sng" algn="ctr">
+                      <a:solidFill>
+                        <a:schemeClr val="tx1"/>
+                      </a:solidFill>
+                      <a:prstDash val="solid"/>
+                      <a:round/>
+                      <a:headEnd type="none" w="med" len="med"/>
+                      <a:tailEnd type="none" w="med" len="med"/>
+                    </a:lnT>
+                    <a:lnB w="6350" cap="flat" cmpd="sng" algn="ctr">
+                      <a:solidFill>
+                        <a:schemeClr val="tx1"/>
+                      </a:solidFill>
+                      <a:prstDash val="solid"/>
+                      <a:round/>
+                      <a:headEnd type="none" w="med" len="med"/>
+                      <a:tailEnd type="none" w="med" len="med"/>
+                    </a:lnB>
+                  </a:tcPr>
+                </a:tc>
+                <a:tc>
+                  <a:txBody>
+                    <a:bodyPr/>
+                    <a:lstStyle/>
+                    <a:p>
+                      <a:pPr algn="l" latinLnBrk="1"/>
+                      <a:r>
+                        <a:rPr lang="en-US" altLang="ko-KR" sz="900" dirty="0" smtClean="0">
+                          <a:latin typeface="Consolas" panose="020B0609020204030204" pitchFamily="49" charset="0"/>
+                          <a:cs typeface="Consolas" panose="020B0609020204030204" pitchFamily="49" charset="0"/>
+                        </a:rPr>
+                        <a:t>MDMAUART</a:t>
+                      </a:r>
+                      <a:r>
+                        <a:rPr lang="en-US" altLang="ko-KR" sz="900" baseline="0" dirty="0" smtClean="0">
+                          <a:latin typeface="Consolas" panose="020B0609020204030204" pitchFamily="49" charset="0"/>
+                          <a:cs typeface="Consolas" panose="020B0609020204030204" pitchFamily="49" charset="0"/>
+                        </a:rPr>
+                        <a:t> </a:t>
+                      </a:r>
+                      <a:r>
+                        <a:rPr lang="ko-KR" altLang="en-US" sz="900" baseline="0" dirty="0" smtClean="0">
+                          <a:latin typeface="Consolas" panose="020B0609020204030204" pitchFamily="49" charset="0"/>
+                          <a:cs typeface="Consolas" panose="020B0609020204030204" pitchFamily="49" charset="0"/>
+                        </a:rPr>
+                        <a:t>정의에 따라 </a:t>
+                      </a:r>
+                      <a:r>
+                        <a:rPr lang="en-US" altLang="ko-KR" sz="900" baseline="0" dirty="0" smtClean="0">
+                          <a:latin typeface="Consolas" panose="020B0609020204030204" pitchFamily="49" charset="0"/>
+                          <a:cs typeface="Consolas" panose="020B0609020204030204" pitchFamily="49" charset="0"/>
+                        </a:rPr>
+                        <a:t>DTNPL</a:t>
+                      </a:r>
+                      <a:r>
+                        <a:rPr lang="ko-KR" altLang="en-US" sz="900" baseline="0" dirty="0" smtClean="0">
+                          <a:latin typeface="Consolas" panose="020B0609020204030204" pitchFamily="49" charset="0"/>
+                          <a:cs typeface="Consolas" panose="020B0609020204030204" pitchFamily="49" charset="0"/>
+                        </a:rPr>
+                        <a:t>은 모든 </a:t>
+                      </a:r>
+                      <a:r>
+                        <a:rPr lang="en-US" altLang="ko-KR" sz="900" baseline="0" dirty="0" smtClean="0">
+                          <a:latin typeface="Consolas" panose="020B0609020204030204" pitchFamily="49" charset="0"/>
+                          <a:cs typeface="Consolas" panose="020B0609020204030204" pitchFamily="49" charset="0"/>
+                        </a:rPr>
+                        <a:t>command</a:t>
+                      </a:r>
+                      <a:r>
+                        <a:rPr lang="ko-KR" altLang="en-US" sz="900" baseline="0" dirty="0" smtClean="0">
+                          <a:latin typeface="Consolas" panose="020B0609020204030204" pitchFamily="49" charset="0"/>
+                          <a:cs typeface="Consolas" panose="020B0609020204030204" pitchFamily="49" charset="0"/>
+                        </a:rPr>
+                        <a:t>에 대해 </a:t>
+                      </a:r>
+                      <a:r>
+                        <a:rPr lang="en-US" altLang="ko-KR" sz="900" baseline="0" dirty="0" smtClean="0">
+                          <a:latin typeface="Consolas" panose="020B0609020204030204" pitchFamily="49" charset="0"/>
+                          <a:cs typeface="Consolas" panose="020B0609020204030204" pitchFamily="49" charset="0"/>
+                        </a:rPr>
+                        <a:t>ACK (OK check, 0x12)</a:t>
+                      </a:r>
+                      <a:r>
+                        <a:rPr lang="ko-KR" altLang="en-US" sz="900" baseline="0" dirty="0" smtClean="0">
+                          <a:latin typeface="Consolas" panose="020B0609020204030204" pitchFamily="49" charset="0"/>
+                          <a:cs typeface="Consolas" panose="020B0609020204030204" pitchFamily="49" charset="0"/>
+                        </a:rPr>
+                        <a:t>를 회신해야 하지만</a:t>
+                      </a:r>
+                      <a:r>
+                        <a:rPr lang="en-US" altLang="ko-KR" sz="900" baseline="0" dirty="0" smtClean="0">
+                          <a:latin typeface="Consolas" panose="020B0609020204030204" pitchFamily="49" charset="0"/>
+                          <a:cs typeface="Consolas" panose="020B0609020204030204" pitchFamily="49" charset="0"/>
+                        </a:rPr>
+                        <a:t>, DTNPL</a:t>
+                      </a:r>
+                      <a:r>
+                        <a:rPr lang="ko-KR" altLang="en-US" sz="900" baseline="0" dirty="0" smtClean="0">
+                          <a:latin typeface="Consolas" panose="020B0609020204030204" pitchFamily="49" charset="0"/>
+                          <a:cs typeface="Consolas" panose="020B0609020204030204" pitchFamily="49" charset="0"/>
+                        </a:rPr>
+                        <a:t>의 </a:t>
+                      </a:r>
+                      <a:r>
+                        <a:rPr lang="en-US" altLang="ko-KR" sz="900" baseline="0" dirty="0" smtClean="0">
+                          <a:latin typeface="Consolas" panose="020B0609020204030204" pitchFamily="49" charset="0"/>
+                          <a:cs typeface="Consolas" panose="020B0609020204030204" pitchFamily="49" charset="0"/>
+                        </a:rPr>
+                        <a:t>firmware</a:t>
+                      </a:r>
+                      <a:r>
+                        <a:rPr lang="ko-KR" altLang="en-US" sz="900" baseline="0" dirty="0" smtClean="0">
+                          <a:latin typeface="Consolas" panose="020B0609020204030204" pitchFamily="49" charset="0"/>
+                          <a:cs typeface="Consolas" panose="020B0609020204030204" pitchFamily="49" charset="0"/>
+                        </a:rPr>
+                        <a:t>가 해당 </a:t>
+                      </a:r>
+                      <a:r>
+                        <a:rPr lang="en-US" altLang="ko-KR" sz="900" baseline="0" dirty="0" smtClean="0">
+                          <a:latin typeface="Consolas" panose="020B0609020204030204" pitchFamily="49" charset="0"/>
+                          <a:cs typeface="Consolas" panose="020B0609020204030204" pitchFamily="49" charset="0"/>
+                        </a:rPr>
+                        <a:t>ACK</a:t>
+                      </a:r>
+                      <a:r>
+                        <a:rPr lang="ko-KR" altLang="en-US" sz="900" baseline="0" dirty="0" smtClean="0">
+                          <a:latin typeface="Consolas" panose="020B0609020204030204" pitchFamily="49" charset="0"/>
+                          <a:cs typeface="Consolas" panose="020B0609020204030204" pitchFamily="49" charset="0"/>
+                        </a:rPr>
+                        <a:t>를 전송하지 않음</a:t>
+                      </a:r>
+                      <a:r>
+                        <a:rPr lang="en-US" altLang="ko-KR" sz="900" baseline="0" dirty="0" smtClean="0">
+                          <a:latin typeface="Consolas" panose="020B0609020204030204" pitchFamily="49" charset="0"/>
+                          <a:cs typeface="Consolas" panose="020B0609020204030204" pitchFamily="49" charset="0"/>
+                        </a:rPr>
+                        <a:t> </a:t>
+                      </a:r>
+                      <a:endParaRPr lang="ko-KR" altLang="en-US" sz="900" dirty="0">
+                        <a:latin typeface="Consolas" panose="020B0609020204030204" pitchFamily="49" charset="0"/>
+                        <a:cs typeface="Consolas" panose="020B0609020204030204" pitchFamily="49" charset="0"/>
+                      </a:endParaRPr>
+                    </a:p>
+                  </a:txBody>
+                  <a:tcPr anchor="ctr">
+                    <a:lnL w="6350" cap="flat" cmpd="sng" algn="ctr">
+                      <a:solidFill>
+                        <a:schemeClr val="tx1"/>
+                      </a:solidFill>
+                      <a:prstDash val="solid"/>
+                      <a:round/>
+                      <a:headEnd type="none" w="med" len="med"/>
+                      <a:tailEnd type="none" w="med" len="med"/>
+                    </a:lnL>
+                    <a:lnR w="6350" cap="flat" cmpd="sng" algn="ctr">
+                      <a:solidFill>
+                        <a:schemeClr val="tx1"/>
+                      </a:solidFill>
+                      <a:prstDash val="solid"/>
+                      <a:round/>
+                      <a:headEnd type="none" w="med" len="med"/>
+                      <a:tailEnd type="none" w="med" len="med"/>
+                    </a:lnR>
+                    <a:lnT w="6350" cap="flat" cmpd="sng" algn="ctr">
+                      <a:solidFill>
+                        <a:schemeClr val="tx1"/>
+                      </a:solidFill>
+                      <a:prstDash val="solid"/>
+                      <a:round/>
+                      <a:headEnd type="none" w="med" len="med"/>
+                      <a:tailEnd type="none" w="med" len="med"/>
+                    </a:lnT>
+                    <a:lnB w="6350" cap="flat" cmpd="sng" algn="ctr">
+                      <a:solidFill>
+                        <a:schemeClr val="tx1"/>
+                      </a:solidFill>
+                      <a:prstDash val="solid"/>
+                      <a:round/>
+                      <a:headEnd type="none" w="med" len="med"/>
+                      <a:tailEnd type="none" w="med" len="med"/>
+                    </a:lnB>
+                  </a:tcPr>
+                </a:tc>
+                <a:tc>
+                  <a:txBody>
+                    <a:bodyPr/>
+                    <a:lstStyle/>
+                    <a:p>
+                      <a:pPr algn="ctr" latinLnBrk="1"/>
+                      <a:r>
+                        <a:rPr lang="en-US" altLang="ko-KR" sz="900" dirty="0" smtClean="0">
+                          <a:latin typeface="Consolas" panose="020B0609020204030204" pitchFamily="49" charset="0"/>
+                          <a:cs typeface="Consolas" panose="020B0609020204030204" pitchFamily="49" charset="0"/>
+                        </a:rPr>
+                        <a:t>Open</a:t>
+                      </a:r>
+                      <a:endParaRPr lang="ko-KR" altLang="en-US" sz="900" dirty="0">
+                        <a:latin typeface="Consolas" panose="020B0609020204030204" pitchFamily="49" charset="0"/>
+                        <a:cs typeface="Consolas" panose="020B0609020204030204" pitchFamily="49" charset="0"/>
+                      </a:endParaRPr>
+                    </a:p>
+                  </a:txBody>
+                  <a:tcPr anchor="ctr">
+                    <a:lnL w="6350" cap="flat" cmpd="sng" algn="ctr">
+                      <a:solidFill>
+                        <a:schemeClr val="tx1"/>
+                      </a:solidFill>
+                      <a:prstDash val="solid"/>
+                      <a:round/>
+                      <a:headEnd type="none" w="med" len="med"/>
+                      <a:tailEnd type="none" w="med" len="med"/>
+                    </a:lnL>
+                    <a:lnR w="6350" cap="flat" cmpd="sng" algn="ctr">
+                      <a:solidFill>
+                        <a:schemeClr val="tx1"/>
+                      </a:solidFill>
+                      <a:prstDash val="solid"/>
+                      <a:round/>
+                      <a:headEnd type="none" w="med" len="med"/>
+                      <a:tailEnd type="none" w="med" len="med"/>
+                    </a:lnR>
+                    <a:lnT w="6350" cap="flat" cmpd="sng" algn="ctr">
+                      <a:solidFill>
+                        <a:schemeClr val="tx1"/>
+                      </a:solidFill>
+                      <a:prstDash val="solid"/>
+                      <a:round/>
+                      <a:headEnd type="none" w="med" len="med"/>
+                      <a:tailEnd type="none" w="med" len="med"/>
+                    </a:lnT>
+                    <a:lnB w="6350" cap="flat" cmpd="sng" algn="ctr">
+                      <a:solidFill>
+                        <a:schemeClr val="tx1"/>
+                      </a:solidFill>
+                      <a:prstDash val="solid"/>
+                      <a:round/>
+                      <a:headEnd type="none" w="med" len="med"/>
+                      <a:tailEnd type="none" w="med" len="med"/>
+                    </a:lnB>
+                  </a:tcPr>
+                </a:tc>
+                <a:tc>
+                  <a:txBody>
+                    <a:bodyPr/>
+                    <a:lstStyle/>
+                    <a:p>
+                      <a:pPr algn="ctr" latinLnBrk="1"/>
+                      <a:r>
+                        <a:rPr lang="en-US" altLang="ko-KR" sz="900" dirty="0" smtClean="0">
+                          <a:latin typeface="Consolas" panose="020B0609020204030204" pitchFamily="49" charset="0"/>
+                          <a:cs typeface="Consolas" panose="020B0609020204030204" pitchFamily="49" charset="0"/>
+                        </a:rPr>
+                        <a:t>2020/04/28</a:t>
+                      </a:r>
+                      <a:endParaRPr lang="ko-KR" altLang="en-US" sz="900" dirty="0">
+                        <a:latin typeface="Consolas" panose="020B0609020204030204" pitchFamily="49" charset="0"/>
+                        <a:cs typeface="Consolas" panose="020B0609020204030204" pitchFamily="49" charset="0"/>
+                      </a:endParaRPr>
+                    </a:p>
+                  </a:txBody>
+                  <a:tcPr anchor="ctr">
+                    <a:lnL w="6350" cap="flat" cmpd="sng" algn="ctr">
+                      <a:solidFill>
+                        <a:schemeClr val="tx1"/>
+                      </a:solidFill>
+                      <a:prstDash val="solid"/>
+                      <a:round/>
+                      <a:headEnd type="none" w="med" len="med"/>
+                      <a:tailEnd type="none" w="med" len="med"/>
+                    </a:lnL>
+                    <a:lnR w="6350" cap="flat" cmpd="sng" algn="ctr">
+                      <a:solidFill>
+                        <a:schemeClr val="tx1"/>
+                      </a:solidFill>
+                      <a:prstDash val="solid"/>
+                      <a:round/>
+                      <a:headEnd type="none" w="med" len="med"/>
+                      <a:tailEnd type="none" w="med" len="med"/>
+                    </a:lnR>
+                    <a:lnT w="6350" cap="flat" cmpd="sng" algn="ctr">
+                      <a:solidFill>
+                        <a:schemeClr val="tx1"/>
+                      </a:solidFill>
+                      <a:prstDash val="solid"/>
+                      <a:round/>
+                      <a:headEnd type="none" w="med" len="med"/>
+                      <a:tailEnd type="none" w="med" len="med"/>
+                    </a:lnT>
+                    <a:lnB w="6350" cap="flat" cmpd="sng" algn="ctr">
+                      <a:solidFill>
+                        <a:schemeClr val="tx1"/>
+                      </a:solidFill>
+                      <a:prstDash val="solid"/>
+                      <a:round/>
+                      <a:headEnd type="none" w="med" len="med"/>
+                      <a:tailEnd type="none" w="med" len="med"/>
+                    </a:lnB>
+                  </a:tcPr>
+                </a:tc>
+                <a:tc>
+                  <a:txBody>
+                    <a:bodyPr/>
+                    <a:lstStyle/>
+                    <a:p>
+                      <a:pPr algn="ctr" latinLnBrk="1"/>
+                      <a:endParaRPr lang="ko-KR" altLang="en-US" sz="900" dirty="0">
+                        <a:latin typeface="Consolas" panose="020B0609020204030204" pitchFamily="49" charset="0"/>
+                        <a:cs typeface="Consolas" panose="020B0609020204030204" pitchFamily="49" charset="0"/>
+                      </a:endParaRPr>
+                    </a:p>
+                  </a:txBody>
+                  <a:tcPr anchor="ctr">
+                    <a:lnL w="6350" cap="flat" cmpd="sng" algn="ctr">
+                      <a:solidFill>
+                        <a:schemeClr val="tx1"/>
+                      </a:solidFill>
+                      <a:prstDash val="solid"/>
+                      <a:round/>
+                      <a:headEnd type="none" w="med" len="med"/>
+                      <a:tailEnd type="none" w="med" len="med"/>
+                    </a:lnL>
+                    <a:lnR w="6350" cap="flat" cmpd="sng" algn="ctr">
+                      <a:solidFill>
+                        <a:schemeClr val="tx1"/>
+                      </a:solidFill>
+                      <a:prstDash val="solid"/>
+                      <a:round/>
+                      <a:headEnd type="none" w="med" len="med"/>
+                      <a:tailEnd type="none" w="med" len="med"/>
+                    </a:lnR>
+                    <a:lnT w="6350" cap="flat" cmpd="sng" algn="ctr">
+                      <a:solidFill>
+                        <a:schemeClr val="tx1"/>
+                      </a:solidFill>
+                      <a:prstDash val="solid"/>
+                      <a:round/>
+                      <a:headEnd type="none" w="med" len="med"/>
+                      <a:tailEnd type="none" w="med" len="med"/>
+                    </a:lnT>
+                    <a:lnB w="6350" cap="flat" cmpd="sng" algn="ctr">
+                      <a:solidFill>
+                        <a:schemeClr val="tx1"/>
+                      </a:solidFill>
+                      <a:prstDash val="solid"/>
+                      <a:round/>
+                      <a:headEnd type="none" w="med" len="med"/>
+                      <a:tailEnd type="none" w="med" len="med"/>
+                    </a:lnB>
+                  </a:tcPr>
+                </a:tc>
+                <a:tc>
+                  <a:txBody>
+                    <a:bodyPr/>
+                    <a:lstStyle/>
+                    <a:p>
+                      <a:pPr marL="171450" indent="-171450" latinLnBrk="1">
+                        <a:buFont typeface="Wingdings" panose="05000000000000000000" pitchFamily="2" charset="2"/>
+                        <a:buChar char="§"/>
+                      </a:pPr>
+                      <a:r>
+                        <a:rPr lang="en-US" altLang="ko-KR" sz="900" dirty="0" smtClean="0">
+                          <a:latin typeface="Consolas" panose="020B0609020204030204" pitchFamily="49" charset="0"/>
+                          <a:cs typeface="Consolas" panose="020B0609020204030204" pitchFamily="49" charset="0"/>
+                        </a:rPr>
+                        <a:t>DTNPL</a:t>
+                      </a:r>
+                      <a:r>
+                        <a:rPr lang="ko-KR" altLang="en-US" sz="900" dirty="0" smtClean="0">
+                          <a:latin typeface="Consolas" panose="020B0609020204030204" pitchFamily="49" charset="0"/>
+                          <a:cs typeface="Consolas" panose="020B0609020204030204" pitchFamily="49" charset="0"/>
+                        </a:rPr>
+                        <a:t>의 모든 </a:t>
+                      </a:r>
+                      <a:r>
+                        <a:rPr lang="en-US" altLang="ko-KR" sz="900" dirty="0" smtClean="0">
+                          <a:latin typeface="Consolas" panose="020B0609020204030204" pitchFamily="49" charset="0"/>
+                          <a:cs typeface="Consolas" panose="020B0609020204030204" pitchFamily="49" charset="0"/>
+                        </a:rPr>
+                        <a:t>TLM</a:t>
+                      </a:r>
+                      <a:r>
+                        <a:rPr lang="ko-KR" altLang="en-US" sz="900" dirty="0" smtClean="0">
+                          <a:latin typeface="Consolas" panose="020B0609020204030204" pitchFamily="49" charset="0"/>
+                          <a:cs typeface="Consolas" panose="020B0609020204030204" pitchFamily="49" charset="0"/>
+                        </a:rPr>
+                        <a:t>을 확인하였으나 값이 모두 </a:t>
+                      </a:r>
+                      <a:r>
+                        <a:rPr lang="en-US" altLang="ko-KR" sz="900" dirty="0" smtClean="0">
+                          <a:latin typeface="Consolas" panose="020B0609020204030204" pitchFamily="49" charset="0"/>
+                          <a:cs typeface="Consolas" panose="020B0609020204030204" pitchFamily="49" charset="0"/>
+                        </a:rPr>
+                        <a:t>0</a:t>
+                      </a:r>
+                      <a:r>
+                        <a:rPr lang="ko-KR" altLang="en-US" sz="900" dirty="0" smtClean="0">
+                          <a:latin typeface="Consolas" panose="020B0609020204030204" pitchFamily="49" charset="0"/>
+                          <a:cs typeface="Consolas" panose="020B0609020204030204" pitchFamily="49" charset="0"/>
+                        </a:rPr>
+                        <a:t>이었으며</a:t>
+                      </a:r>
+                      <a:r>
+                        <a:rPr lang="en-US" altLang="ko-KR" sz="900" dirty="0" smtClean="0">
+                          <a:latin typeface="Consolas" panose="020B0609020204030204" pitchFamily="49" charset="0"/>
+                          <a:cs typeface="Consolas" panose="020B0609020204030204" pitchFamily="49" charset="0"/>
+                        </a:rPr>
+                        <a:t>, DTNPL command error counter(TDCMDERRCNT)</a:t>
+                      </a:r>
+                      <a:r>
+                        <a:rPr lang="ko-KR" altLang="en-US" sz="900" dirty="0" smtClean="0">
+                          <a:latin typeface="Consolas" panose="020B0609020204030204" pitchFamily="49" charset="0"/>
+                          <a:cs typeface="Consolas" panose="020B0609020204030204" pitchFamily="49" charset="0"/>
+                        </a:rPr>
+                        <a:t>가 주기적으로 증가하는 것을 확인함</a:t>
+                      </a:r>
+                      <a:endParaRPr lang="en-US" altLang="ko-KR" sz="900" dirty="0" smtClean="0">
+                        <a:latin typeface="Consolas" panose="020B0609020204030204" pitchFamily="49" charset="0"/>
+                        <a:cs typeface="Consolas" panose="020B0609020204030204" pitchFamily="49" charset="0"/>
+                      </a:endParaRPr>
+                    </a:p>
+                    <a:p>
+                      <a:pPr marL="171450" indent="-171450" latinLnBrk="1">
+                        <a:buFont typeface="Wingdings" panose="05000000000000000000" pitchFamily="2" charset="2"/>
+                        <a:buChar char="§"/>
+                      </a:pPr>
+                      <a:r>
+                        <a:rPr lang="en-US" altLang="ko-KR" sz="900" dirty="0" smtClean="0">
+                          <a:latin typeface="Consolas" panose="020B0609020204030204" pitchFamily="49" charset="0"/>
+                          <a:cs typeface="Consolas" panose="020B0609020204030204" pitchFamily="49" charset="0"/>
+                        </a:rPr>
+                        <a:t>DCSCRIPT2 </a:t>
+                      </a:r>
+                      <a:r>
+                        <a:rPr lang="ko-KR" altLang="en-US" sz="900" dirty="0" smtClean="0">
+                          <a:latin typeface="Consolas" panose="020B0609020204030204" pitchFamily="49" charset="0"/>
+                          <a:cs typeface="Consolas" panose="020B0609020204030204" pitchFamily="49" charset="0"/>
+                        </a:rPr>
+                        <a:t>명령을</a:t>
+                      </a:r>
+                      <a:r>
+                        <a:rPr lang="en-US" altLang="ko-KR" sz="900" dirty="0" smtClean="0">
+                          <a:latin typeface="Consolas" panose="020B0609020204030204" pitchFamily="49" charset="0"/>
+                          <a:cs typeface="Consolas" panose="020B0609020204030204" pitchFamily="49" charset="0"/>
+                        </a:rPr>
+                        <a:t> </a:t>
+                      </a:r>
+                      <a:r>
+                        <a:rPr lang="ko-KR" altLang="en-US" sz="900" dirty="0" smtClean="0">
+                          <a:latin typeface="Consolas" panose="020B0609020204030204" pitchFamily="49" charset="0"/>
+                          <a:cs typeface="Consolas" panose="020B0609020204030204" pitchFamily="49" charset="0"/>
+                        </a:rPr>
+                        <a:t>전송하는 경우도 </a:t>
+                      </a:r>
+                      <a:r>
+                        <a:rPr lang="en-US" altLang="ko-KR" sz="900" dirty="0" smtClean="0">
+                          <a:latin typeface="Consolas" panose="020B0609020204030204" pitchFamily="49" charset="0"/>
+                          <a:cs typeface="Consolas" panose="020B0609020204030204" pitchFamily="49" charset="0"/>
+                        </a:rPr>
+                        <a:t>TDCMDERRCNT</a:t>
+                      </a:r>
+                      <a:r>
+                        <a:rPr lang="ko-KR" altLang="en-US" sz="900" dirty="0" smtClean="0">
+                          <a:latin typeface="Consolas" panose="020B0609020204030204" pitchFamily="49" charset="0"/>
+                          <a:cs typeface="Consolas" panose="020B0609020204030204" pitchFamily="49" charset="0"/>
+                        </a:rPr>
+                        <a:t>가 증가함을 확인함</a:t>
+                      </a:r>
+                      <a:endParaRPr lang="en-US" altLang="ko-KR" sz="900" dirty="0" smtClean="0">
+                        <a:latin typeface="Consolas" panose="020B0609020204030204" pitchFamily="49" charset="0"/>
+                        <a:cs typeface="Consolas" panose="020B0609020204030204" pitchFamily="49" charset="0"/>
+                      </a:endParaRPr>
+                    </a:p>
+                    <a:p>
+                      <a:pPr marL="171450" indent="-171450" latinLnBrk="1">
+                        <a:buFont typeface="Wingdings" panose="05000000000000000000" pitchFamily="2" charset="2"/>
+                        <a:buChar char="§"/>
+                      </a:pPr>
+                      <a:r>
+                        <a:rPr lang="en-US" altLang="ko-KR" sz="900" dirty="0" smtClean="0">
+                          <a:latin typeface="Consolas" panose="020B0609020204030204" pitchFamily="49" charset="0"/>
+                          <a:cs typeface="Consolas" panose="020B0609020204030204" pitchFamily="49" charset="0"/>
+                        </a:rPr>
+                        <a:t>DTNPL</a:t>
+                      </a:r>
+                      <a:r>
+                        <a:rPr lang="ko-KR" altLang="en-US" sz="900" dirty="0" smtClean="0">
+                          <a:latin typeface="Consolas" panose="020B0609020204030204" pitchFamily="49" charset="0"/>
+                          <a:cs typeface="Consolas" panose="020B0609020204030204" pitchFamily="49" charset="0"/>
+                        </a:rPr>
+                        <a:t>의 </a:t>
+                      </a:r>
+                      <a:r>
+                        <a:rPr lang="en-US" altLang="ko-KR" sz="900" dirty="0" smtClean="0">
+                          <a:latin typeface="Consolas" panose="020B0609020204030204" pitchFamily="49" charset="0"/>
+                          <a:cs typeface="Consolas" panose="020B0609020204030204" pitchFamily="49" charset="0"/>
+                        </a:rPr>
+                        <a:t>EGSE</a:t>
+                      </a:r>
+                      <a:r>
+                        <a:rPr lang="ko-KR" altLang="en-US" sz="900" dirty="0" smtClean="0">
+                          <a:latin typeface="Consolas" panose="020B0609020204030204" pitchFamily="49" charset="0"/>
+                          <a:cs typeface="Consolas" panose="020B0609020204030204" pitchFamily="49" charset="0"/>
+                        </a:rPr>
+                        <a:t>를 통하여 </a:t>
+                      </a:r>
+                      <a:r>
+                        <a:rPr lang="en-US" altLang="ko-KR" sz="900" dirty="0" smtClean="0">
+                          <a:latin typeface="Consolas" panose="020B0609020204030204" pitchFamily="49" charset="0"/>
+                          <a:cs typeface="Consolas" panose="020B0609020204030204" pitchFamily="49" charset="0"/>
+                        </a:rPr>
+                        <a:t>DTNPL</a:t>
+                      </a:r>
+                      <a:r>
+                        <a:rPr lang="ko-KR" altLang="en-US" sz="900" dirty="0" smtClean="0">
+                          <a:latin typeface="Consolas" panose="020B0609020204030204" pitchFamily="49" charset="0"/>
+                          <a:cs typeface="Consolas" panose="020B0609020204030204" pitchFamily="49" charset="0"/>
+                        </a:rPr>
+                        <a:t>이 </a:t>
+                      </a:r>
+                      <a:r>
+                        <a:rPr lang="en-US" altLang="ko-KR" sz="900" dirty="0" smtClean="0">
+                          <a:latin typeface="Consolas" panose="020B0609020204030204" pitchFamily="49" charset="0"/>
+                          <a:cs typeface="Consolas" panose="020B0609020204030204" pitchFamily="49" charset="0"/>
+                        </a:rPr>
+                        <a:t>CMD</a:t>
+                      </a:r>
+                      <a:r>
+                        <a:rPr lang="ko-KR" altLang="en-US" sz="900" dirty="0" smtClean="0">
+                          <a:latin typeface="Consolas" panose="020B0609020204030204" pitchFamily="49" charset="0"/>
+                          <a:cs typeface="Consolas" panose="020B0609020204030204" pitchFamily="49" charset="0"/>
+                        </a:rPr>
+                        <a:t>를 정상수신하지만 </a:t>
+                      </a:r>
+                      <a:r>
+                        <a:rPr lang="en-US" altLang="ko-KR" sz="900" dirty="0" smtClean="0">
+                          <a:latin typeface="Consolas" panose="020B0609020204030204" pitchFamily="49" charset="0"/>
+                          <a:cs typeface="Consolas" panose="020B0609020204030204" pitchFamily="49" charset="0"/>
+                        </a:rPr>
+                        <a:t>ACK</a:t>
+                      </a:r>
+                      <a:r>
+                        <a:rPr lang="ko-KR" altLang="en-US" sz="900" dirty="0" smtClean="0">
+                          <a:latin typeface="Consolas" panose="020B0609020204030204" pitchFamily="49" charset="0"/>
+                          <a:cs typeface="Consolas" panose="020B0609020204030204" pitchFamily="49" charset="0"/>
+                        </a:rPr>
+                        <a:t>를 전송하지 않는 것으로 확인됨</a:t>
+                      </a:r>
+                      <a:endParaRPr lang="ko-KR" altLang="en-US" sz="900" dirty="0">
+                        <a:latin typeface="Consolas" panose="020B0609020204030204" pitchFamily="49" charset="0"/>
+                        <a:cs typeface="Consolas" panose="020B0609020204030204" pitchFamily="49" charset="0"/>
+                      </a:endParaRPr>
+                    </a:p>
+                  </a:txBody>
+                  <a:tcPr anchor="ctr">
+                    <a:lnL w="6350" cap="flat" cmpd="sng" algn="ctr">
+                      <a:solidFill>
+                        <a:schemeClr val="tx1"/>
+                      </a:solidFill>
+                      <a:prstDash val="solid"/>
+                      <a:round/>
+                      <a:headEnd type="none" w="med" len="med"/>
+                      <a:tailEnd type="none" w="med" len="med"/>
+                    </a:lnL>
+                    <a:lnR w="6350" cap="flat" cmpd="sng" algn="ctr">
+                      <a:solidFill>
+                        <a:schemeClr val="tx1"/>
+                      </a:solidFill>
+                      <a:prstDash val="solid"/>
+                      <a:round/>
+                      <a:headEnd type="none" w="med" len="med"/>
+                      <a:tailEnd type="none" w="med" len="med"/>
+                    </a:lnR>
+                    <a:lnT w="6350" cap="flat" cmpd="sng" algn="ctr">
+                      <a:solidFill>
+                        <a:schemeClr val="tx1"/>
+                      </a:solidFill>
+                      <a:prstDash val="solid"/>
+                      <a:round/>
+                      <a:headEnd type="none" w="med" len="med"/>
+                      <a:tailEnd type="none" w="med" len="med"/>
+                    </a:lnT>
+                    <a:lnB w="6350" cap="flat" cmpd="sng" algn="ctr">
+                      <a:solidFill>
+                        <a:schemeClr val="tx1"/>
+                      </a:solidFill>
+                      <a:prstDash val="solid"/>
+                      <a:round/>
+                      <a:headEnd type="none" w="med" len="med"/>
+                      <a:tailEnd type="none" w="med" len="med"/>
+                    </a:lnB>
+                  </a:tcPr>
+                </a:tc>
+                <a:tc>
+                  <a:txBody>
+                    <a:bodyPr/>
+                    <a:lstStyle/>
+                    <a:p>
+                      <a:pPr algn="ctr" latinLnBrk="1"/>
+                      <a:r>
+                        <a:rPr lang="en-US" altLang="ko-KR" sz="900" dirty="0" smtClean="0">
+                          <a:latin typeface="Consolas" panose="020B0609020204030204" pitchFamily="49" charset="0"/>
+                          <a:cs typeface="Consolas" panose="020B0609020204030204" pitchFamily="49" charset="0"/>
+                        </a:rPr>
+                        <a:t>ETRI</a:t>
+                      </a:r>
+                      <a:endParaRPr lang="ko-KR" altLang="en-US" sz="900" dirty="0">
+                        <a:latin typeface="Consolas" panose="020B0609020204030204" pitchFamily="49" charset="0"/>
+                        <a:cs typeface="Consolas" panose="020B0609020204030204" pitchFamily="49" charset="0"/>
+                      </a:endParaRPr>
+                    </a:p>
+                  </a:txBody>
+                  <a:tcPr anchor="ctr">
+                    <a:lnL w="6350" cap="flat" cmpd="sng" algn="ctr">
+                      <a:solidFill>
+                        <a:schemeClr val="tx1"/>
+                      </a:solidFill>
+                      <a:prstDash val="solid"/>
+                      <a:round/>
+                      <a:headEnd type="none" w="med" len="med"/>
+                      <a:tailEnd type="none" w="med" len="med"/>
+                    </a:lnL>
+                    <a:lnR w="6350" cap="flat" cmpd="sng" algn="ctr">
+                      <a:solidFill>
+                        <a:schemeClr val="tx1"/>
+                      </a:solidFill>
+                      <a:prstDash val="solid"/>
+                      <a:round/>
+                      <a:headEnd type="none" w="med" len="med"/>
+                      <a:tailEnd type="none" w="med" len="med"/>
+                    </a:lnR>
+                    <a:lnT w="6350" cap="flat" cmpd="sng" algn="ctr">
+                      <a:solidFill>
+                        <a:schemeClr val="tx1"/>
+                      </a:solidFill>
+                      <a:prstDash val="solid"/>
+                      <a:round/>
+                      <a:headEnd type="none" w="med" len="med"/>
+                      <a:tailEnd type="none" w="med" len="med"/>
+                    </a:lnT>
+                    <a:lnB w="6350" cap="flat" cmpd="sng" algn="ctr">
+                      <a:solidFill>
+                        <a:schemeClr val="tx1"/>
+                      </a:solidFill>
+                      <a:prstDash val="solid"/>
+                      <a:round/>
+                      <a:headEnd type="none" w="med" len="med"/>
+                      <a:tailEnd type="none" w="med" len="med"/>
+                    </a:lnB>
+                  </a:tcPr>
+                </a:tc>
+                <a:tc>
+                  <a:txBody>
+                    <a:bodyPr/>
+                    <a:lstStyle/>
+                    <a:p>
+                      <a:pPr algn="ctr" latinLnBrk="1"/>
+                      <a:endParaRPr lang="ko-KR" altLang="en-US" sz="900" dirty="0">
+                        <a:latin typeface="Consolas" panose="020B0609020204030204" pitchFamily="49" charset="0"/>
+                        <a:cs typeface="Consolas" panose="020B0609020204030204" pitchFamily="49" charset="0"/>
+                      </a:endParaRPr>
+                    </a:p>
+                  </a:txBody>
+                  <a:tcPr anchor="ctr">
+                    <a:lnL w="6350" cap="flat" cmpd="sng" algn="ctr">
+                      <a:solidFill>
+                        <a:schemeClr val="tx1"/>
+                      </a:solidFill>
+                      <a:prstDash val="solid"/>
+                      <a:round/>
+                      <a:headEnd type="none" w="med" len="med"/>
+                      <a:tailEnd type="none" w="med" len="med"/>
+                    </a:lnL>
+                    <a:lnR w="6350" cap="flat" cmpd="sng" algn="ctr">
+                      <a:solidFill>
+                        <a:schemeClr val="tx1"/>
+                      </a:solidFill>
+                      <a:prstDash val="solid"/>
+                      <a:round/>
+                      <a:headEnd type="none" w="med" len="med"/>
+                      <a:tailEnd type="none" w="med" len="med"/>
+                    </a:lnR>
+                    <a:lnT w="6350" cap="flat" cmpd="sng" algn="ctr">
+                      <a:solidFill>
+                        <a:schemeClr val="tx1"/>
+                      </a:solidFill>
+                      <a:prstDash val="solid"/>
+                      <a:round/>
+                      <a:headEnd type="none" w="med" len="med"/>
+                      <a:tailEnd type="none" w="med" len="med"/>
+                    </a:lnT>
+                    <a:lnB w="6350" cap="flat" cmpd="sng" algn="ctr">
+                      <a:solidFill>
+                        <a:schemeClr val="tx1"/>
+                      </a:solidFill>
+                      <a:prstDash val="solid"/>
+                      <a:round/>
+                      <a:headEnd type="none" w="med" len="med"/>
+                      <a:tailEnd type="none" w="med" len="med"/>
+                    </a:lnB>
+                  </a:tcPr>
+                </a:tc>
+                <a:extLst>
+                  <a:ext uri="{0D108BD9-81ED-4DB2-BD59-A6C34878D82A}">
+                    <a16:rowId xmlns:a16="http://schemas.microsoft.com/office/drawing/2014/main" val="10007"/>
+                  </a:ext>
+                </a:extLst>
+              </a:tr>
+            </a:tbl>
+          </a:graphicData>
+        </a:graphic>
+      </p:graphicFrame>
     </p:spTree>
     <p:extLst>
       <p:ext uri="{BB962C8B-B14F-4D97-AF65-F5344CB8AC3E}">
@@ -6027,7 +7505,11 @@
             </a:r>
             <a:r>
               <a:rPr lang="ko-KR" altLang="en-US" dirty="0" smtClean="0"/>
-              <a:t>초 구간 동안에는 </a:t>
+              <a:t>초 </a:t>
+            </a:r>
+            <a:r>
+              <a:rPr lang="ko-KR" altLang="en-US" dirty="0" smtClean="0"/>
+              <a:t>동안에는 </a:t>
             </a:r>
             <a:r>
               <a:rPr lang="en-US" altLang="ko-KR" dirty="0" smtClean="0"/>
@@ -6307,7 +7789,7 @@
         </p:nvSpPr>
         <p:spPr>
           <a:xfrm>
-            <a:off x="1364301" y="2183608"/>
+            <a:off x="1275401" y="2800351"/>
             <a:ext cx="173473" cy="77087"/>
           </a:xfrm>
           <a:prstGeom prst="rightArrow">
@@ -6339,86 +7821,6 @@
           </a:p>
         </p:txBody>
       </p:sp>
-      <p:sp>
-        <p:nvSpPr>
-          <p:cNvPr id="7" name="오른쪽 화살표 6"/>
-          <p:cNvSpPr/>
-          <p:nvPr/>
-        </p:nvSpPr>
-        <p:spPr>
-          <a:xfrm>
-            <a:off x="1364300" y="2466183"/>
-            <a:ext cx="173473" cy="77087"/>
-          </a:xfrm>
-          <a:prstGeom prst="rightArrow">
-            <a:avLst/>
-          </a:prstGeom>
-        </p:spPr>
-        <p:style>
-          <a:lnRef idx="2">
-            <a:schemeClr val="accent1">
-              <a:shade val="50000"/>
-            </a:schemeClr>
-          </a:lnRef>
-          <a:fillRef idx="1">
-            <a:schemeClr val="accent1"/>
-          </a:fillRef>
-          <a:effectRef idx="0">
-            <a:schemeClr val="accent1"/>
-          </a:effectRef>
-          <a:fontRef idx="minor">
-            <a:schemeClr val="lt1"/>
-          </a:fontRef>
-        </p:style>
-        <p:txBody>
-          <a:bodyPr rtlCol="0" anchor="ctr"/>
-          <a:lstStyle/>
-          <a:p>
-            <a:pPr algn="ctr"/>
-            <a:endParaRPr lang="ko-KR" altLang="en-US"/>
-          </a:p>
-        </p:txBody>
-      </p:sp>
-      <p:sp>
-        <p:nvSpPr>
-          <p:cNvPr id="8" name="오른쪽 화살표 7"/>
-          <p:cNvSpPr/>
-          <p:nvPr/>
-        </p:nvSpPr>
-        <p:spPr>
-          <a:xfrm>
-            <a:off x="1364299" y="2747172"/>
-            <a:ext cx="173473" cy="77087"/>
-          </a:xfrm>
-          <a:prstGeom prst="rightArrow">
-            <a:avLst/>
-          </a:prstGeom>
-        </p:spPr>
-        <p:style>
-          <a:lnRef idx="2">
-            <a:schemeClr val="accent1">
-              <a:shade val="50000"/>
-            </a:schemeClr>
-          </a:lnRef>
-          <a:fillRef idx="1">
-            <a:schemeClr val="accent1"/>
-          </a:fillRef>
-          <a:effectRef idx="0">
-            <a:schemeClr val="accent1"/>
-          </a:effectRef>
-          <a:fontRef idx="minor">
-            <a:schemeClr val="lt1"/>
-          </a:fontRef>
-        </p:style>
-        <p:txBody>
-          <a:bodyPr rtlCol="0" anchor="ctr"/>
-          <a:lstStyle/>
-          <a:p>
-            <a:pPr algn="ctr"/>
-            <a:endParaRPr lang="ko-KR" altLang="en-US"/>
-          </a:p>
-        </p:txBody>
-      </p:sp>
       <p:cxnSp>
         <p:nvCxnSpPr>
           <p:cNvPr id="9" name="직선 연결선 8"/>
@@ -6427,7 +7829,7 @@
         </p:nvCxnSpPr>
         <p:spPr>
           <a:xfrm>
-            <a:off x="1737361" y="2291559"/>
+            <a:off x="1610361" y="3108329"/>
             <a:ext cx="133790" cy="0"/>
           </a:xfrm>
           <a:prstGeom prst="line">
@@ -6462,7 +7864,7 @@
         </p:nvCxnSpPr>
         <p:spPr>
           <a:xfrm>
-            <a:off x="1746883" y="2555879"/>
+            <a:off x="1619883" y="3329786"/>
             <a:ext cx="133790" cy="0"/>
           </a:xfrm>
           <a:prstGeom prst="line">
@@ -6497,7 +7899,7 @@
         </p:nvCxnSpPr>
         <p:spPr>
           <a:xfrm>
-            <a:off x="1751640" y="2844013"/>
+            <a:off x="1624640" y="3558388"/>
             <a:ext cx="133790" cy="0"/>
           </a:xfrm>
           <a:prstGeom prst="line">
@@ -6532,7 +7934,7 @@
         </p:nvCxnSpPr>
         <p:spPr>
           <a:xfrm>
-            <a:off x="1765911" y="3116277"/>
+            <a:off x="1629387" y="3775885"/>
             <a:ext cx="133790" cy="0"/>
           </a:xfrm>
           <a:prstGeom prst="line">
@@ -6567,7 +7969,7 @@
         </p:nvCxnSpPr>
         <p:spPr>
           <a:xfrm>
-            <a:off x="1765883" y="3387739"/>
+            <a:off x="1629359" y="3999716"/>
             <a:ext cx="133790" cy="0"/>
           </a:xfrm>
           <a:prstGeom prst="line">
@@ -6602,7 +8004,217 @@
         </p:nvCxnSpPr>
         <p:spPr>
           <a:xfrm>
-            <a:off x="1765883" y="3659201"/>
+            <a:off x="1629359" y="4223552"/>
+            <a:ext cx="133790" cy="0"/>
+          </a:xfrm>
+          <a:prstGeom prst="line">
+            <a:avLst/>
+          </a:prstGeom>
+          <a:ln w="28575">
+            <a:solidFill>
+              <a:srgbClr val="FF0000"/>
+            </a:solidFill>
+          </a:ln>
+        </p:spPr>
+        <p:style>
+          <a:lnRef idx="1">
+            <a:schemeClr val="accent1"/>
+          </a:lnRef>
+          <a:fillRef idx="0">
+            <a:schemeClr val="accent1"/>
+          </a:fillRef>
+          <a:effectRef idx="0">
+            <a:schemeClr val="accent1"/>
+          </a:effectRef>
+          <a:fontRef idx="minor">
+            <a:schemeClr val="tx1"/>
+          </a:fontRef>
+        </p:style>
+      </p:cxnSp>
+      <p:cxnSp>
+        <p:nvCxnSpPr>
+          <p:cNvPr id="15" name="직선 연결선 14"/>
+          <p:cNvCxnSpPr/>
+          <p:nvPr/>
+        </p:nvCxnSpPr>
+        <p:spPr>
+          <a:xfrm>
+            <a:off x="1615064" y="4447387"/>
+            <a:ext cx="133790" cy="0"/>
+          </a:xfrm>
+          <a:prstGeom prst="line">
+            <a:avLst/>
+          </a:prstGeom>
+          <a:ln w="28575">
+            <a:solidFill>
+              <a:srgbClr val="FF0000"/>
+            </a:solidFill>
+          </a:ln>
+        </p:spPr>
+        <p:style>
+          <a:lnRef idx="1">
+            <a:schemeClr val="accent1"/>
+          </a:lnRef>
+          <a:fillRef idx="0">
+            <a:schemeClr val="accent1"/>
+          </a:fillRef>
+          <a:effectRef idx="0">
+            <a:schemeClr val="accent1"/>
+          </a:effectRef>
+          <a:fontRef idx="minor">
+            <a:schemeClr val="tx1"/>
+          </a:fontRef>
+        </p:style>
+      </p:cxnSp>
+      <p:cxnSp>
+        <p:nvCxnSpPr>
+          <p:cNvPr id="16" name="직선 연결선 15"/>
+          <p:cNvCxnSpPr/>
+          <p:nvPr/>
+        </p:nvCxnSpPr>
+        <p:spPr>
+          <a:xfrm>
+            <a:off x="1619043" y="4675987"/>
+            <a:ext cx="133790" cy="0"/>
+          </a:xfrm>
+          <a:prstGeom prst="line">
+            <a:avLst/>
+          </a:prstGeom>
+          <a:ln w="28575">
+            <a:solidFill>
+              <a:srgbClr val="FF0000"/>
+            </a:solidFill>
+          </a:ln>
+        </p:spPr>
+        <p:style>
+          <a:lnRef idx="1">
+            <a:schemeClr val="accent1"/>
+          </a:lnRef>
+          <a:fillRef idx="0">
+            <a:schemeClr val="accent1"/>
+          </a:fillRef>
+          <a:effectRef idx="0">
+            <a:schemeClr val="accent1"/>
+          </a:effectRef>
+          <a:fontRef idx="minor">
+            <a:schemeClr val="tx1"/>
+          </a:fontRef>
+        </p:style>
+      </p:cxnSp>
+      <p:cxnSp>
+        <p:nvCxnSpPr>
+          <p:cNvPr id="17" name="직선 연결선 16"/>
+          <p:cNvCxnSpPr/>
+          <p:nvPr/>
+        </p:nvCxnSpPr>
+        <p:spPr>
+          <a:xfrm>
+            <a:off x="1610361" y="4898237"/>
+            <a:ext cx="133790" cy="0"/>
+          </a:xfrm>
+          <a:prstGeom prst="line">
+            <a:avLst/>
+          </a:prstGeom>
+          <a:ln w="28575">
+            <a:solidFill>
+              <a:srgbClr val="FF0000"/>
+            </a:solidFill>
+          </a:ln>
+        </p:spPr>
+        <p:style>
+          <a:lnRef idx="1">
+            <a:schemeClr val="accent1"/>
+          </a:lnRef>
+          <a:fillRef idx="0">
+            <a:schemeClr val="accent1"/>
+          </a:fillRef>
+          <a:effectRef idx="0">
+            <a:schemeClr val="accent1"/>
+          </a:effectRef>
+          <a:fontRef idx="minor">
+            <a:schemeClr val="tx1"/>
+          </a:fontRef>
+        </p:style>
+      </p:cxnSp>
+      <p:cxnSp>
+        <p:nvCxnSpPr>
+          <p:cNvPr id="18" name="직선 연결선 17"/>
+          <p:cNvCxnSpPr/>
+          <p:nvPr/>
+        </p:nvCxnSpPr>
+        <p:spPr>
+          <a:xfrm>
+            <a:off x="1610361" y="5123662"/>
+            <a:ext cx="133790" cy="0"/>
+          </a:xfrm>
+          <a:prstGeom prst="line">
+            <a:avLst/>
+          </a:prstGeom>
+          <a:ln w="28575">
+            <a:solidFill>
+              <a:srgbClr val="FF0000"/>
+            </a:solidFill>
+          </a:ln>
+        </p:spPr>
+        <p:style>
+          <a:lnRef idx="1">
+            <a:schemeClr val="accent1"/>
+          </a:lnRef>
+          <a:fillRef idx="0">
+            <a:schemeClr val="accent1"/>
+          </a:fillRef>
+          <a:effectRef idx="0">
+            <a:schemeClr val="accent1"/>
+          </a:effectRef>
+          <a:fontRef idx="minor">
+            <a:schemeClr val="tx1"/>
+          </a:fontRef>
+        </p:style>
+      </p:cxnSp>
+      <p:cxnSp>
+        <p:nvCxnSpPr>
+          <p:cNvPr id="19" name="직선 연결선 18"/>
+          <p:cNvCxnSpPr/>
+          <p:nvPr/>
+        </p:nvCxnSpPr>
+        <p:spPr>
+          <a:xfrm>
+            <a:off x="1610361" y="5345912"/>
+            <a:ext cx="133790" cy="0"/>
+          </a:xfrm>
+          <a:prstGeom prst="line">
+            <a:avLst/>
+          </a:prstGeom>
+          <a:ln w="28575">
+            <a:solidFill>
+              <a:srgbClr val="FF0000"/>
+            </a:solidFill>
+          </a:ln>
+        </p:spPr>
+        <p:style>
+          <a:lnRef idx="1">
+            <a:schemeClr val="accent1"/>
+          </a:lnRef>
+          <a:fillRef idx="0">
+            <a:schemeClr val="accent1"/>
+          </a:fillRef>
+          <a:effectRef idx="0">
+            <a:schemeClr val="accent1"/>
+          </a:effectRef>
+          <a:fontRef idx="minor">
+            <a:schemeClr val="tx1"/>
+          </a:fontRef>
+        </p:style>
+      </p:cxnSp>
+      <p:cxnSp>
+        <p:nvCxnSpPr>
+          <p:cNvPr id="20" name="직선 연결선 19"/>
+          <p:cNvCxnSpPr/>
+          <p:nvPr/>
+        </p:nvCxnSpPr>
+        <p:spPr>
+          <a:xfrm>
+            <a:off x="1610361" y="5564987"/>
             <a:ext cx="133790" cy="0"/>
           </a:xfrm>
           <a:prstGeom prst="line">
@@ -6754,7 +8366,7 @@
           <a:graphicData uri="http://schemas.openxmlformats.org/presentationml/2006/ole">
             <mc:AlternateContent xmlns:mc="http://schemas.openxmlformats.org/markup-compatibility/2006">
               <mc:Choice xmlns:v="urn:schemas-microsoft-com:vml" Requires="v">
-                <p:oleObj spid="_x0000_s1039" name="포장기 셸 개체" showAsIcon="1" r:id="rId4" imgW="783000" imgH="486000" progId="Package">
+                <p:oleObj spid="_x0000_s1042" name="포장기 셸 개체" showAsIcon="1" r:id="rId4" imgW="783000" imgH="486000" progId="Package">
                   <p:embed/>
                 </p:oleObj>
               </mc:Choice>

--- a/1. Project/DTNPL/Weekly Report/DTN_SBC-TRS28-분석 20200831.pptx
+++ b/1. Project/DTNPL/Weekly Report/DTN_SBC-TRS28-분석 20200831.pptx
@@ -5,10 +5,10 @@
     <p:sldMasterId id="2147483648" r:id="rId1"/>
   </p:sldMasterIdLst>
   <p:notesMasterIdLst>
-    <p:notesMasterId r:id="rId7"/>
+    <p:notesMasterId r:id="rId8"/>
   </p:notesMasterIdLst>
   <p:handoutMasterIdLst>
-    <p:handoutMasterId r:id="rId8"/>
+    <p:handoutMasterId r:id="rId9"/>
   </p:handoutMasterIdLst>
   <p:sldIdLst>
     <p:sldId id="423" r:id="rId2"/>
@@ -16,6 +16,7 @@
     <p:sldId id="815" r:id="rId4"/>
     <p:sldId id="816" r:id="rId5"/>
     <p:sldId id="817" r:id="rId6"/>
+    <p:sldId id="818" r:id="rId7"/>
   </p:sldIdLst>
   <p:sldSz cx="9144000" cy="6858000" type="screen4x3"/>
   <p:notesSz cx="7104063" cy="10234613"/>
@@ -5414,23 +5415,11 @@
             </a:br>
             <a:r>
               <a:rPr lang="en-US" altLang="ko-KR" b="0" dirty="0" smtClean="0"/>
-              <a:t>  - </a:t>
-            </a:r>
-            <a:r>
-              <a:rPr lang="en-US" altLang="ko-KR" b="0" dirty="0" smtClean="0"/>
-              <a:t>DTN</a:t>
-            </a:r>
-            <a:r>
-              <a:rPr lang="en-US" altLang="ko-KR" b="0" dirty="0" smtClean="0"/>
-              <a:t>PL</a:t>
+              <a:t>  - DTNPL</a:t>
             </a:r>
             <a:r>
               <a:rPr lang="ko-KR" altLang="en-US" b="0" dirty="0" smtClean="0"/>
-              <a:t>의 </a:t>
-            </a:r>
-            <a:r>
-              <a:rPr lang="ko-KR" altLang="en-US" b="0" dirty="0" smtClean="0"/>
-              <a:t>동작을 </a:t>
+              <a:t>의 동작을 </a:t>
             </a:r>
             <a:r>
               <a:rPr lang="en-US" altLang="ko-KR" b="0" dirty="0" smtClean="0"/>
@@ -5485,11 +5474,7 @@
             </a:r>
             <a:r>
               <a:rPr lang="ko-KR" altLang="en-US" b="0" dirty="0" smtClean="0"/>
-              <a:t>명령 </a:t>
-            </a:r>
-            <a:r>
-              <a:rPr lang="ko-KR" altLang="en-US" b="0" dirty="0" smtClean="0"/>
-              <a:t>수행 시 </a:t>
+              <a:t>명령 수행 시 </a:t>
             </a:r>
             <a:r>
               <a:rPr lang="en-US" altLang="ko-KR" b="0" dirty="0" smtClean="0"/>
@@ -5565,19 +5550,11 @@
             </a:r>
             <a:r>
               <a:rPr lang="ko-KR" altLang="en-US" b="0" dirty="0" smtClean="0"/>
-              <a:t>이 응답할 수 없는 </a:t>
-            </a:r>
-            <a:r>
-              <a:rPr lang="ko-KR" altLang="en-US" b="0" dirty="0" smtClean="0"/>
-              <a:t>상태가 됨</a:t>
+              <a:t>이 응답할 수 없는 상태가 됨</a:t>
             </a:r>
             <a:r>
               <a:rPr lang="en-US" altLang="ko-KR" b="0" dirty="0" smtClean="0"/>
               <a:t>. </a:t>
-            </a:r>
-            <a:r>
-              <a:rPr lang="en-US" altLang="ko-KR" b="0" dirty="0" smtClean="0"/>
-              <a:t/>
             </a:r>
             <a:br>
               <a:rPr lang="en-US" altLang="ko-KR" b="0" dirty="0" smtClean="0"/>
@@ -7505,11 +7482,7 @@
             </a:r>
             <a:r>
               <a:rPr lang="ko-KR" altLang="en-US" dirty="0" smtClean="0"/>
-              <a:t>초 </a:t>
-            </a:r>
-            <a:r>
-              <a:rPr lang="ko-KR" altLang="en-US" dirty="0" smtClean="0"/>
-              <a:t>동안에는 </a:t>
+              <a:t>초 동안에는 </a:t>
             </a:r>
             <a:r>
               <a:rPr lang="en-US" altLang="ko-KR" dirty="0" smtClean="0"/>
@@ -7719,17 +7692,25 @@
           <a:p>
             <a:r>
               <a:rPr lang="en-US" altLang="ko-KR" dirty="0" smtClean="0"/>
+              <a:t>GRMON </a:t>
+            </a:r>
+            <a:r>
+              <a:rPr lang="ko-KR" altLang="en-US" dirty="0" smtClean="0"/>
+              <a:t>연결 없이 동작을 할 경우 </a:t>
+            </a:r>
+            <a:r>
+              <a:rPr lang="en-US" altLang="ko-KR" dirty="0" smtClean="0"/>
               <a:t>ACK </a:t>
             </a:r>
             <a:r>
               <a:rPr lang="ko-KR" altLang="en-US" dirty="0" smtClean="0"/>
-              <a:t>수신 누락 발생하지 않음</a:t>
+              <a:t>수신의 누락이 발생하지 않음</a:t>
             </a:r>
             <a:r>
               <a:rPr lang="en-US" altLang="ko-KR" dirty="0" smtClean="0"/>
-              <a:t>.</a:t>
-            </a:r>
-            <a:endParaRPr lang="ko-KR" altLang="en-US" dirty="0"/>
+              <a:t>. </a:t>
+            </a:r>
+            <a:endParaRPr lang="en-US" altLang="ko-KR" dirty="0" smtClean="0"/>
           </a:p>
         </p:txBody>
       </p:sp>
@@ -8366,7 +8347,7 @@
           <a:graphicData uri="http://schemas.openxmlformats.org/presentationml/2006/ole">
             <mc:AlternateContent xmlns:mc="http://schemas.openxmlformats.org/markup-compatibility/2006">
               <mc:Choice xmlns:v="urn:schemas-microsoft-com:vml" Requires="v">
-                <p:oleObj spid="_x0000_s1042" name="포장기 셸 개체" showAsIcon="1" r:id="rId4" imgW="783000" imgH="486000" progId="Package">
+                <p:oleObj spid="_x0000_s1049" name="포장기 셸 개체" showAsIcon="1" r:id="rId4" imgW="783000" imgH="486000" progId="Package">
                   <p:embed/>
                 </p:oleObj>
               </mc:Choice>
@@ -9037,6 +9018,1544 @@
     <p:extLst>
       <p:ext uri="{BB962C8B-B14F-4D97-AF65-F5344CB8AC3E}">
         <p14:creationId xmlns:p14="http://schemas.microsoft.com/office/powerpoint/2010/main" val="3743246068"/>
+      </p:ext>
+    </p:extLst>
+  </p:cSld>
+  <p:clrMapOvr>
+    <a:masterClrMapping/>
+  </p:clrMapOvr>
+</p:sld>
+</file>
+
+<file path=ppt/slides/slide6.xml><?xml version="1.0" encoding="utf-8"?>
+<p:sld xmlns:a="http://schemas.openxmlformats.org/drawingml/2006/main" xmlns:r="http://schemas.openxmlformats.org/officeDocument/2006/relationships" xmlns:p="http://schemas.openxmlformats.org/presentationml/2006/main">
+  <p:cSld>
+    <p:spTree>
+      <p:nvGrpSpPr>
+        <p:cNvPr id="1" name=""/>
+        <p:cNvGrpSpPr/>
+        <p:nvPr/>
+      </p:nvGrpSpPr>
+      <p:grpSpPr>
+        <a:xfrm>
+          <a:off x="0" y="0"/>
+          <a:ext cx="0" cy="0"/>
+          <a:chOff x="0" y="0"/>
+          <a:chExt cx="0" cy="0"/>
+        </a:xfrm>
+      </p:grpSpPr>
+      <p:sp>
+        <p:nvSpPr>
+          <p:cNvPr id="2" name="제목 1"/>
+          <p:cNvSpPr>
+            <a:spLocks noGrp="1"/>
+          </p:cNvSpPr>
+          <p:nvPr>
+            <p:ph type="title"/>
+          </p:nvPr>
+        </p:nvSpPr>
+        <p:spPr/>
+        <p:txBody>
+          <a:bodyPr/>
+          <a:lstStyle/>
+          <a:p>
+            <a:r>
+              <a:rPr lang="en-US" altLang="ko-KR" dirty="0" smtClean="0"/>
+              <a:t>Abnormal </a:t>
+            </a:r>
+            <a:r>
+              <a:rPr lang="ko-KR" altLang="en-US" dirty="0" smtClean="0"/>
+              <a:t>상태에서의 </a:t>
+            </a:r>
+            <a:r>
+              <a:rPr lang="en-US" altLang="ko-KR" dirty="0" smtClean="0"/>
+              <a:t>ACK </a:t>
+            </a:r>
+            <a:r>
+              <a:rPr lang="ko-KR" altLang="en-US" dirty="0" smtClean="0"/>
+              <a:t>미 </a:t>
+            </a:r>
+            <a:r>
+              <a:rPr lang="ko-KR" altLang="en-US" dirty="0" smtClean="0"/>
+              <a:t>수신</a:t>
+            </a:r>
+            <a:endParaRPr lang="ko-KR" altLang="en-US" dirty="0"/>
+          </a:p>
+        </p:txBody>
+      </p:sp>
+      <p:sp>
+        <p:nvSpPr>
+          <p:cNvPr id="4" name="내용 개체 틀 2"/>
+          <p:cNvSpPr txBox="1">
+            <a:spLocks/>
+          </p:cNvSpPr>
+          <p:nvPr/>
+        </p:nvSpPr>
+        <p:spPr bwMode="auto">
+          <a:xfrm>
+            <a:off x="264496" y="981076"/>
+            <a:ext cx="8599894" cy="787268"/>
+          </a:xfrm>
+          <a:prstGeom prst="rect">
+            <a:avLst/>
+          </a:prstGeom>
+          <a:noFill/>
+          <a:ln>
+            <a:noFill/>
+          </a:ln>
+          <a:effectLst/>
+          <a:extLst>
+            <a:ext uri="{909E8E84-426E-40DD-AFC4-6F175D3DCCD1}">
+              <a14:hiddenFill xmlns:a14="http://schemas.microsoft.com/office/drawing/2010/main">
+                <a:solidFill>
+                  <a:schemeClr val="accent1"/>
+                </a:solidFill>
+              </a14:hiddenFill>
+            </a:ext>
+            <a:ext uri="{91240B29-F687-4F45-9708-019B960494DF}">
+              <a14:hiddenLine xmlns:a14="http://schemas.microsoft.com/office/drawing/2010/main" w="9525">
+                <a:solidFill>
+                  <a:schemeClr val="tx1"/>
+                </a:solidFill>
+                <a:miter lim="800000"/>
+                <a:headEnd/>
+                <a:tailEnd/>
+              </a14:hiddenLine>
+            </a:ext>
+            <a:ext uri="{AF507438-7753-43E0-B8FC-AC1667EBCBE1}">
+              <a14:hiddenEffects xmlns:a14="http://schemas.microsoft.com/office/drawing/2010/main">
+                <a:effectLst>
+                  <a:outerShdw dist="35921" dir="2700000" algn="ctr" rotWithShape="0">
+                    <a:schemeClr val="bg2"/>
+                  </a:outerShdw>
+                </a:effectLst>
+              </a14:hiddenEffects>
+            </a:ext>
+          </a:extLst>
+        </p:spPr>
+        <p:txBody>
+          <a:bodyPr vert="horz" wrap="square" lIns="92075" tIns="46038" rIns="92075" bIns="46038" numCol="1" anchor="t" anchorCtr="0" compatLnSpc="1">
+            <a:prstTxWarp prst="textNoShape">
+              <a:avLst/>
+            </a:prstTxWarp>
+          </a:bodyPr>
+          <a:lstStyle>
+            <a:lvl1pPr marL="190500" indent="-190500" algn="l" rtl="0" eaLnBrk="0" fontAlgn="base" latinLnBrk="1" hangingPunct="0">
+              <a:spcBef>
+                <a:spcPct val="20000"/>
+              </a:spcBef>
+              <a:spcAft>
+                <a:spcPct val="0"/>
+              </a:spcAft>
+              <a:buFont typeface="Wingdings" panose="05000000000000000000" pitchFamily="2" charset="2"/>
+              <a:buChar char="§"/>
+              <a:defRPr kumimoji="1" b="1" kern="1200" baseline="0">
+                <a:solidFill>
+                  <a:schemeClr val="tx1"/>
+                </a:solidFill>
+                <a:latin typeface="Arial" panose="020B0604020202020204" pitchFamily="34" charset="0"/>
+                <a:ea typeface="맑은 고딕" panose="020B0503020000020004" pitchFamily="50" charset="-127"/>
+                <a:cs typeface="+mn-cs"/>
+              </a:defRPr>
+            </a:lvl1pPr>
+            <a:lvl2pPr marL="538163" indent="-190500" algn="l" rtl="0" eaLnBrk="0" fontAlgn="base" latinLnBrk="1" hangingPunct="0">
+              <a:spcBef>
+                <a:spcPct val="20000"/>
+              </a:spcBef>
+              <a:spcAft>
+                <a:spcPct val="0"/>
+              </a:spcAft>
+              <a:buChar char="–"/>
+              <a:defRPr kumimoji="1" sz="1600" kern="1200" baseline="0">
+                <a:solidFill>
+                  <a:schemeClr val="tx1"/>
+                </a:solidFill>
+                <a:latin typeface="Arial" panose="020B0604020202020204" pitchFamily="34" charset="0"/>
+                <a:ea typeface="맑은 고딕" panose="020B0503020000020004" pitchFamily="50" charset="-127"/>
+                <a:cs typeface="+mn-cs"/>
+              </a:defRPr>
+            </a:lvl2pPr>
+            <a:lvl3pPr marL="896938" indent="-228600" algn="l" rtl="0" eaLnBrk="0" fontAlgn="base" latinLnBrk="1" hangingPunct="0">
+              <a:spcBef>
+                <a:spcPct val="20000"/>
+              </a:spcBef>
+              <a:spcAft>
+                <a:spcPct val="0"/>
+              </a:spcAft>
+              <a:buChar char="•"/>
+              <a:defRPr kumimoji="1" sz="1600" b="0" kern="1200" baseline="0">
+                <a:solidFill>
+                  <a:schemeClr val="tx1"/>
+                </a:solidFill>
+                <a:latin typeface="Arial" panose="020B0604020202020204" pitchFamily="34" charset="0"/>
+                <a:ea typeface="맑은 고딕" panose="020B0503020000020004" pitchFamily="50" charset="-127"/>
+                <a:cs typeface="+mn-cs"/>
+              </a:defRPr>
+            </a:lvl3pPr>
+            <a:lvl4pPr marL="1255713" indent="-228600" algn="l" rtl="0" eaLnBrk="0" fontAlgn="base" latinLnBrk="1" hangingPunct="0">
+              <a:spcBef>
+                <a:spcPct val="20000"/>
+              </a:spcBef>
+              <a:spcAft>
+                <a:spcPct val="0"/>
+              </a:spcAft>
+              <a:buChar char="–"/>
+              <a:defRPr kumimoji="1" sz="1400" b="0" kern="1200" baseline="0">
+                <a:solidFill>
+                  <a:schemeClr val="tx1"/>
+                </a:solidFill>
+                <a:latin typeface="Arial" panose="020B0604020202020204" pitchFamily="34" charset="0"/>
+                <a:ea typeface="맑은 고딕" panose="020B0503020000020004" pitchFamily="50" charset="-127"/>
+                <a:cs typeface="+mn-cs"/>
+              </a:defRPr>
+            </a:lvl4pPr>
+            <a:lvl5pPr marL="1614488" indent="-228600" algn="l" rtl="0" eaLnBrk="0" fontAlgn="base" latinLnBrk="1" hangingPunct="0">
+              <a:spcBef>
+                <a:spcPct val="20000"/>
+              </a:spcBef>
+              <a:spcAft>
+                <a:spcPct val="0"/>
+              </a:spcAft>
+              <a:buChar char="»"/>
+              <a:defRPr kumimoji="1" sz="1400" b="0" kern="1200" baseline="0">
+                <a:solidFill>
+                  <a:schemeClr val="tx1"/>
+                </a:solidFill>
+                <a:latin typeface="Arial" panose="020B0604020202020204" pitchFamily="34" charset="0"/>
+                <a:ea typeface="맑은 고딕" panose="020B0503020000020004" pitchFamily="50" charset="-127"/>
+                <a:cs typeface="+mn-cs"/>
+              </a:defRPr>
+            </a:lvl5pPr>
+            <a:lvl6pPr marL="2514600" indent="-228600" algn="l" defTabSz="914400" rtl="0" eaLnBrk="1" latinLnBrk="1" hangingPunct="1">
+              <a:lnSpc>
+                <a:spcPct val="90000"/>
+              </a:lnSpc>
+              <a:spcBef>
+                <a:spcPts val="500"/>
+              </a:spcBef>
+              <a:buFont typeface="Arial" panose="020B0604020202020204" pitchFamily="34" charset="0"/>
+              <a:buChar char="•"/>
+              <a:defRPr sz="1800" kern="1200">
+                <a:solidFill>
+                  <a:schemeClr val="tx1"/>
+                </a:solidFill>
+                <a:latin typeface="+mn-lt"/>
+                <a:ea typeface="+mn-ea"/>
+                <a:cs typeface="+mn-cs"/>
+              </a:defRPr>
+            </a:lvl6pPr>
+            <a:lvl7pPr marL="2971800" indent="-228600" algn="l" defTabSz="914400" rtl="0" eaLnBrk="1" latinLnBrk="1" hangingPunct="1">
+              <a:lnSpc>
+                <a:spcPct val="90000"/>
+              </a:lnSpc>
+              <a:spcBef>
+                <a:spcPts val="500"/>
+              </a:spcBef>
+              <a:buFont typeface="Arial" panose="020B0604020202020204" pitchFamily="34" charset="0"/>
+              <a:buChar char="•"/>
+              <a:defRPr sz="1800" kern="1200">
+                <a:solidFill>
+                  <a:schemeClr val="tx1"/>
+                </a:solidFill>
+                <a:latin typeface="+mn-lt"/>
+                <a:ea typeface="+mn-ea"/>
+                <a:cs typeface="+mn-cs"/>
+              </a:defRPr>
+            </a:lvl7pPr>
+            <a:lvl8pPr marL="3429000" indent="-228600" algn="l" defTabSz="914400" rtl="0" eaLnBrk="1" latinLnBrk="1" hangingPunct="1">
+              <a:lnSpc>
+                <a:spcPct val="90000"/>
+              </a:lnSpc>
+              <a:spcBef>
+                <a:spcPts val="500"/>
+              </a:spcBef>
+              <a:buFont typeface="Arial" panose="020B0604020202020204" pitchFamily="34" charset="0"/>
+              <a:buChar char="•"/>
+              <a:defRPr sz="1800" kern="1200">
+                <a:solidFill>
+                  <a:schemeClr val="tx1"/>
+                </a:solidFill>
+                <a:latin typeface="+mn-lt"/>
+                <a:ea typeface="+mn-ea"/>
+                <a:cs typeface="+mn-cs"/>
+              </a:defRPr>
+            </a:lvl8pPr>
+            <a:lvl9pPr marL="3886200" indent="-228600" algn="l" defTabSz="914400" rtl="0" eaLnBrk="1" latinLnBrk="1" hangingPunct="1">
+              <a:lnSpc>
+                <a:spcPct val="90000"/>
+              </a:lnSpc>
+              <a:spcBef>
+                <a:spcPts val="500"/>
+              </a:spcBef>
+              <a:buFont typeface="Arial" panose="020B0604020202020204" pitchFamily="34" charset="0"/>
+              <a:buChar char="•"/>
+              <a:defRPr sz="1800" kern="1200">
+                <a:solidFill>
+                  <a:schemeClr val="tx1"/>
+                </a:solidFill>
+                <a:latin typeface="+mn-lt"/>
+                <a:ea typeface="+mn-ea"/>
+                <a:cs typeface="+mn-cs"/>
+              </a:defRPr>
+            </a:lvl9pPr>
+          </a:lstStyle>
+          <a:p>
+            <a:r>
+              <a:rPr lang="en-US" altLang="ko-KR" sz="1800" dirty="0" err="1" smtClean="0"/>
+              <a:t>Grmon</a:t>
+            </a:r>
+            <a:r>
+              <a:rPr lang="en-US" altLang="ko-KR" sz="1800" dirty="0" smtClean="0"/>
+              <a:t> </a:t>
+            </a:r>
+            <a:r>
+              <a:rPr lang="ko-KR" altLang="en-US" sz="1800" dirty="0" smtClean="0"/>
+              <a:t>연결 진행 시 </a:t>
+            </a:r>
+            <a:r>
+              <a:rPr lang="en-US" altLang="ko-KR" sz="1800" dirty="0" smtClean="0"/>
+              <a:t>OBT/SOH Request</a:t>
+            </a:r>
+            <a:r>
+              <a:rPr lang="ko-KR" altLang="en-US" sz="1800" dirty="0" smtClean="0"/>
+              <a:t> 송신 할</a:t>
+            </a:r>
+            <a:r>
+              <a:rPr lang="en-US" altLang="ko-KR" sz="1800" dirty="0" smtClean="0"/>
+              <a:t> </a:t>
+            </a:r>
+            <a:r>
+              <a:rPr lang="ko-KR" altLang="en-US" sz="1800" dirty="0" smtClean="0"/>
+              <a:t>경우</a:t>
+            </a:r>
+            <a:r>
+              <a:rPr lang="en-US" altLang="ko-KR" sz="1800" dirty="0" smtClean="0"/>
+              <a:t/>
+            </a:r>
+            <a:br>
+              <a:rPr lang="en-US" altLang="ko-KR" sz="1800" dirty="0" smtClean="0"/>
+            </a:br>
+            <a:r>
+              <a:rPr lang="en-US" altLang="ko-KR" sz="1800" dirty="0" smtClean="0"/>
+              <a:t>- GRMON</a:t>
+            </a:r>
+            <a:r>
+              <a:rPr lang="ko-KR" altLang="en-US" sz="1800" dirty="0" smtClean="0"/>
+              <a:t>을 연결하게 되면 </a:t>
+            </a:r>
+            <a:r>
+              <a:rPr lang="en-US" altLang="ko-KR" sz="1800" dirty="0" err="1" smtClean="0"/>
+              <a:t>cont</a:t>
+            </a:r>
+            <a:r>
+              <a:rPr lang="en-US" altLang="ko-KR" sz="1800" dirty="0" smtClean="0"/>
+              <a:t> </a:t>
+            </a:r>
+            <a:r>
+              <a:rPr lang="ko-KR" altLang="en-US" sz="1800" dirty="0" smtClean="0"/>
+              <a:t>명령 입력 전까지 </a:t>
+            </a:r>
+            <a:r>
+              <a:rPr lang="en-US" altLang="ko-KR" sz="1800" dirty="0" smtClean="0"/>
+              <a:t>Halt </a:t>
+            </a:r>
+            <a:r>
+              <a:rPr lang="ko-KR" altLang="en-US" sz="1800" dirty="0" smtClean="0"/>
+              <a:t>상태가 유지됨</a:t>
+            </a:r>
+            <a:r>
+              <a:rPr lang="en-US" altLang="ko-KR" sz="1800" dirty="0" smtClean="0"/>
+              <a:t>.</a:t>
+            </a:r>
+            <a:endParaRPr lang="ko-KR" altLang="en-US" sz="1800" dirty="0"/>
+          </a:p>
+        </p:txBody>
+      </p:sp>
+      <p:pic>
+        <p:nvPicPr>
+          <p:cNvPr id="5" name="그림 4"/>
+          <p:cNvPicPr>
+            <a:picLocks noChangeAspect="1"/>
+          </p:cNvPicPr>
+          <p:nvPr/>
+        </p:nvPicPr>
+        <p:blipFill>
+          <a:blip r:embed="rId2"/>
+          <a:stretch>
+            <a:fillRect/>
+          </a:stretch>
+        </p:blipFill>
+        <p:spPr>
+          <a:xfrm>
+            <a:off x="364932" y="1556748"/>
+            <a:ext cx="3909243" cy="2140549"/>
+          </a:xfrm>
+          <a:prstGeom prst="rect">
+            <a:avLst/>
+          </a:prstGeom>
+        </p:spPr>
+      </p:pic>
+      <p:pic>
+        <p:nvPicPr>
+          <p:cNvPr id="6" name="그림 5"/>
+          <p:cNvPicPr>
+            <a:picLocks noChangeAspect="1"/>
+          </p:cNvPicPr>
+          <p:nvPr/>
+        </p:nvPicPr>
+        <p:blipFill>
+          <a:blip r:embed="rId3"/>
+          <a:stretch>
+            <a:fillRect/>
+          </a:stretch>
+        </p:blipFill>
+        <p:spPr>
+          <a:xfrm>
+            <a:off x="4876475" y="1556748"/>
+            <a:ext cx="4045516" cy="2140549"/>
+          </a:xfrm>
+          <a:prstGeom prst="rect">
+            <a:avLst/>
+          </a:prstGeom>
+        </p:spPr>
+      </p:pic>
+      <p:sp>
+        <p:nvSpPr>
+          <p:cNvPr id="8" name="내용 개체 틀 2"/>
+          <p:cNvSpPr txBox="1">
+            <a:spLocks/>
+          </p:cNvSpPr>
+          <p:nvPr/>
+        </p:nvSpPr>
+        <p:spPr bwMode="auto">
+          <a:xfrm>
+            <a:off x="1118441" y="3636841"/>
+            <a:ext cx="2063068" cy="436396"/>
+          </a:xfrm>
+          <a:prstGeom prst="rect">
+            <a:avLst/>
+          </a:prstGeom>
+          <a:noFill/>
+          <a:ln>
+            <a:noFill/>
+          </a:ln>
+          <a:effectLst/>
+          <a:extLst>
+            <a:ext uri="{909E8E84-426E-40DD-AFC4-6F175D3DCCD1}">
+              <a14:hiddenFill xmlns:a14="http://schemas.microsoft.com/office/drawing/2010/main">
+                <a:solidFill>
+                  <a:schemeClr val="accent1"/>
+                </a:solidFill>
+              </a14:hiddenFill>
+            </a:ext>
+            <a:ext uri="{91240B29-F687-4F45-9708-019B960494DF}">
+              <a14:hiddenLine xmlns:a14="http://schemas.microsoft.com/office/drawing/2010/main" w="9525">
+                <a:solidFill>
+                  <a:schemeClr val="tx1"/>
+                </a:solidFill>
+                <a:miter lim="800000"/>
+                <a:headEnd/>
+                <a:tailEnd/>
+              </a14:hiddenLine>
+            </a:ext>
+            <a:ext uri="{AF507438-7753-43E0-B8FC-AC1667EBCBE1}">
+              <a14:hiddenEffects xmlns:a14="http://schemas.microsoft.com/office/drawing/2010/main">
+                <a:effectLst>
+                  <a:outerShdw dist="35921" dir="2700000" algn="ctr" rotWithShape="0">
+                    <a:schemeClr val="bg2"/>
+                  </a:outerShdw>
+                </a:effectLst>
+              </a14:hiddenEffects>
+            </a:ext>
+          </a:extLst>
+        </p:spPr>
+        <p:txBody>
+          <a:bodyPr vert="horz" wrap="square" lIns="92075" tIns="46038" rIns="92075" bIns="46038" numCol="1" anchor="t" anchorCtr="0" compatLnSpc="1">
+            <a:prstTxWarp prst="textNoShape">
+              <a:avLst/>
+            </a:prstTxWarp>
+          </a:bodyPr>
+          <a:lstStyle>
+            <a:lvl1pPr marL="190500" indent="-190500" algn="l" rtl="0" eaLnBrk="0" fontAlgn="base" latinLnBrk="1" hangingPunct="0">
+              <a:spcBef>
+                <a:spcPct val="20000"/>
+              </a:spcBef>
+              <a:spcAft>
+                <a:spcPct val="0"/>
+              </a:spcAft>
+              <a:buFont typeface="Wingdings" panose="05000000000000000000" pitchFamily="2" charset="2"/>
+              <a:buChar char="§"/>
+              <a:defRPr kumimoji="1" b="1" kern="1200" baseline="0">
+                <a:solidFill>
+                  <a:schemeClr val="tx1"/>
+                </a:solidFill>
+                <a:latin typeface="Arial" panose="020B0604020202020204" pitchFamily="34" charset="0"/>
+                <a:ea typeface="맑은 고딕" panose="020B0503020000020004" pitchFamily="50" charset="-127"/>
+                <a:cs typeface="+mn-cs"/>
+              </a:defRPr>
+            </a:lvl1pPr>
+            <a:lvl2pPr marL="538163" indent="-190500" algn="l" rtl="0" eaLnBrk="0" fontAlgn="base" latinLnBrk="1" hangingPunct="0">
+              <a:spcBef>
+                <a:spcPct val="20000"/>
+              </a:spcBef>
+              <a:spcAft>
+                <a:spcPct val="0"/>
+              </a:spcAft>
+              <a:buChar char="–"/>
+              <a:defRPr kumimoji="1" sz="1600" kern="1200" baseline="0">
+                <a:solidFill>
+                  <a:schemeClr val="tx1"/>
+                </a:solidFill>
+                <a:latin typeface="Arial" panose="020B0604020202020204" pitchFamily="34" charset="0"/>
+                <a:ea typeface="맑은 고딕" panose="020B0503020000020004" pitchFamily="50" charset="-127"/>
+                <a:cs typeface="+mn-cs"/>
+              </a:defRPr>
+            </a:lvl2pPr>
+            <a:lvl3pPr marL="896938" indent="-228600" algn="l" rtl="0" eaLnBrk="0" fontAlgn="base" latinLnBrk="1" hangingPunct="0">
+              <a:spcBef>
+                <a:spcPct val="20000"/>
+              </a:spcBef>
+              <a:spcAft>
+                <a:spcPct val="0"/>
+              </a:spcAft>
+              <a:buChar char="•"/>
+              <a:defRPr kumimoji="1" sz="1600" b="0" kern="1200" baseline="0">
+                <a:solidFill>
+                  <a:schemeClr val="tx1"/>
+                </a:solidFill>
+                <a:latin typeface="Arial" panose="020B0604020202020204" pitchFamily="34" charset="0"/>
+                <a:ea typeface="맑은 고딕" panose="020B0503020000020004" pitchFamily="50" charset="-127"/>
+                <a:cs typeface="+mn-cs"/>
+              </a:defRPr>
+            </a:lvl3pPr>
+            <a:lvl4pPr marL="1255713" indent="-228600" algn="l" rtl="0" eaLnBrk="0" fontAlgn="base" latinLnBrk="1" hangingPunct="0">
+              <a:spcBef>
+                <a:spcPct val="20000"/>
+              </a:spcBef>
+              <a:spcAft>
+                <a:spcPct val="0"/>
+              </a:spcAft>
+              <a:buChar char="–"/>
+              <a:defRPr kumimoji="1" sz="1400" b="0" kern="1200" baseline="0">
+                <a:solidFill>
+                  <a:schemeClr val="tx1"/>
+                </a:solidFill>
+                <a:latin typeface="Arial" panose="020B0604020202020204" pitchFamily="34" charset="0"/>
+                <a:ea typeface="맑은 고딕" panose="020B0503020000020004" pitchFamily="50" charset="-127"/>
+                <a:cs typeface="+mn-cs"/>
+              </a:defRPr>
+            </a:lvl4pPr>
+            <a:lvl5pPr marL="1614488" indent="-228600" algn="l" rtl="0" eaLnBrk="0" fontAlgn="base" latinLnBrk="1" hangingPunct="0">
+              <a:spcBef>
+                <a:spcPct val="20000"/>
+              </a:spcBef>
+              <a:spcAft>
+                <a:spcPct val="0"/>
+              </a:spcAft>
+              <a:buChar char="»"/>
+              <a:defRPr kumimoji="1" sz="1400" b="0" kern="1200" baseline="0">
+                <a:solidFill>
+                  <a:schemeClr val="tx1"/>
+                </a:solidFill>
+                <a:latin typeface="Arial" panose="020B0604020202020204" pitchFamily="34" charset="0"/>
+                <a:ea typeface="맑은 고딕" panose="020B0503020000020004" pitchFamily="50" charset="-127"/>
+                <a:cs typeface="+mn-cs"/>
+              </a:defRPr>
+            </a:lvl5pPr>
+            <a:lvl6pPr marL="2514600" indent="-228600" algn="l" defTabSz="914400" rtl="0" eaLnBrk="1" latinLnBrk="1" hangingPunct="1">
+              <a:lnSpc>
+                <a:spcPct val="90000"/>
+              </a:lnSpc>
+              <a:spcBef>
+                <a:spcPts val="500"/>
+              </a:spcBef>
+              <a:buFont typeface="Arial" panose="020B0604020202020204" pitchFamily="34" charset="0"/>
+              <a:buChar char="•"/>
+              <a:defRPr sz="1800" kern="1200">
+                <a:solidFill>
+                  <a:schemeClr val="tx1"/>
+                </a:solidFill>
+                <a:latin typeface="+mn-lt"/>
+                <a:ea typeface="+mn-ea"/>
+                <a:cs typeface="+mn-cs"/>
+              </a:defRPr>
+            </a:lvl6pPr>
+            <a:lvl7pPr marL="2971800" indent="-228600" algn="l" defTabSz="914400" rtl="0" eaLnBrk="1" latinLnBrk="1" hangingPunct="1">
+              <a:lnSpc>
+                <a:spcPct val="90000"/>
+              </a:lnSpc>
+              <a:spcBef>
+                <a:spcPts val="500"/>
+              </a:spcBef>
+              <a:buFont typeface="Arial" panose="020B0604020202020204" pitchFamily="34" charset="0"/>
+              <a:buChar char="•"/>
+              <a:defRPr sz="1800" kern="1200">
+                <a:solidFill>
+                  <a:schemeClr val="tx1"/>
+                </a:solidFill>
+                <a:latin typeface="+mn-lt"/>
+                <a:ea typeface="+mn-ea"/>
+                <a:cs typeface="+mn-cs"/>
+              </a:defRPr>
+            </a:lvl7pPr>
+            <a:lvl8pPr marL="3429000" indent="-228600" algn="l" defTabSz="914400" rtl="0" eaLnBrk="1" latinLnBrk="1" hangingPunct="1">
+              <a:lnSpc>
+                <a:spcPct val="90000"/>
+              </a:lnSpc>
+              <a:spcBef>
+                <a:spcPts val="500"/>
+              </a:spcBef>
+              <a:buFont typeface="Arial" panose="020B0604020202020204" pitchFamily="34" charset="0"/>
+              <a:buChar char="•"/>
+              <a:defRPr sz="1800" kern="1200">
+                <a:solidFill>
+                  <a:schemeClr val="tx1"/>
+                </a:solidFill>
+                <a:latin typeface="+mn-lt"/>
+                <a:ea typeface="+mn-ea"/>
+                <a:cs typeface="+mn-cs"/>
+              </a:defRPr>
+            </a:lvl8pPr>
+            <a:lvl9pPr marL="3886200" indent="-228600" algn="l" defTabSz="914400" rtl="0" eaLnBrk="1" latinLnBrk="1" hangingPunct="1">
+              <a:lnSpc>
+                <a:spcPct val="90000"/>
+              </a:lnSpc>
+              <a:spcBef>
+                <a:spcPts val="500"/>
+              </a:spcBef>
+              <a:buFont typeface="Arial" panose="020B0604020202020204" pitchFamily="34" charset="0"/>
+              <a:buChar char="•"/>
+              <a:defRPr sz="1800" kern="1200">
+                <a:solidFill>
+                  <a:schemeClr val="tx1"/>
+                </a:solidFill>
+                <a:latin typeface="+mn-lt"/>
+                <a:ea typeface="+mn-ea"/>
+                <a:cs typeface="+mn-cs"/>
+              </a:defRPr>
+            </a:lvl9pPr>
+          </a:lstStyle>
+          <a:p>
+            <a:pPr marL="0" indent="0">
+              <a:buNone/>
+            </a:pPr>
+            <a:r>
+              <a:rPr lang="en-US" altLang="ko-KR" sz="1600" dirty="0" err="1" smtClean="0"/>
+              <a:t>Grmon</a:t>
+            </a:r>
+            <a:r>
+              <a:rPr lang="en-US" altLang="ko-KR" sz="1600" dirty="0" smtClean="0"/>
+              <a:t> </a:t>
+            </a:r>
+            <a:r>
+              <a:rPr lang="ko-KR" altLang="en-US" sz="1600" dirty="0" smtClean="0"/>
+              <a:t>연결 상태</a:t>
+            </a:r>
+            <a:endParaRPr lang="ko-KR" altLang="en-US" sz="1600" dirty="0"/>
+          </a:p>
+        </p:txBody>
+      </p:sp>
+      <p:sp>
+        <p:nvSpPr>
+          <p:cNvPr id="9" name="내용 개체 틀 2"/>
+          <p:cNvSpPr txBox="1">
+            <a:spLocks/>
+          </p:cNvSpPr>
+          <p:nvPr/>
+        </p:nvSpPr>
+        <p:spPr bwMode="auto">
+          <a:xfrm>
+            <a:off x="4876474" y="3689740"/>
+            <a:ext cx="3987915" cy="436396"/>
+          </a:xfrm>
+          <a:prstGeom prst="rect">
+            <a:avLst/>
+          </a:prstGeom>
+          <a:noFill/>
+          <a:ln>
+            <a:noFill/>
+          </a:ln>
+          <a:effectLst/>
+          <a:extLst>
+            <a:ext uri="{909E8E84-426E-40DD-AFC4-6F175D3DCCD1}">
+              <a14:hiddenFill xmlns:a14="http://schemas.microsoft.com/office/drawing/2010/main">
+                <a:solidFill>
+                  <a:schemeClr val="accent1"/>
+                </a:solidFill>
+              </a14:hiddenFill>
+            </a:ext>
+            <a:ext uri="{91240B29-F687-4F45-9708-019B960494DF}">
+              <a14:hiddenLine xmlns:a14="http://schemas.microsoft.com/office/drawing/2010/main" w="9525">
+                <a:solidFill>
+                  <a:schemeClr val="tx1"/>
+                </a:solidFill>
+                <a:miter lim="800000"/>
+                <a:headEnd/>
+                <a:tailEnd/>
+              </a14:hiddenLine>
+            </a:ext>
+            <a:ext uri="{AF507438-7753-43E0-B8FC-AC1667EBCBE1}">
+              <a14:hiddenEffects xmlns:a14="http://schemas.microsoft.com/office/drawing/2010/main">
+                <a:effectLst>
+                  <a:outerShdw dist="35921" dir="2700000" algn="ctr" rotWithShape="0">
+                    <a:schemeClr val="bg2"/>
+                  </a:outerShdw>
+                </a:effectLst>
+              </a14:hiddenEffects>
+            </a:ext>
+          </a:extLst>
+        </p:spPr>
+        <p:txBody>
+          <a:bodyPr vert="horz" wrap="square" lIns="92075" tIns="46038" rIns="92075" bIns="46038" numCol="1" anchor="t" anchorCtr="0" compatLnSpc="1">
+            <a:prstTxWarp prst="textNoShape">
+              <a:avLst/>
+            </a:prstTxWarp>
+          </a:bodyPr>
+          <a:lstStyle>
+            <a:lvl1pPr marL="190500" indent="-190500" algn="l" rtl="0" eaLnBrk="0" fontAlgn="base" latinLnBrk="1" hangingPunct="0">
+              <a:spcBef>
+                <a:spcPct val="20000"/>
+              </a:spcBef>
+              <a:spcAft>
+                <a:spcPct val="0"/>
+              </a:spcAft>
+              <a:buFont typeface="Wingdings" panose="05000000000000000000" pitchFamily="2" charset="2"/>
+              <a:buChar char="§"/>
+              <a:defRPr kumimoji="1" b="1" kern="1200" baseline="0">
+                <a:solidFill>
+                  <a:schemeClr val="tx1"/>
+                </a:solidFill>
+                <a:latin typeface="Arial" panose="020B0604020202020204" pitchFamily="34" charset="0"/>
+                <a:ea typeface="맑은 고딕" panose="020B0503020000020004" pitchFamily="50" charset="-127"/>
+                <a:cs typeface="+mn-cs"/>
+              </a:defRPr>
+            </a:lvl1pPr>
+            <a:lvl2pPr marL="538163" indent="-190500" algn="l" rtl="0" eaLnBrk="0" fontAlgn="base" latinLnBrk="1" hangingPunct="0">
+              <a:spcBef>
+                <a:spcPct val="20000"/>
+              </a:spcBef>
+              <a:spcAft>
+                <a:spcPct val="0"/>
+              </a:spcAft>
+              <a:buChar char="–"/>
+              <a:defRPr kumimoji="1" sz="1600" kern="1200" baseline="0">
+                <a:solidFill>
+                  <a:schemeClr val="tx1"/>
+                </a:solidFill>
+                <a:latin typeface="Arial" panose="020B0604020202020204" pitchFamily="34" charset="0"/>
+                <a:ea typeface="맑은 고딕" panose="020B0503020000020004" pitchFamily="50" charset="-127"/>
+                <a:cs typeface="+mn-cs"/>
+              </a:defRPr>
+            </a:lvl2pPr>
+            <a:lvl3pPr marL="896938" indent="-228600" algn="l" rtl="0" eaLnBrk="0" fontAlgn="base" latinLnBrk="1" hangingPunct="0">
+              <a:spcBef>
+                <a:spcPct val="20000"/>
+              </a:spcBef>
+              <a:spcAft>
+                <a:spcPct val="0"/>
+              </a:spcAft>
+              <a:buChar char="•"/>
+              <a:defRPr kumimoji="1" sz="1600" b="0" kern="1200" baseline="0">
+                <a:solidFill>
+                  <a:schemeClr val="tx1"/>
+                </a:solidFill>
+                <a:latin typeface="Arial" panose="020B0604020202020204" pitchFamily="34" charset="0"/>
+                <a:ea typeface="맑은 고딕" panose="020B0503020000020004" pitchFamily="50" charset="-127"/>
+                <a:cs typeface="+mn-cs"/>
+              </a:defRPr>
+            </a:lvl3pPr>
+            <a:lvl4pPr marL="1255713" indent="-228600" algn="l" rtl="0" eaLnBrk="0" fontAlgn="base" latinLnBrk="1" hangingPunct="0">
+              <a:spcBef>
+                <a:spcPct val="20000"/>
+              </a:spcBef>
+              <a:spcAft>
+                <a:spcPct val="0"/>
+              </a:spcAft>
+              <a:buChar char="–"/>
+              <a:defRPr kumimoji="1" sz="1400" b="0" kern="1200" baseline="0">
+                <a:solidFill>
+                  <a:schemeClr val="tx1"/>
+                </a:solidFill>
+                <a:latin typeface="Arial" panose="020B0604020202020204" pitchFamily="34" charset="0"/>
+                <a:ea typeface="맑은 고딕" panose="020B0503020000020004" pitchFamily="50" charset="-127"/>
+                <a:cs typeface="+mn-cs"/>
+              </a:defRPr>
+            </a:lvl4pPr>
+            <a:lvl5pPr marL="1614488" indent="-228600" algn="l" rtl="0" eaLnBrk="0" fontAlgn="base" latinLnBrk="1" hangingPunct="0">
+              <a:spcBef>
+                <a:spcPct val="20000"/>
+              </a:spcBef>
+              <a:spcAft>
+                <a:spcPct val="0"/>
+              </a:spcAft>
+              <a:buChar char="»"/>
+              <a:defRPr kumimoji="1" sz="1400" b="0" kern="1200" baseline="0">
+                <a:solidFill>
+                  <a:schemeClr val="tx1"/>
+                </a:solidFill>
+                <a:latin typeface="Arial" panose="020B0604020202020204" pitchFamily="34" charset="0"/>
+                <a:ea typeface="맑은 고딕" panose="020B0503020000020004" pitchFamily="50" charset="-127"/>
+                <a:cs typeface="+mn-cs"/>
+              </a:defRPr>
+            </a:lvl5pPr>
+            <a:lvl6pPr marL="2514600" indent="-228600" algn="l" defTabSz="914400" rtl="0" eaLnBrk="1" latinLnBrk="1" hangingPunct="1">
+              <a:lnSpc>
+                <a:spcPct val="90000"/>
+              </a:lnSpc>
+              <a:spcBef>
+                <a:spcPts val="500"/>
+              </a:spcBef>
+              <a:buFont typeface="Arial" panose="020B0604020202020204" pitchFamily="34" charset="0"/>
+              <a:buChar char="•"/>
+              <a:defRPr sz="1800" kern="1200">
+                <a:solidFill>
+                  <a:schemeClr val="tx1"/>
+                </a:solidFill>
+                <a:latin typeface="+mn-lt"/>
+                <a:ea typeface="+mn-ea"/>
+                <a:cs typeface="+mn-cs"/>
+              </a:defRPr>
+            </a:lvl6pPr>
+            <a:lvl7pPr marL="2971800" indent="-228600" algn="l" defTabSz="914400" rtl="0" eaLnBrk="1" latinLnBrk="1" hangingPunct="1">
+              <a:lnSpc>
+                <a:spcPct val="90000"/>
+              </a:lnSpc>
+              <a:spcBef>
+                <a:spcPts val="500"/>
+              </a:spcBef>
+              <a:buFont typeface="Arial" panose="020B0604020202020204" pitchFamily="34" charset="0"/>
+              <a:buChar char="•"/>
+              <a:defRPr sz="1800" kern="1200">
+                <a:solidFill>
+                  <a:schemeClr val="tx1"/>
+                </a:solidFill>
+                <a:latin typeface="+mn-lt"/>
+                <a:ea typeface="+mn-ea"/>
+                <a:cs typeface="+mn-cs"/>
+              </a:defRPr>
+            </a:lvl7pPr>
+            <a:lvl8pPr marL="3429000" indent="-228600" algn="l" defTabSz="914400" rtl="0" eaLnBrk="1" latinLnBrk="1" hangingPunct="1">
+              <a:lnSpc>
+                <a:spcPct val="90000"/>
+              </a:lnSpc>
+              <a:spcBef>
+                <a:spcPts val="500"/>
+              </a:spcBef>
+              <a:buFont typeface="Arial" panose="020B0604020202020204" pitchFamily="34" charset="0"/>
+              <a:buChar char="•"/>
+              <a:defRPr sz="1800" kern="1200">
+                <a:solidFill>
+                  <a:schemeClr val="tx1"/>
+                </a:solidFill>
+                <a:latin typeface="+mn-lt"/>
+                <a:ea typeface="+mn-ea"/>
+                <a:cs typeface="+mn-cs"/>
+              </a:defRPr>
+            </a:lvl8pPr>
+            <a:lvl9pPr marL="3886200" indent="-228600" algn="l" defTabSz="914400" rtl="0" eaLnBrk="1" latinLnBrk="1" hangingPunct="1">
+              <a:lnSpc>
+                <a:spcPct val="90000"/>
+              </a:lnSpc>
+              <a:spcBef>
+                <a:spcPts val="500"/>
+              </a:spcBef>
+              <a:buFont typeface="Arial" panose="020B0604020202020204" pitchFamily="34" charset="0"/>
+              <a:buChar char="•"/>
+              <a:defRPr sz="1800" kern="1200">
+                <a:solidFill>
+                  <a:schemeClr val="tx1"/>
+                </a:solidFill>
+                <a:latin typeface="+mn-lt"/>
+                <a:ea typeface="+mn-ea"/>
+                <a:cs typeface="+mn-cs"/>
+              </a:defRPr>
+            </a:lvl9pPr>
+          </a:lstStyle>
+          <a:p>
+            <a:pPr marL="0" indent="0">
+              <a:buNone/>
+            </a:pPr>
+            <a:r>
+              <a:rPr lang="en-US" altLang="ko-KR" sz="1600" dirty="0" err="1" smtClean="0"/>
+              <a:t>Grmon</a:t>
+            </a:r>
+            <a:r>
+              <a:rPr lang="en-US" altLang="ko-KR" sz="1600" dirty="0" smtClean="0"/>
+              <a:t> </a:t>
+            </a:r>
+            <a:r>
+              <a:rPr lang="ko-KR" altLang="en-US" sz="1600" dirty="0" smtClean="0"/>
+              <a:t>연결 상태에서 </a:t>
+            </a:r>
+            <a:r>
+              <a:rPr lang="en-US" altLang="ko-KR" sz="1600" dirty="0" err="1" smtClean="0"/>
+              <a:t>cont</a:t>
+            </a:r>
+            <a:r>
+              <a:rPr lang="en-US" altLang="ko-KR" sz="1600" dirty="0" smtClean="0"/>
+              <a:t> </a:t>
+            </a:r>
+            <a:r>
+              <a:rPr lang="ko-KR" altLang="en-US" sz="1600" dirty="0" smtClean="0"/>
+              <a:t>명령 입력</a:t>
+            </a:r>
+            <a:endParaRPr lang="ko-KR" altLang="en-US" sz="1600" dirty="0"/>
+          </a:p>
+        </p:txBody>
+      </p:sp>
+      <p:sp>
+        <p:nvSpPr>
+          <p:cNvPr id="10" name="오른쪽 화살표 9"/>
+          <p:cNvSpPr/>
+          <p:nvPr/>
+        </p:nvSpPr>
+        <p:spPr bwMode="auto">
+          <a:xfrm rot="10800000">
+            <a:off x="6454795" y="3257078"/>
+            <a:ext cx="831272" cy="287167"/>
+          </a:xfrm>
+          <a:prstGeom prst="rightArrow">
+            <a:avLst/>
+          </a:prstGeom>
+          <a:solidFill>
+            <a:schemeClr val="accent1"/>
+          </a:solidFill>
+          <a:ln w="57150" cap="flat" cmpd="sng" algn="ctr">
+            <a:solidFill>
+              <a:schemeClr val="accent2"/>
+            </a:solidFill>
+            <a:prstDash val="solid"/>
+            <a:round/>
+            <a:headEnd type="none" w="sm" len="sm"/>
+            <a:tailEnd type="none" w="sm" len="sm"/>
+          </a:ln>
+          <a:effectLst/>
+          <a:extLst>
+            <a:ext uri="{AF507438-7753-43E0-B8FC-AC1667EBCBE1}">
+              <a14:hiddenEffects xmlns:a14="http://schemas.microsoft.com/office/drawing/2010/main">
+                <a:effectLst>
+                  <a:outerShdw dist="35921" dir="2700000" algn="ctr" rotWithShape="0">
+                    <a:schemeClr val="bg2"/>
+                  </a:outerShdw>
+                </a:effectLst>
+              </a14:hiddenEffects>
+            </a:ext>
+          </a:extLst>
+        </p:spPr>
+        <p:txBody>
+          <a:bodyPr vert="horz" wrap="none" lIns="91440" tIns="45720" rIns="91440" bIns="45720" numCol="1" rtlCol="0" anchor="ctr" anchorCtr="0" compatLnSpc="1">
+            <a:prstTxWarp prst="textNoShape">
+              <a:avLst/>
+            </a:prstTxWarp>
+          </a:bodyPr>
+          <a:lstStyle/>
+          <a:p>
+            <a:pPr marL="0" marR="0" indent="0" algn="ctr" defTabSz="914400" rtl="0" eaLnBrk="1" fontAlgn="base" latinLnBrk="1" hangingPunct="1">
+              <a:lnSpc>
+                <a:spcPct val="100000"/>
+              </a:lnSpc>
+              <a:spcBef>
+                <a:spcPct val="0"/>
+              </a:spcBef>
+              <a:spcAft>
+                <a:spcPct val="0"/>
+              </a:spcAft>
+              <a:buClrTx/>
+              <a:buSzTx/>
+              <a:buFontTx/>
+              <a:buNone/>
+              <a:tabLst/>
+            </a:pPr>
+            <a:endParaRPr kumimoji="1" lang="ko-KR" altLang="en-US" sz="2400" b="0" i="0" u="none" strike="noStrike" cap="none" normalizeH="0" baseline="0" smtClean="0">
+              <a:ln>
+                <a:noFill/>
+              </a:ln>
+              <a:solidFill>
+                <a:schemeClr val="tx1"/>
+              </a:solidFill>
+              <a:effectLst/>
+              <a:latin typeface="Times New Roman" panose="02020603050405020304" pitchFamily="18" charset="0"/>
+              <a:ea typeface="굴림" panose="020B0600000101010101" pitchFamily="50" charset="-127"/>
+            </a:endParaRPr>
+          </a:p>
+        </p:txBody>
+      </p:sp>
+      <p:sp>
+        <p:nvSpPr>
+          <p:cNvPr id="11" name="내용 개체 틀 2"/>
+          <p:cNvSpPr txBox="1">
+            <a:spLocks/>
+          </p:cNvSpPr>
+          <p:nvPr/>
+        </p:nvSpPr>
+        <p:spPr bwMode="auto">
+          <a:xfrm>
+            <a:off x="7286067" y="3120618"/>
+            <a:ext cx="1306270" cy="543150"/>
+          </a:xfrm>
+          <a:prstGeom prst="rect">
+            <a:avLst/>
+          </a:prstGeom>
+          <a:noFill/>
+          <a:ln>
+            <a:noFill/>
+          </a:ln>
+          <a:effectLst/>
+          <a:extLst>
+            <a:ext uri="{909E8E84-426E-40DD-AFC4-6F175D3DCCD1}">
+              <a14:hiddenFill xmlns:a14="http://schemas.microsoft.com/office/drawing/2010/main">
+                <a:solidFill>
+                  <a:schemeClr val="accent1"/>
+                </a:solidFill>
+              </a14:hiddenFill>
+            </a:ext>
+            <a:ext uri="{91240B29-F687-4F45-9708-019B960494DF}">
+              <a14:hiddenLine xmlns:a14="http://schemas.microsoft.com/office/drawing/2010/main" w="9525">
+                <a:solidFill>
+                  <a:schemeClr val="tx1"/>
+                </a:solidFill>
+                <a:miter lim="800000"/>
+                <a:headEnd/>
+                <a:tailEnd/>
+              </a14:hiddenLine>
+            </a:ext>
+            <a:ext uri="{AF507438-7753-43E0-B8FC-AC1667EBCBE1}">
+              <a14:hiddenEffects xmlns:a14="http://schemas.microsoft.com/office/drawing/2010/main">
+                <a:effectLst>
+                  <a:outerShdw dist="35921" dir="2700000" algn="ctr" rotWithShape="0">
+                    <a:schemeClr val="bg2"/>
+                  </a:outerShdw>
+                </a:effectLst>
+              </a14:hiddenEffects>
+            </a:ext>
+          </a:extLst>
+        </p:spPr>
+        <p:txBody>
+          <a:bodyPr vert="horz" wrap="square" lIns="92075" tIns="46038" rIns="92075" bIns="46038" numCol="1" anchor="t" anchorCtr="0" compatLnSpc="1">
+            <a:prstTxWarp prst="textNoShape">
+              <a:avLst/>
+            </a:prstTxWarp>
+          </a:bodyPr>
+          <a:lstStyle>
+            <a:lvl1pPr marL="190500" indent="-190500" algn="l" rtl="0" eaLnBrk="0" fontAlgn="base" latinLnBrk="1" hangingPunct="0">
+              <a:spcBef>
+                <a:spcPct val="20000"/>
+              </a:spcBef>
+              <a:spcAft>
+                <a:spcPct val="0"/>
+              </a:spcAft>
+              <a:buFont typeface="Wingdings" panose="05000000000000000000" pitchFamily="2" charset="2"/>
+              <a:buChar char="§"/>
+              <a:defRPr kumimoji="1" b="1" kern="1200" baseline="0">
+                <a:solidFill>
+                  <a:schemeClr val="tx1"/>
+                </a:solidFill>
+                <a:latin typeface="Arial" panose="020B0604020202020204" pitchFamily="34" charset="0"/>
+                <a:ea typeface="맑은 고딕" panose="020B0503020000020004" pitchFamily="50" charset="-127"/>
+                <a:cs typeface="+mn-cs"/>
+              </a:defRPr>
+            </a:lvl1pPr>
+            <a:lvl2pPr marL="538163" indent="-190500" algn="l" rtl="0" eaLnBrk="0" fontAlgn="base" latinLnBrk="1" hangingPunct="0">
+              <a:spcBef>
+                <a:spcPct val="20000"/>
+              </a:spcBef>
+              <a:spcAft>
+                <a:spcPct val="0"/>
+              </a:spcAft>
+              <a:buChar char="–"/>
+              <a:defRPr kumimoji="1" sz="1600" kern="1200" baseline="0">
+                <a:solidFill>
+                  <a:schemeClr val="tx1"/>
+                </a:solidFill>
+                <a:latin typeface="Arial" panose="020B0604020202020204" pitchFamily="34" charset="0"/>
+                <a:ea typeface="맑은 고딕" panose="020B0503020000020004" pitchFamily="50" charset="-127"/>
+                <a:cs typeface="+mn-cs"/>
+              </a:defRPr>
+            </a:lvl2pPr>
+            <a:lvl3pPr marL="896938" indent="-228600" algn="l" rtl="0" eaLnBrk="0" fontAlgn="base" latinLnBrk="1" hangingPunct="0">
+              <a:spcBef>
+                <a:spcPct val="20000"/>
+              </a:spcBef>
+              <a:spcAft>
+                <a:spcPct val="0"/>
+              </a:spcAft>
+              <a:buChar char="•"/>
+              <a:defRPr kumimoji="1" sz="1600" b="0" kern="1200" baseline="0">
+                <a:solidFill>
+                  <a:schemeClr val="tx1"/>
+                </a:solidFill>
+                <a:latin typeface="Arial" panose="020B0604020202020204" pitchFamily="34" charset="0"/>
+                <a:ea typeface="맑은 고딕" panose="020B0503020000020004" pitchFamily="50" charset="-127"/>
+                <a:cs typeface="+mn-cs"/>
+              </a:defRPr>
+            </a:lvl3pPr>
+            <a:lvl4pPr marL="1255713" indent="-228600" algn="l" rtl="0" eaLnBrk="0" fontAlgn="base" latinLnBrk="1" hangingPunct="0">
+              <a:spcBef>
+                <a:spcPct val="20000"/>
+              </a:spcBef>
+              <a:spcAft>
+                <a:spcPct val="0"/>
+              </a:spcAft>
+              <a:buChar char="–"/>
+              <a:defRPr kumimoji="1" sz="1400" b="0" kern="1200" baseline="0">
+                <a:solidFill>
+                  <a:schemeClr val="tx1"/>
+                </a:solidFill>
+                <a:latin typeface="Arial" panose="020B0604020202020204" pitchFamily="34" charset="0"/>
+                <a:ea typeface="맑은 고딕" panose="020B0503020000020004" pitchFamily="50" charset="-127"/>
+                <a:cs typeface="+mn-cs"/>
+              </a:defRPr>
+            </a:lvl4pPr>
+            <a:lvl5pPr marL="1614488" indent="-228600" algn="l" rtl="0" eaLnBrk="0" fontAlgn="base" latinLnBrk="1" hangingPunct="0">
+              <a:spcBef>
+                <a:spcPct val="20000"/>
+              </a:spcBef>
+              <a:spcAft>
+                <a:spcPct val="0"/>
+              </a:spcAft>
+              <a:buChar char="»"/>
+              <a:defRPr kumimoji="1" sz="1400" b="0" kern="1200" baseline="0">
+                <a:solidFill>
+                  <a:schemeClr val="tx1"/>
+                </a:solidFill>
+                <a:latin typeface="Arial" panose="020B0604020202020204" pitchFamily="34" charset="0"/>
+                <a:ea typeface="맑은 고딕" panose="020B0503020000020004" pitchFamily="50" charset="-127"/>
+                <a:cs typeface="+mn-cs"/>
+              </a:defRPr>
+            </a:lvl5pPr>
+            <a:lvl6pPr marL="2514600" indent="-228600" algn="l" defTabSz="914400" rtl="0" eaLnBrk="1" latinLnBrk="1" hangingPunct="1">
+              <a:lnSpc>
+                <a:spcPct val="90000"/>
+              </a:lnSpc>
+              <a:spcBef>
+                <a:spcPts val="500"/>
+              </a:spcBef>
+              <a:buFont typeface="Arial" panose="020B0604020202020204" pitchFamily="34" charset="0"/>
+              <a:buChar char="•"/>
+              <a:defRPr sz="1800" kern="1200">
+                <a:solidFill>
+                  <a:schemeClr val="tx1"/>
+                </a:solidFill>
+                <a:latin typeface="+mn-lt"/>
+                <a:ea typeface="+mn-ea"/>
+                <a:cs typeface="+mn-cs"/>
+              </a:defRPr>
+            </a:lvl6pPr>
+            <a:lvl7pPr marL="2971800" indent="-228600" algn="l" defTabSz="914400" rtl="0" eaLnBrk="1" latinLnBrk="1" hangingPunct="1">
+              <a:lnSpc>
+                <a:spcPct val="90000"/>
+              </a:lnSpc>
+              <a:spcBef>
+                <a:spcPts val="500"/>
+              </a:spcBef>
+              <a:buFont typeface="Arial" panose="020B0604020202020204" pitchFamily="34" charset="0"/>
+              <a:buChar char="•"/>
+              <a:defRPr sz="1800" kern="1200">
+                <a:solidFill>
+                  <a:schemeClr val="tx1"/>
+                </a:solidFill>
+                <a:latin typeface="+mn-lt"/>
+                <a:ea typeface="+mn-ea"/>
+                <a:cs typeface="+mn-cs"/>
+              </a:defRPr>
+            </a:lvl7pPr>
+            <a:lvl8pPr marL="3429000" indent="-228600" algn="l" defTabSz="914400" rtl="0" eaLnBrk="1" latinLnBrk="1" hangingPunct="1">
+              <a:lnSpc>
+                <a:spcPct val="90000"/>
+              </a:lnSpc>
+              <a:spcBef>
+                <a:spcPts val="500"/>
+              </a:spcBef>
+              <a:buFont typeface="Arial" panose="020B0604020202020204" pitchFamily="34" charset="0"/>
+              <a:buChar char="•"/>
+              <a:defRPr sz="1800" kern="1200">
+                <a:solidFill>
+                  <a:schemeClr val="tx1"/>
+                </a:solidFill>
+                <a:latin typeface="+mn-lt"/>
+                <a:ea typeface="+mn-ea"/>
+                <a:cs typeface="+mn-cs"/>
+              </a:defRPr>
+            </a:lvl8pPr>
+            <a:lvl9pPr marL="3886200" indent="-228600" algn="l" defTabSz="914400" rtl="0" eaLnBrk="1" latinLnBrk="1" hangingPunct="1">
+              <a:lnSpc>
+                <a:spcPct val="90000"/>
+              </a:lnSpc>
+              <a:spcBef>
+                <a:spcPts val="500"/>
+              </a:spcBef>
+              <a:buFont typeface="Arial" panose="020B0604020202020204" pitchFamily="34" charset="0"/>
+              <a:buChar char="•"/>
+              <a:defRPr sz="1800" kern="1200">
+                <a:solidFill>
+                  <a:schemeClr val="tx1"/>
+                </a:solidFill>
+                <a:latin typeface="+mn-lt"/>
+                <a:ea typeface="+mn-ea"/>
+                <a:cs typeface="+mn-cs"/>
+              </a:defRPr>
+            </a:lvl9pPr>
+          </a:lstStyle>
+          <a:p>
+            <a:pPr marL="0" indent="0">
+              <a:buNone/>
+            </a:pPr>
+            <a:r>
+              <a:rPr lang="ko-KR" altLang="en-US" sz="1600" dirty="0" smtClean="0">
+                <a:solidFill>
+                  <a:schemeClr val="accent2"/>
+                </a:solidFill>
+              </a:rPr>
+              <a:t>정상적으로 </a:t>
+            </a:r>
+            <a:r>
+              <a:rPr lang="en-US" altLang="ko-KR" sz="1600" dirty="0" smtClean="0">
+                <a:solidFill>
+                  <a:schemeClr val="accent2"/>
+                </a:solidFill>
+              </a:rPr>
+              <a:t>ACK</a:t>
+            </a:r>
+            <a:r>
+              <a:rPr lang="ko-KR" altLang="en-US" sz="1600" dirty="0" smtClean="0">
+                <a:solidFill>
+                  <a:schemeClr val="accent2"/>
+                </a:solidFill>
+              </a:rPr>
+              <a:t>응답</a:t>
+            </a:r>
+            <a:endParaRPr lang="ko-KR" altLang="en-US" sz="1600" dirty="0">
+              <a:solidFill>
+                <a:schemeClr val="accent2"/>
+              </a:solidFill>
+            </a:endParaRPr>
+          </a:p>
+        </p:txBody>
+      </p:sp>
+      <p:pic>
+        <p:nvPicPr>
+          <p:cNvPr id="12" name="그림 11"/>
+          <p:cNvPicPr>
+            <a:picLocks noChangeAspect="1"/>
+          </p:cNvPicPr>
+          <p:nvPr/>
+        </p:nvPicPr>
+        <p:blipFill>
+          <a:blip r:embed="rId4"/>
+          <a:stretch>
+            <a:fillRect/>
+          </a:stretch>
+        </p:blipFill>
+        <p:spPr>
+          <a:xfrm>
+            <a:off x="3048331" y="4007134"/>
+            <a:ext cx="2808363" cy="2478390"/>
+          </a:xfrm>
+          <a:prstGeom prst="rect">
+            <a:avLst/>
+          </a:prstGeom>
+        </p:spPr>
+      </p:pic>
+      <p:sp>
+        <p:nvSpPr>
+          <p:cNvPr id="13" name="모서리가 둥근 직사각형 12"/>
+          <p:cNvSpPr/>
+          <p:nvPr/>
+        </p:nvSpPr>
+        <p:spPr bwMode="auto">
+          <a:xfrm>
+            <a:off x="3048331" y="4330175"/>
+            <a:ext cx="2808363" cy="1330037"/>
+          </a:xfrm>
+          <a:prstGeom prst="roundRect">
+            <a:avLst/>
+          </a:prstGeom>
+          <a:noFill/>
+          <a:ln w="57150" cap="flat" cmpd="sng" algn="ctr">
+            <a:solidFill>
+              <a:schemeClr val="accent2"/>
+            </a:solidFill>
+            <a:prstDash val="solid"/>
+            <a:round/>
+            <a:headEnd type="none" w="sm" len="sm"/>
+            <a:tailEnd type="none" w="sm" len="sm"/>
+          </a:ln>
+          <a:effectLst/>
+          <a:extLst/>
+        </p:spPr>
+        <p:txBody>
+          <a:bodyPr vert="horz" wrap="none" lIns="91440" tIns="45720" rIns="91440" bIns="45720" numCol="1" rtlCol="0" anchor="ctr" anchorCtr="0" compatLnSpc="1">
+            <a:prstTxWarp prst="textNoShape">
+              <a:avLst/>
+            </a:prstTxWarp>
+          </a:bodyPr>
+          <a:lstStyle/>
+          <a:p>
+            <a:pPr marL="0" marR="0" indent="0" algn="ctr" defTabSz="914400" rtl="0" eaLnBrk="1" fontAlgn="base" latinLnBrk="1" hangingPunct="1">
+              <a:lnSpc>
+                <a:spcPct val="100000"/>
+              </a:lnSpc>
+              <a:spcBef>
+                <a:spcPct val="0"/>
+              </a:spcBef>
+              <a:spcAft>
+                <a:spcPct val="0"/>
+              </a:spcAft>
+              <a:buClrTx/>
+              <a:buSzTx/>
+              <a:buFontTx/>
+              <a:buNone/>
+              <a:tabLst/>
+            </a:pPr>
+            <a:endParaRPr kumimoji="1" lang="ko-KR" altLang="en-US" sz="2400" b="0" i="0" u="none" strike="noStrike" cap="none" normalizeH="0" baseline="0" smtClean="0">
+              <a:ln>
+                <a:noFill/>
+              </a:ln>
+              <a:solidFill>
+                <a:schemeClr val="tx1"/>
+              </a:solidFill>
+              <a:effectLst/>
+              <a:latin typeface="Times New Roman" panose="02020603050405020304" pitchFamily="18" charset="0"/>
+              <a:ea typeface="굴림" panose="020B0600000101010101" pitchFamily="50" charset="-127"/>
+            </a:endParaRPr>
+          </a:p>
+        </p:txBody>
+      </p:sp>
+      <p:sp>
+        <p:nvSpPr>
+          <p:cNvPr id="14" name="모서리가 둥근 직사각형 13"/>
+          <p:cNvSpPr/>
+          <p:nvPr/>
+        </p:nvSpPr>
+        <p:spPr bwMode="auto">
+          <a:xfrm>
+            <a:off x="3048330" y="5760362"/>
+            <a:ext cx="2808363" cy="604563"/>
+          </a:xfrm>
+          <a:prstGeom prst="roundRect">
+            <a:avLst/>
+          </a:prstGeom>
+          <a:noFill/>
+          <a:ln w="57150" cap="flat" cmpd="sng" algn="ctr">
+            <a:solidFill>
+              <a:schemeClr val="accent2"/>
+            </a:solidFill>
+            <a:prstDash val="solid"/>
+            <a:round/>
+            <a:headEnd type="none" w="sm" len="sm"/>
+            <a:tailEnd type="none" w="sm" len="sm"/>
+          </a:ln>
+          <a:effectLst/>
+          <a:extLst/>
+        </p:spPr>
+        <p:txBody>
+          <a:bodyPr vert="horz" wrap="none" lIns="91440" tIns="45720" rIns="91440" bIns="45720" numCol="1" rtlCol="0" anchor="ctr" anchorCtr="0" compatLnSpc="1">
+            <a:prstTxWarp prst="textNoShape">
+              <a:avLst/>
+            </a:prstTxWarp>
+          </a:bodyPr>
+          <a:lstStyle/>
+          <a:p>
+            <a:pPr marL="0" marR="0" indent="0" algn="ctr" defTabSz="914400" rtl="0" eaLnBrk="1" fontAlgn="base" latinLnBrk="1" hangingPunct="1">
+              <a:lnSpc>
+                <a:spcPct val="100000"/>
+              </a:lnSpc>
+              <a:spcBef>
+                <a:spcPct val="0"/>
+              </a:spcBef>
+              <a:spcAft>
+                <a:spcPct val="0"/>
+              </a:spcAft>
+              <a:buClrTx/>
+              <a:buSzTx/>
+              <a:buFontTx/>
+              <a:buNone/>
+              <a:tabLst/>
+            </a:pPr>
+            <a:endParaRPr kumimoji="1" lang="ko-KR" altLang="en-US" sz="2400" b="0" i="0" u="none" strike="noStrike" cap="none" normalizeH="0" baseline="0" smtClean="0">
+              <a:ln>
+                <a:noFill/>
+              </a:ln>
+              <a:solidFill>
+                <a:schemeClr val="tx1"/>
+              </a:solidFill>
+              <a:effectLst/>
+              <a:latin typeface="Times New Roman" panose="02020603050405020304" pitchFamily="18" charset="0"/>
+              <a:ea typeface="굴림" panose="020B0600000101010101" pitchFamily="50" charset="-127"/>
+            </a:endParaRPr>
+          </a:p>
+        </p:txBody>
+      </p:sp>
+      <p:sp>
+        <p:nvSpPr>
+          <p:cNvPr id="15" name="위로 굽은 화살표 14"/>
+          <p:cNvSpPr/>
+          <p:nvPr/>
+        </p:nvSpPr>
+        <p:spPr bwMode="auto">
+          <a:xfrm>
+            <a:off x="5947378" y="4414101"/>
+            <a:ext cx="1148668" cy="1783458"/>
+          </a:xfrm>
+          <a:prstGeom prst="bentUpArrow">
+            <a:avLst/>
+          </a:prstGeom>
+          <a:solidFill>
+            <a:schemeClr val="accent1"/>
+          </a:solidFill>
+          <a:ln w="57150" cap="flat" cmpd="sng" algn="ctr">
+            <a:solidFill>
+              <a:schemeClr val="accent2"/>
+            </a:solidFill>
+            <a:prstDash val="solid"/>
+            <a:round/>
+            <a:headEnd type="none" w="sm" len="sm"/>
+            <a:tailEnd type="none" w="sm" len="sm"/>
+          </a:ln>
+          <a:effectLst/>
+          <a:extLst>
+            <a:ext uri="{AF507438-7753-43E0-B8FC-AC1667EBCBE1}">
+              <a14:hiddenEffects xmlns:a14="http://schemas.microsoft.com/office/drawing/2010/main">
+                <a:effectLst>
+                  <a:outerShdw dist="35921" dir="2700000" algn="ctr" rotWithShape="0">
+                    <a:schemeClr val="bg2"/>
+                  </a:outerShdw>
+                </a:effectLst>
+              </a14:hiddenEffects>
+            </a:ext>
+          </a:extLst>
+        </p:spPr>
+        <p:txBody>
+          <a:bodyPr vert="horz" wrap="none" lIns="91440" tIns="45720" rIns="91440" bIns="45720" numCol="1" rtlCol="0" anchor="ctr" anchorCtr="0" compatLnSpc="1">
+            <a:prstTxWarp prst="textNoShape">
+              <a:avLst/>
+            </a:prstTxWarp>
+          </a:bodyPr>
+          <a:lstStyle/>
+          <a:p>
+            <a:pPr marL="0" marR="0" indent="0" algn="ctr" defTabSz="914400" rtl="0" eaLnBrk="1" fontAlgn="base" latinLnBrk="1" hangingPunct="1">
+              <a:lnSpc>
+                <a:spcPct val="100000"/>
+              </a:lnSpc>
+              <a:spcBef>
+                <a:spcPct val="0"/>
+              </a:spcBef>
+              <a:spcAft>
+                <a:spcPct val="0"/>
+              </a:spcAft>
+              <a:buClrTx/>
+              <a:buSzTx/>
+              <a:buFontTx/>
+              <a:buNone/>
+              <a:tabLst/>
+            </a:pPr>
+            <a:r>
+              <a:rPr lang="en-US" altLang="ko-KR" sz="1200" dirty="0" smtClean="0"/>
+              <a:t>ACK </a:t>
+            </a:r>
+            <a:r>
+              <a:rPr lang="ko-KR" altLang="en-US" sz="1200" dirty="0" smtClean="0"/>
+              <a:t>응답</a:t>
+            </a:r>
+            <a:endParaRPr kumimoji="1" lang="ko-KR" altLang="en-US" sz="1200" b="0" i="0" u="none" strike="noStrike" cap="none" normalizeH="0" baseline="0" dirty="0" smtClean="0">
+              <a:ln>
+                <a:noFill/>
+              </a:ln>
+              <a:solidFill>
+                <a:schemeClr val="tx1"/>
+              </a:solidFill>
+              <a:effectLst/>
+            </a:endParaRPr>
+          </a:p>
+        </p:txBody>
+      </p:sp>
+      <p:sp>
+        <p:nvSpPr>
+          <p:cNvPr id="16" name="위로 굽은 화살표 15"/>
+          <p:cNvSpPr/>
+          <p:nvPr/>
+        </p:nvSpPr>
+        <p:spPr bwMode="auto">
+          <a:xfrm flipH="1">
+            <a:off x="1602494" y="4015332"/>
+            <a:ext cx="1355153" cy="1230997"/>
+          </a:xfrm>
+          <a:prstGeom prst="bentUpArrow">
+            <a:avLst/>
+          </a:prstGeom>
+          <a:solidFill>
+            <a:schemeClr val="accent1"/>
+          </a:solidFill>
+          <a:ln w="57150" cap="flat" cmpd="sng" algn="ctr">
+            <a:solidFill>
+              <a:schemeClr val="accent2"/>
+            </a:solidFill>
+            <a:prstDash val="solid"/>
+            <a:round/>
+            <a:headEnd type="none" w="sm" len="sm"/>
+            <a:tailEnd type="none" w="sm" len="sm"/>
+          </a:ln>
+          <a:effectLst/>
+          <a:extLst>
+            <a:ext uri="{AF507438-7753-43E0-B8FC-AC1667EBCBE1}">
+              <a14:hiddenEffects xmlns:a14="http://schemas.microsoft.com/office/drawing/2010/main">
+                <a:effectLst>
+                  <a:outerShdw dist="35921" dir="2700000" algn="ctr" rotWithShape="0">
+                    <a:schemeClr val="bg2"/>
+                  </a:outerShdw>
+                </a:effectLst>
+              </a14:hiddenEffects>
+            </a:ext>
+          </a:extLst>
+        </p:spPr>
+        <p:txBody>
+          <a:bodyPr vert="horz" wrap="none" lIns="91440" tIns="45720" rIns="91440" bIns="45720" numCol="1" rtlCol="0" anchor="ctr" anchorCtr="0" compatLnSpc="1">
+            <a:prstTxWarp prst="textNoShape">
+              <a:avLst/>
+            </a:prstTxWarp>
+          </a:bodyPr>
+          <a:lstStyle/>
+          <a:p>
+            <a:pPr marL="0" marR="0" indent="0" algn="ctr" defTabSz="914400" rtl="0" eaLnBrk="1" fontAlgn="base" latinLnBrk="1" hangingPunct="1">
+              <a:lnSpc>
+                <a:spcPct val="100000"/>
+              </a:lnSpc>
+              <a:spcBef>
+                <a:spcPct val="0"/>
+              </a:spcBef>
+              <a:spcAft>
+                <a:spcPct val="0"/>
+              </a:spcAft>
+              <a:buClrTx/>
+              <a:buSzTx/>
+              <a:buFontTx/>
+              <a:buNone/>
+              <a:tabLst/>
+            </a:pPr>
+            <a:r>
+              <a:rPr lang="en-US" altLang="ko-KR" sz="1200" dirty="0" smtClean="0"/>
+              <a:t>ACK</a:t>
+            </a:r>
+            <a:r>
+              <a:rPr lang="ko-KR" altLang="en-US" sz="1200" dirty="0" smtClean="0"/>
+              <a:t>응답 없음</a:t>
+            </a:r>
+            <a:endParaRPr kumimoji="1" lang="ko-KR" altLang="en-US" sz="1200" b="0" i="0" u="none" strike="noStrike" cap="none" normalizeH="0" baseline="0" dirty="0" smtClean="0">
+              <a:ln>
+                <a:noFill/>
+              </a:ln>
+              <a:solidFill>
+                <a:schemeClr val="tx1"/>
+              </a:solidFill>
+              <a:effectLst/>
+            </a:endParaRPr>
+          </a:p>
+        </p:txBody>
+      </p:sp>
+    </p:spTree>
+    <p:extLst>
+      <p:ext uri="{BB962C8B-B14F-4D97-AF65-F5344CB8AC3E}">
+        <p14:creationId xmlns:p14="http://schemas.microsoft.com/office/powerpoint/2010/main" val="1029048150"/>
       </p:ext>
     </p:extLst>
   </p:cSld>

--- a/1. Project/DTNPL/Weekly Report/DTN_SBC-TRS28-분석 20200831.pptx
+++ b/1. Project/DTNPL/Weekly Report/DTN_SBC-TRS28-분석 20200831.pptx
@@ -5388,8 +5388,32 @@
           <a:p>
             <a:pPr lvl="1"/>
             <a:r>
+              <a:rPr lang="en-US" altLang="ko-KR" dirty="0" smtClean="0"/>
+              <a:t>20/08/20</a:t>
+            </a:r>
+            <a:r>
               <a:rPr lang="ko-KR" altLang="en-US" dirty="0" smtClean="0"/>
-              <a:t>일부 명령에 대해서 </a:t>
+              <a:t>일</a:t>
+            </a:r>
+            <a:r>
+              <a:rPr lang="en-US" altLang="ko-KR" dirty="0" smtClean="0"/>
+              <a:t> DTNPL ETB </a:t>
+            </a:r>
+            <a:r>
+              <a:rPr lang="en-US" altLang="ko-KR" dirty="0" smtClean="0"/>
+              <a:t>I/F </a:t>
+            </a:r>
+            <a:r>
+              <a:rPr lang="ko-KR" altLang="en-US" dirty="0" smtClean="0"/>
+              <a:t>시험 중 </a:t>
+            </a:r>
+            <a:r>
+              <a:rPr lang="ko-KR" altLang="en-US" dirty="0" smtClean="0"/>
+              <a:t>일부 </a:t>
+            </a:r>
+            <a:r>
+              <a:rPr lang="ko-KR" altLang="en-US" dirty="0" smtClean="0"/>
+              <a:t>명령에 대해서 </a:t>
             </a:r>
             <a:r>
               <a:rPr lang="en-US" altLang="ko-KR" dirty="0" smtClean="0"/>
@@ -5414,251 +5438,251 @@
               <a:rPr lang="en-US" altLang="ko-KR" dirty="0" smtClean="0"/>
             </a:br>
             <a:r>
-              <a:rPr lang="en-US" altLang="ko-KR" b="0" dirty="0" smtClean="0"/>
+              <a:rPr lang="en-US" altLang="ko-KR" sz="1600" b="0" dirty="0" smtClean="0"/>
               <a:t>  - DTNPL</a:t>
             </a:r>
             <a:r>
-              <a:rPr lang="ko-KR" altLang="en-US" b="0" dirty="0" smtClean="0"/>
+              <a:rPr lang="ko-KR" altLang="en-US" sz="1600" b="0" dirty="0" smtClean="0"/>
               <a:t>의 동작을 </a:t>
             </a:r>
             <a:r>
-              <a:rPr lang="en-US" altLang="ko-KR" b="0" dirty="0" smtClean="0"/>
+              <a:rPr lang="en-US" altLang="ko-KR" sz="1600" b="0" dirty="0" smtClean="0"/>
               <a:t>Monitoring</a:t>
             </a:r>
             <a:r>
-              <a:rPr lang="ko-KR" altLang="en-US" b="0" dirty="0" smtClean="0"/>
+              <a:rPr lang="ko-KR" altLang="en-US" sz="1600" b="0" dirty="0" smtClean="0"/>
               <a:t>을</a:t>
             </a:r>
             <a:r>
-              <a:rPr lang="en-US" altLang="ko-KR" b="0" dirty="0" smtClean="0"/>
+              <a:rPr lang="en-US" altLang="ko-KR" sz="1600" b="0" dirty="0" smtClean="0"/>
               <a:t> </a:t>
             </a:r>
             <a:r>
-              <a:rPr lang="ko-KR" altLang="en-US" b="0" dirty="0" smtClean="0"/>
+              <a:rPr lang="ko-KR" altLang="en-US" sz="1600" b="0" dirty="0" smtClean="0"/>
               <a:t>하기 위해서 </a:t>
             </a:r>
             <a:r>
-              <a:rPr lang="en-US" altLang="ko-KR" b="0" dirty="0" smtClean="0"/>
+              <a:rPr lang="en-US" altLang="ko-KR" sz="1600" b="0" dirty="0" smtClean="0"/>
               <a:t>DTNPL</a:t>
             </a:r>
             <a:r>
-              <a:rPr lang="ko-KR" altLang="en-US" b="0" dirty="0" smtClean="0"/>
+              <a:rPr lang="ko-KR" altLang="en-US" sz="1600" b="0" dirty="0" smtClean="0"/>
               <a:t>에 </a:t>
             </a:r>
             <a:r>
-              <a:rPr lang="en-US" altLang="ko-KR" b="0" dirty="0" smtClean="0"/>
+              <a:rPr lang="en-US" altLang="ko-KR" sz="1600" b="0" dirty="0" smtClean="0"/>
               <a:t>JTAG</a:t>
             </a:r>
             <a:r>
-              <a:rPr lang="ko-KR" altLang="en-US" b="0" dirty="0" smtClean="0"/>
+              <a:rPr lang="ko-KR" altLang="en-US" sz="1600" b="0" dirty="0" smtClean="0"/>
               <a:t>을 연결하여 그 상태를 </a:t>
             </a:r>
             <a:r>
-              <a:rPr lang="en-US" altLang="ko-KR" b="0" dirty="0" smtClean="0"/>
+              <a:rPr lang="en-US" altLang="ko-KR" sz="1600" b="0" dirty="0" smtClean="0"/>
               <a:t>Monitoring</a:t>
             </a:r>
             <a:r>
-              <a:rPr lang="ko-KR" altLang="en-US" b="0" dirty="0" smtClean="0"/>
+              <a:rPr lang="ko-KR" altLang="en-US" sz="1600" b="0" dirty="0" smtClean="0"/>
               <a:t>을 진행함</a:t>
             </a:r>
             <a:r>
-              <a:rPr lang="en-US" altLang="ko-KR" b="0" dirty="0" smtClean="0"/>
+              <a:rPr lang="en-US" altLang="ko-KR" sz="1600" b="0" dirty="0" smtClean="0"/>
               <a:t>. </a:t>
             </a:r>
             <a:br>
-              <a:rPr lang="en-US" altLang="ko-KR" b="0" dirty="0" smtClean="0"/>
+              <a:rPr lang="en-US" altLang="ko-KR" sz="1600" b="0" dirty="0" smtClean="0"/>
             </a:br>
             <a:r>
-              <a:rPr lang="en-US" altLang="ko-KR" b="0" dirty="0" smtClean="0"/>
+              <a:rPr lang="en-US" altLang="ko-KR" sz="1600" b="0" dirty="0" smtClean="0"/>
               <a:t>- Script 1 </a:t>
             </a:r>
             <a:r>
-              <a:rPr lang="ko-KR" altLang="en-US" b="0" dirty="0" smtClean="0"/>
-              <a:t>명령 수행 시 </a:t>
-            </a:r>
-            <a:r>
-              <a:rPr lang="en-US" altLang="ko-KR" b="0" dirty="0" smtClean="0"/>
-              <a:t>SBC </a:t>
-            </a:r>
-            <a:r>
-              <a:rPr lang="ko-KR" altLang="en-US" b="0" dirty="0" smtClean="0"/>
-              <a:t>가 </a:t>
-            </a:r>
-            <a:r>
-              <a:rPr lang="en-US" altLang="ko-KR" b="0" dirty="0" smtClean="0"/>
-              <a:t>Reset</a:t>
-            </a:r>
-            <a:r>
-              <a:rPr lang="ko-KR" altLang="en-US" b="0" dirty="0" smtClean="0"/>
-              <a:t> 후 </a:t>
-            </a:r>
-            <a:r>
-              <a:rPr lang="en-US" altLang="ko-KR" b="0" dirty="0" smtClean="0"/>
+              <a:rPr lang="ko-KR" altLang="en-US" sz="1600" b="0" dirty="0" smtClean="0"/>
+              <a:t>명령을 이용하여 </a:t>
+            </a:r>
+            <a:r>
+              <a:rPr lang="en-US" altLang="ko-KR" sz="1600" b="0" dirty="0" smtClean="0"/>
+              <a:t>DTNPL</a:t>
+            </a:r>
+            <a:r>
+              <a:rPr lang="ko-KR" altLang="en-US" sz="1600" b="0" dirty="0" smtClean="0"/>
+              <a:t>을 </a:t>
+            </a:r>
+            <a:r>
+              <a:rPr lang="en-US" altLang="ko-KR" sz="1600" b="0" dirty="0" smtClean="0"/>
+              <a:t>Reset </a:t>
+            </a:r>
+            <a:r>
+              <a:rPr lang="ko-KR" altLang="en-US" sz="1600" b="0" dirty="0" smtClean="0"/>
+              <a:t>할 경우 </a:t>
+            </a:r>
+            <a:r>
+              <a:rPr lang="en-US" altLang="ko-KR" sz="1600" b="0" dirty="0" smtClean="0"/>
               <a:t>Booting </a:t>
             </a:r>
             <a:r>
-              <a:rPr lang="ko-KR" altLang="en-US" b="0" dirty="0" smtClean="0"/>
+              <a:rPr lang="ko-KR" altLang="en-US" sz="1600" b="0" dirty="0" smtClean="0"/>
               <a:t>까지 </a:t>
             </a:r>
             <a:r>
-              <a:rPr lang="ko-KR" altLang="en-US" b="0" dirty="0"/>
+              <a:rPr lang="ko-KR" altLang="en-US" sz="1600" b="0" dirty="0"/>
               <a:t>약</a:t>
             </a:r>
             <a:r>
-              <a:rPr lang="en-US" altLang="ko-KR" b="0" dirty="0" smtClean="0"/>
+              <a:rPr lang="en-US" altLang="ko-KR" sz="1600" b="0" dirty="0" smtClean="0"/>
               <a:t> 30</a:t>
             </a:r>
             <a:r>
-              <a:rPr lang="ko-KR" altLang="en-US" b="0" dirty="0" smtClean="0"/>
+              <a:rPr lang="ko-KR" altLang="en-US" sz="1600" b="0" dirty="0" smtClean="0"/>
               <a:t>초의 시간이 소요되는데</a:t>
             </a:r>
             <a:r>
-              <a:rPr lang="en-US" altLang="ko-KR" b="0" dirty="0" smtClean="0"/>
+              <a:rPr lang="en-US" altLang="ko-KR" sz="1600" b="0" dirty="0" smtClean="0"/>
               <a:t>, Booting </a:t>
             </a:r>
             <a:r>
-              <a:rPr lang="ko-KR" altLang="en-US" b="0" dirty="0" smtClean="0"/>
+              <a:rPr lang="ko-KR" altLang="en-US" sz="1600" b="0" dirty="0" smtClean="0"/>
               <a:t>하는 중간에 </a:t>
             </a:r>
             <a:r>
-              <a:rPr lang="en-US" altLang="ko-KR" b="0" dirty="0" smtClean="0"/>
+              <a:rPr lang="en-US" altLang="ko-KR" sz="1600" b="0" dirty="0" smtClean="0"/>
               <a:t>OBT</a:t>
             </a:r>
             <a:r>
-              <a:rPr lang="ko-KR" altLang="en-US" b="0" dirty="0" smtClean="0"/>
+              <a:rPr lang="ko-KR" altLang="en-US" sz="1600" b="0" dirty="0" smtClean="0"/>
               <a:t>와 </a:t>
             </a:r>
             <a:r>
-              <a:rPr lang="en-US" altLang="ko-KR" b="0" dirty="0" smtClean="0"/>
+              <a:rPr lang="en-US" altLang="ko-KR" sz="1600" b="0" dirty="0" smtClean="0"/>
               <a:t>SOH Request</a:t>
             </a:r>
             <a:r>
-              <a:rPr lang="ko-KR" altLang="en-US" b="0" dirty="0" smtClean="0"/>
+              <a:rPr lang="ko-KR" altLang="en-US" sz="1600" b="0" dirty="0" smtClean="0"/>
               <a:t> 명령을 받게 되면 </a:t>
             </a:r>
             <a:r>
-              <a:rPr lang="en-US" altLang="ko-KR" b="0" dirty="0" smtClean="0"/>
+              <a:rPr lang="en-US" altLang="ko-KR" sz="1600" b="0" dirty="0" smtClean="0"/>
               <a:t>ACK </a:t>
             </a:r>
             <a:r>
-              <a:rPr lang="ko-KR" altLang="en-US" b="0" dirty="0" smtClean="0"/>
+              <a:rPr lang="ko-KR" altLang="en-US" sz="1600" b="0" dirty="0" smtClean="0"/>
               <a:t>신호를 </a:t>
             </a:r>
             <a:r>
-              <a:rPr lang="en-US" altLang="ko-KR" b="0" dirty="0" smtClean="0"/>
+              <a:rPr lang="en-US" altLang="ko-KR" sz="1600" b="0" dirty="0" smtClean="0"/>
               <a:t>DTNPL</a:t>
             </a:r>
             <a:r>
-              <a:rPr lang="ko-KR" altLang="en-US" b="0" dirty="0" smtClean="0"/>
+              <a:rPr lang="ko-KR" altLang="en-US" sz="1600" b="0" dirty="0" smtClean="0"/>
               <a:t>이 응답할 수 없는 상태가 됨</a:t>
             </a:r>
             <a:r>
-              <a:rPr lang="en-US" altLang="ko-KR" b="0" dirty="0" smtClean="0"/>
+              <a:rPr lang="en-US" altLang="ko-KR" sz="1600" b="0" dirty="0" smtClean="0"/>
               <a:t>. </a:t>
             </a:r>
             <a:br>
-              <a:rPr lang="en-US" altLang="ko-KR" b="0" dirty="0" smtClean="0"/>
+              <a:rPr lang="en-US" altLang="ko-KR" sz="1600" b="0" dirty="0" smtClean="0"/>
             </a:br>
             <a:r>
-              <a:rPr lang="en-US" altLang="ko-KR" b="0" dirty="0" smtClean="0"/>
+              <a:rPr lang="en-US" altLang="ko-KR" sz="1600" b="0" dirty="0" smtClean="0"/>
               <a:t>- Rebooting </a:t>
             </a:r>
             <a:r>
-              <a:rPr lang="ko-KR" altLang="en-US" b="0" dirty="0" smtClean="0"/>
+              <a:rPr lang="ko-KR" altLang="en-US" sz="1600" b="0" dirty="0" smtClean="0"/>
               <a:t>후</a:t>
             </a:r>
             <a:r>
-              <a:rPr lang="en-US" altLang="ko-KR" b="0" dirty="0" smtClean="0"/>
+              <a:rPr lang="en-US" altLang="ko-KR" sz="1600" b="0" dirty="0" smtClean="0"/>
               <a:t> </a:t>
             </a:r>
             <a:r>
-              <a:rPr lang="ko-KR" altLang="en-US" b="0" dirty="0" smtClean="0"/>
+              <a:rPr lang="ko-KR" altLang="en-US" sz="1600" b="0" dirty="0" smtClean="0"/>
               <a:t>상태 </a:t>
             </a:r>
             <a:r>
-              <a:rPr lang="en-US" altLang="ko-KR" b="0" dirty="0" smtClean="0"/>
+              <a:rPr lang="en-US" altLang="ko-KR" sz="1600" b="0" dirty="0" smtClean="0"/>
               <a:t>Monitoring</a:t>
             </a:r>
             <a:r>
-              <a:rPr lang="ko-KR" altLang="en-US" b="0" dirty="0" smtClean="0"/>
+              <a:rPr lang="ko-KR" altLang="en-US" sz="1600" b="0" dirty="0" smtClean="0"/>
               <a:t>을 위해 </a:t>
             </a:r>
             <a:r>
-              <a:rPr lang="en-US" altLang="ko-KR" b="0" dirty="0" smtClean="0"/>
+              <a:rPr lang="en-US" altLang="ko-KR" sz="1600" b="0" dirty="0" smtClean="0"/>
               <a:t>GRMON</a:t>
             </a:r>
             <a:r>
-              <a:rPr lang="ko-KR" altLang="en-US" b="0" dirty="0" smtClean="0"/>
+              <a:rPr lang="ko-KR" altLang="en-US" sz="1600" b="0" dirty="0" smtClean="0"/>
               <a:t>을 연결하게 되면 </a:t>
             </a:r>
             <a:r>
-              <a:rPr lang="en-US" altLang="ko-KR" b="0" dirty="0" smtClean="0"/>
+              <a:rPr lang="en-US" altLang="ko-KR" sz="1600" b="0" dirty="0" smtClean="0"/>
               <a:t>GRMON </a:t>
             </a:r>
             <a:r>
-              <a:rPr lang="ko-KR" altLang="en-US" b="0" dirty="0" smtClean="0"/>
+              <a:rPr lang="ko-KR" altLang="en-US" sz="1600" b="0" dirty="0" smtClean="0"/>
               <a:t>연결 하는 동안 </a:t>
             </a:r>
             <a:r>
-              <a:rPr lang="en-US" altLang="ko-KR" b="0" dirty="0" smtClean="0"/>
+              <a:rPr lang="en-US" altLang="ko-KR" sz="1600" b="0" dirty="0" smtClean="0"/>
               <a:t>CPU</a:t>
             </a:r>
             <a:r>
-              <a:rPr lang="ko-KR" altLang="en-US" b="0" dirty="0" smtClean="0"/>
+              <a:rPr lang="ko-KR" altLang="en-US" sz="1600" b="0" dirty="0" smtClean="0"/>
               <a:t>는 </a:t>
             </a:r>
             <a:r>
-              <a:rPr lang="en-US" altLang="ko-KR" b="0" dirty="0" smtClean="0"/>
+              <a:rPr lang="en-US" altLang="ko-KR" sz="1600" b="0" dirty="0" smtClean="0"/>
               <a:t>Halt </a:t>
             </a:r>
             <a:r>
-              <a:rPr lang="ko-KR" altLang="en-US" b="0" dirty="0" smtClean="0"/>
+              <a:rPr lang="ko-KR" altLang="en-US" sz="1600" b="0" dirty="0" smtClean="0"/>
               <a:t>상태에 있게 됨</a:t>
             </a:r>
             <a:r>
-              <a:rPr lang="en-US" altLang="ko-KR" b="0" dirty="0" smtClean="0"/>
+              <a:rPr lang="en-US" altLang="ko-KR" sz="1600" b="0" dirty="0" smtClean="0"/>
               <a:t>. </a:t>
             </a:r>
             <a:r>
-              <a:rPr lang="ko-KR" altLang="en-US" b="0" dirty="0" smtClean="0"/>
+              <a:rPr lang="ko-KR" altLang="en-US" sz="1600" b="0" dirty="0" smtClean="0"/>
               <a:t>이 때 </a:t>
             </a:r>
             <a:r>
-              <a:rPr lang="en-US" altLang="ko-KR" b="0" dirty="0" smtClean="0"/>
+              <a:rPr lang="en-US" altLang="ko-KR" sz="1600" b="0" dirty="0" smtClean="0"/>
               <a:t>OBT</a:t>
             </a:r>
             <a:r>
-              <a:rPr lang="ko-KR" altLang="en-US" b="0" dirty="0" smtClean="0"/>
+              <a:rPr lang="ko-KR" altLang="en-US" sz="1600" b="0" dirty="0" smtClean="0"/>
               <a:t>와 </a:t>
             </a:r>
             <a:r>
-              <a:rPr lang="en-US" altLang="ko-KR" b="0" dirty="0" smtClean="0"/>
+              <a:rPr lang="en-US" altLang="ko-KR" sz="1600" b="0" dirty="0" smtClean="0"/>
               <a:t>SOH Request</a:t>
             </a:r>
             <a:r>
-              <a:rPr lang="ko-KR" altLang="en-US" b="0" dirty="0" smtClean="0"/>
+              <a:rPr lang="ko-KR" altLang="en-US" sz="1600" b="0" dirty="0" smtClean="0"/>
               <a:t> 명령을 수신하게 되면</a:t>
             </a:r>
             <a:r>
-              <a:rPr lang="en-US" altLang="ko-KR" b="0" dirty="0" smtClean="0"/>
+              <a:rPr lang="en-US" altLang="ko-KR" sz="1600" b="0" dirty="0" smtClean="0"/>
               <a:t>, </a:t>
             </a:r>
             <a:r>
-              <a:rPr lang="ko-KR" altLang="en-US" b="0" dirty="0" smtClean="0"/>
+              <a:rPr lang="ko-KR" altLang="en-US" sz="1600" b="0" dirty="0" smtClean="0"/>
               <a:t>그에 대한 응답을 할 수 없는 상태가 됨</a:t>
             </a:r>
             <a:r>
-              <a:rPr lang="en-US" altLang="ko-KR" b="0" dirty="0" smtClean="0"/>
+              <a:rPr lang="en-US" altLang="ko-KR" sz="1600" b="0" dirty="0" smtClean="0"/>
               <a:t>. </a:t>
             </a:r>
             <a:r>
-              <a:rPr lang="en-US" altLang="ko-KR" dirty="0" smtClean="0"/>
+              <a:rPr lang="en-US" altLang="ko-KR" sz="1600" dirty="0" smtClean="0"/>
               <a:t/>
             </a:r>
             <a:br>
-              <a:rPr lang="en-US" altLang="ko-KR" dirty="0" smtClean="0"/>
+              <a:rPr lang="en-US" altLang="ko-KR" sz="1600" dirty="0" smtClean="0"/>
             </a:br>
-            <a:endParaRPr lang="en-US" altLang="ko-KR" dirty="0" smtClean="0"/>
+            <a:endParaRPr lang="en-US" altLang="ko-KR" sz="1600" dirty="0" smtClean="0"/>
           </a:p>
           <a:p>
             <a:endParaRPr lang="en-US" altLang="ko-KR" dirty="0"/>
@@ -7313,6 +7337,88 @@
           <a:p>
             <a:pPr lvl="1"/>
             <a:r>
+              <a:rPr lang="ko-KR" altLang="en-US" dirty="0" err="1" smtClean="0"/>
+              <a:t>항우연에서</a:t>
+            </a:r>
+            <a:r>
+              <a:rPr lang="ko-KR" altLang="en-US" dirty="0" smtClean="0"/>
+              <a:t> </a:t>
+            </a:r>
+            <a:r>
+              <a:rPr lang="en-US" altLang="ko-KR" dirty="0" smtClean="0"/>
+              <a:t>ETB </a:t>
+            </a:r>
+            <a:r>
+              <a:rPr lang="ko-KR" altLang="en-US" dirty="0" smtClean="0"/>
+              <a:t>시험 중 </a:t>
+            </a:r>
+            <a:r>
+              <a:rPr lang="en-US" altLang="ko-KR" dirty="0" smtClean="0"/>
+              <a:t>ACK</a:t>
+            </a:r>
+            <a:r>
+              <a:rPr lang="ko-KR" altLang="en-US" dirty="0" smtClean="0"/>
+              <a:t>가 정상 응답하지 않은 상태에서 </a:t>
+            </a:r>
+            <a:r>
+              <a:rPr lang="en-US" altLang="ko-KR" dirty="0" smtClean="0"/>
+              <a:t>GRMON </a:t>
+            </a:r>
+            <a:r>
+              <a:rPr lang="ko-KR" altLang="en-US" dirty="0" smtClean="0"/>
+              <a:t>및 </a:t>
+            </a:r>
+            <a:r>
+              <a:rPr lang="en-US" altLang="ko-KR" dirty="0" smtClean="0"/>
+              <a:t>JTAG</a:t>
+            </a:r>
+            <a:r>
+              <a:rPr lang="ko-KR" altLang="en-US" dirty="0" smtClean="0"/>
+              <a:t>제</a:t>
+            </a:r>
+            <a:r>
+              <a:rPr lang="ko-KR" altLang="en-US" dirty="0"/>
+              <a:t>거</a:t>
+            </a:r>
+            <a:r>
+              <a:rPr lang="ko-KR" altLang="en-US" dirty="0" smtClean="0"/>
+              <a:t> 후 모니터링 한 결과 정상적으로 </a:t>
+            </a:r>
+            <a:r>
+              <a:rPr lang="en-US" altLang="ko-KR" dirty="0" smtClean="0"/>
+              <a:t>ACK</a:t>
+            </a:r>
+            <a:r>
+              <a:rPr lang="ko-KR" altLang="en-US" dirty="0" smtClean="0"/>
+              <a:t> 신호를</a:t>
+            </a:r>
+            <a:r>
+              <a:rPr lang="en-US" altLang="ko-KR" dirty="0" smtClean="0"/>
+              <a:t> </a:t>
+            </a:r>
+            <a:r>
+              <a:rPr lang="ko-KR" altLang="en-US" dirty="0" smtClean="0"/>
+              <a:t>수신 하는 것으로 확인이 되었음</a:t>
+            </a:r>
+            <a:r>
+              <a:rPr lang="en-US" altLang="ko-KR" dirty="0" smtClean="0"/>
+              <a:t>. </a:t>
+            </a:r>
+            <a:endParaRPr lang="en-US" altLang="ko-KR" dirty="0"/>
+          </a:p>
+          <a:p>
+            <a:endParaRPr lang="en-US" altLang="ko-KR" dirty="0" smtClean="0"/>
+          </a:p>
+          <a:p>
+            <a:r>
+              <a:rPr lang="ko-KR" altLang="en-US" dirty="0" smtClean="0"/>
+              <a:t>분석결과 </a:t>
+            </a:r>
+            <a:endParaRPr lang="en-US" altLang="ko-KR" dirty="0"/>
+          </a:p>
+          <a:p>
+            <a:pPr lvl="1"/>
+            <a:r>
               <a:rPr lang="en-US" altLang="ko-KR" dirty="0" smtClean="0"/>
               <a:t>JTAG</a:t>
             </a:r>
@@ -7361,7 +7467,38 @@
             </a:r>
             <a:r>
               <a:rPr lang="en-US" altLang="ko-KR" dirty="0" smtClean="0"/>
-              <a:t>. </a:t>
+              <a:t>.</a:t>
+            </a:r>
+            <a:br>
+              <a:rPr lang="en-US" altLang="ko-KR" dirty="0" smtClean="0"/>
+            </a:br>
+            <a:r>
+              <a:rPr lang="en-US" altLang="ko-KR" dirty="0" smtClean="0"/>
+              <a:t>(</a:t>
+            </a:r>
+            <a:r>
+              <a:rPr lang="ko-KR" altLang="en-US" dirty="0" smtClean="0"/>
+              <a:t>실제 운용 시에는 </a:t>
+            </a:r>
+            <a:r>
+              <a:rPr lang="en-US" altLang="ko-KR" dirty="0" smtClean="0"/>
+              <a:t>GRMON </a:t>
+            </a:r>
+            <a:r>
+              <a:rPr lang="ko-KR" altLang="en-US" dirty="0" smtClean="0"/>
+              <a:t>연결을 하지 않음</a:t>
+            </a:r>
+            <a:r>
+              <a:rPr lang="en-US" altLang="ko-KR" dirty="0" smtClean="0"/>
+              <a:t>)</a:t>
+            </a:r>
+            <a:r>
+              <a:rPr lang="en-US" altLang="ko-KR" dirty="0" smtClean="0"/>
+              <a:t> </a:t>
+            </a:r>
+            <a:r>
+              <a:rPr lang="en-US" altLang="ko-KR" dirty="0" smtClean="0"/>
+              <a:t/>
             </a:r>
             <a:br>
               <a:rPr lang="en-US" altLang="ko-KR" dirty="0" smtClean="0"/>
@@ -7415,15 +7552,19 @@
             </a:r>
             <a:r>
               <a:rPr lang="ko-KR" altLang="en-US" dirty="0" smtClean="0"/>
-              <a:t>응답을 하지 못 하게 되므로 시험 시 </a:t>
+              <a:t>응답을 하지 못 하게 되므로 </a:t>
             </a:r>
             <a:r>
               <a:rPr lang="en-US" altLang="ko-KR" dirty="0" smtClean="0"/>
-              <a:t>Monitoring </a:t>
+              <a:t>ETB </a:t>
             </a:r>
             <a:r>
               <a:rPr lang="ko-KR" altLang="en-US" dirty="0" smtClean="0"/>
-              <a:t>을 위해 </a:t>
+              <a:t>시험 </a:t>
+            </a:r>
+            <a:r>
+              <a:rPr lang="ko-KR" altLang="en-US" dirty="0" smtClean="0"/>
+              <a:t>시 </a:t>
             </a:r>
             <a:r>
               <a:rPr lang="en-US" altLang="ko-KR" dirty="0" smtClean="0"/>
@@ -7431,12 +7572,25 @@
             </a:r>
             <a:r>
               <a:rPr lang="ko-KR" altLang="en-US" dirty="0" smtClean="0"/>
-              <a:t>을 연결하여 시험을 하지 않으면 됨</a:t>
+              <a:t>을 </a:t>
+            </a:r>
+            <a:r>
+              <a:rPr lang="ko-KR" altLang="en-US" dirty="0" smtClean="0"/>
+              <a:t>연결하지 않을</a:t>
+            </a:r>
+            <a:r>
+              <a:rPr lang="en-US" altLang="ko-KR" dirty="0" smtClean="0"/>
+              <a:t> </a:t>
+            </a:r>
+            <a:r>
+              <a:rPr lang="ko-KR" altLang="en-US" dirty="0" smtClean="0"/>
+              <a:t>예정임</a:t>
             </a:r>
             <a:r>
               <a:rPr lang="en-US" altLang="ko-KR" dirty="0" smtClean="0"/>
               <a:t>. </a:t>
             </a:r>
+            <a:endParaRPr lang="en-US" altLang="ko-KR" dirty="0" smtClean="0"/>
           </a:p>
           <a:p>
             <a:pPr lvl="1"/>
@@ -7710,7 +7864,6 @@
               <a:rPr lang="en-US" altLang="ko-KR" dirty="0" smtClean="0"/>
               <a:t>. </a:t>
             </a:r>
-            <a:endParaRPr lang="en-US" altLang="ko-KR" dirty="0" smtClean="0"/>
           </a:p>
         </p:txBody>
       </p:sp>
@@ -8347,7 +8500,7 @@
           <a:graphicData uri="http://schemas.openxmlformats.org/presentationml/2006/ole">
             <mc:AlternateContent xmlns:mc="http://schemas.openxmlformats.org/markup-compatibility/2006">
               <mc:Choice xmlns:v="urn:schemas-microsoft-com:vml" Requires="v">
-                <p:oleObj spid="_x0000_s1049" name="포장기 셸 개체" showAsIcon="1" r:id="rId4" imgW="783000" imgH="486000" progId="Package">
+                <p:oleObj spid="_x0000_s1052" name="포장기 셸 개체" showAsIcon="1" r:id="rId4" imgW="783000" imgH="486000" progId="Package">
                   <p:embed/>
                 </p:oleObj>
               </mc:Choice>
@@ -9060,24 +9213,8 @@
           <a:lstStyle/>
           <a:p>
             <a:r>
-              <a:rPr lang="en-US" altLang="ko-KR" dirty="0" smtClean="0"/>
-              <a:t>Abnormal </a:t>
-            </a:r>
-            <a:r>
               <a:rPr lang="ko-KR" altLang="en-US" dirty="0" smtClean="0"/>
-              <a:t>상태에서의 </a:t>
-            </a:r>
-            <a:r>
-              <a:rPr lang="en-US" altLang="ko-KR" dirty="0" smtClean="0"/>
-              <a:t>ACK </a:t>
-            </a:r>
-            <a:r>
-              <a:rPr lang="ko-KR" altLang="en-US" dirty="0" smtClean="0"/>
-              <a:t>미 </a:t>
-            </a:r>
-            <a:r>
-              <a:rPr lang="ko-KR" altLang="en-US" dirty="0" smtClean="0"/>
-              <a:t>수신</a:t>
+              <a:t>결론</a:t>
             </a:r>
             <a:endParaRPr lang="ko-KR" altLang="en-US" dirty="0"/>
           </a:p>
@@ -9085,1477 +9222,198 @@
       </p:sp>
       <p:sp>
         <p:nvSpPr>
-          <p:cNvPr id="4" name="내용 개체 틀 2"/>
-          <p:cNvSpPr txBox="1">
-            <a:spLocks/>
+          <p:cNvPr id="3" name="내용 개체 틀 2"/>
+          <p:cNvSpPr>
+            <a:spLocks noGrp="1"/>
           </p:cNvSpPr>
-          <p:nvPr/>
+          <p:nvPr>
+            <p:ph idx="1"/>
+          </p:nvPr>
         </p:nvSpPr>
-        <p:spPr bwMode="auto">
-          <a:xfrm>
-            <a:off x="264496" y="981076"/>
-            <a:ext cx="8599894" cy="787268"/>
-          </a:xfrm>
-          <a:prstGeom prst="rect">
-            <a:avLst/>
-          </a:prstGeom>
-          <a:noFill/>
-          <a:ln>
-            <a:noFill/>
-          </a:ln>
-          <a:effectLst/>
-          <a:extLst>
-            <a:ext uri="{909E8E84-426E-40DD-AFC4-6F175D3DCCD1}">
-              <a14:hiddenFill xmlns:a14="http://schemas.microsoft.com/office/drawing/2010/main">
-                <a:solidFill>
-                  <a:schemeClr val="accent1"/>
-                </a:solidFill>
-              </a14:hiddenFill>
-            </a:ext>
-            <a:ext uri="{91240B29-F687-4F45-9708-019B960494DF}">
-              <a14:hiddenLine xmlns:a14="http://schemas.microsoft.com/office/drawing/2010/main" w="9525">
-                <a:solidFill>
-                  <a:schemeClr val="tx1"/>
-                </a:solidFill>
-                <a:miter lim="800000"/>
-                <a:headEnd/>
-                <a:tailEnd/>
-              </a14:hiddenLine>
-            </a:ext>
-            <a:ext uri="{AF507438-7753-43E0-B8FC-AC1667EBCBE1}">
-              <a14:hiddenEffects xmlns:a14="http://schemas.microsoft.com/office/drawing/2010/main">
-                <a:effectLst>
-                  <a:outerShdw dist="35921" dir="2700000" algn="ctr" rotWithShape="0">
-                    <a:schemeClr val="bg2"/>
-                  </a:outerShdw>
-                </a:effectLst>
-              </a14:hiddenEffects>
-            </a:ext>
-          </a:extLst>
-        </p:spPr>
+        <p:spPr/>
         <p:txBody>
-          <a:bodyPr vert="horz" wrap="square" lIns="92075" tIns="46038" rIns="92075" bIns="46038" numCol="1" anchor="t" anchorCtr="0" compatLnSpc="1">
-            <a:prstTxWarp prst="textNoShape">
-              <a:avLst/>
-            </a:prstTxWarp>
-          </a:bodyPr>
-          <a:lstStyle>
-            <a:lvl1pPr marL="190500" indent="-190500" algn="l" rtl="0" eaLnBrk="0" fontAlgn="base" latinLnBrk="1" hangingPunct="0">
-              <a:spcBef>
-                <a:spcPct val="20000"/>
-              </a:spcBef>
-              <a:spcAft>
-                <a:spcPct val="0"/>
-              </a:spcAft>
-              <a:buFont typeface="Wingdings" panose="05000000000000000000" pitchFamily="2" charset="2"/>
-              <a:buChar char="§"/>
-              <a:defRPr kumimoji="1" b="1" kern="1200" baseline="0">
-                <a:solidFill>
-                  <a:schemeClr val="tx1"/>
-                </a:solidFill>
-                <a:latin typeface="Arial" panose="020B0604020202020204" pitchFamily="34" charset="0"/>
-                <a:ea typeface="맑은 고딕" panose="020B0503020000020004" pitchFamily="50" charset="-127"/>
-                <a:cs typeface="+mn-cs"/>
-              </a:defRPr>
-            </a:lvl1pPr>
-            <a:lvl2pPr marL="538163" indent="-190500" algn="l" rtl="0" eaLnBrk="0" fontAlgn="base" latinLnBrk="1" hangingPunct="0">
-              <a:spcBef>
-                <a:spcPct val="20000"/>
-              </a:spcBef>
-              <a:spcAft>
-                <a:spcPct val="0"/>
-              </a:spcAft>
-              <a:buChar char="–"/>
-              <a:defRPr kumimoji="1" sz="1600" kern="1200" baseline="0">
-                <a:solidFill>
-                  <a:schemeClr val="tx1"/>
-                </a:solidFill>
-                <a:latin typeface="Arial" panose="020B0604020202020204" pitchFamily="34" charset="0"/>
-                <a:ea typeface="맑은 고딕" panose="020B0503020000020004" pitchFamily="50" charset="-127"/>
-                <a:cs typeface="+mn-cs"/>
-              </a:defRPr>
-            </a:lvl2pPr>
-            <a:lvl3pPr marL="896938" indent="-228600" algn="l" rtl="0" eaLnBrk="0" fontAlgn="base" latinLnBrk="1" hangingPunct="0">
-              <a:spcBef>
-                <a:spcPct val="20000"/>
-              </a:spcBef>
-              <a:spcAft>
-                <a:spcPct val="0"/>
-              </a:spcAft>
-              <a:buChar char="•"/>
-              <a:defRPr kumimoji="1" sz="1600" b="0" kern="1200" baseline="0">
-                <a:solidFill>
-                  <a:schemeClr val="tx1"/>
-                </a:solidFill>
-                <a:latin typeface="Arial" panose="020B0604020202020204" pitchFamily="34" charset="0"/>
-                <a:ea typeface="맑은 고딕" panose="020B0503020000020004" pitchFamily="50" charset="-127"/>
-                <a:cs typeface="+mn-cs"/>
-              </a:defRPr>
-            </a:lvl3pPr>
-            <a:lvl4pPr marL="1255713" indent="-228600" algn="l" rtl="0" eaLnBrk="0" fontAlgn="base" latinLnBrk="1" hangingPunct="0">
-              <a:spcBef>
-                <a:spcPct val="20000"/>
-              </a:spcBef>
-              <a:spcAft>
-                <a:spcPct val="0"/>
-              </a:spcAft>
-              <a:buChar char="–"/>
-              <a:defRPr kumimoji="1" sz="1400" b="0" kern="1200" baseline="0">
-                <a:solidFill>
-                  <a:schemeClr val="tx1"/>
-                </a:solidFill>
-                <a:latin typeface="Arial" panose="020B0604020202020204" pitchFamily="34" charset="0"/>
-                <a:ea typeface="맑은 고딕" panose="020B0503020000020004" pitchFamily="50" charset="-127"/>
-                <a:cs typeface="+mn-cs"/>
-              </a:defRPr>
-            </a:lvl4pPr>
-            <a:lvl5pPr marL="1614488" indent="-228600" algn="l" rtl="0" eaLnBrk="0" fontAlgn="base" latinLnBrk="1" hangingPunct="0">
-              <a:spcBef>
-                <a:spcPct val="20000"/>
-              </a:spcBef>
-              <a:spcAft>
-                <a:spcPct val="0"/>
-              </a:spcAft>
-              <a:buChar char="»"/>
-              <a:defRPr kumimoji="1" sz="1400" b="0" kern="1200" baseline="0">
-                <a:solidFill>
-                  <a:schemeClr val="tx1"/>
-                </a:solidFill>
-                <a:latin typeface="Arial" panose="020B0604020202020204" pitchFamily="34" charset="0"/>
-                <a:ea typeface="맑은 고딕" panose="020B0503020000020004" pitchFamily="50" charset="-127"/>
-                <a:cs typeface="+mn-cs"/>
-              </a:defRPr>
-            </a:lvl5pPr>
-            <a:lvl6pPr marL="2514600" indent="-228600" algn="l" defTabSz="914400" rtl="0" eaLnBrk="1" latinLnBrk="1" hangingPunct="1">
-              <a:lnSpc>
-                <a:spcPct val="90000"/>
-              </a:lnSpc>
-              <a:spcBef>
-                <a:spcPts val="500"/>
-              </a:spcBef>
-              <a:buFont typeface="Arial" panose="020B0604020202020204" pitchFamily="34" charset="0"/>
-              <a:buChar char="•"/>
-              <a:defRPr sz="1800" kern="1200">
-                <a:solidFill>
-                  <a:schemeClr val="tx1"/>
-                </a:solidFill>
-                <a:latin typeface="+mn-lt"/>
-                <a:ea typeface="+mn-ea"/>
-                <a:cs typeface="+mn-cs"/>
-              </a:defRPr>
-            </a:lvl6pPr>
-            <a:lvl7pPr marL="2971800" indent="-228600" algn="l" defTabSz="914400" rtl="0" eaLnBrk="1" latinLnBrk="1" hangingPunct="1">
-              <a:lnSpc>
-                <a:spcPct val="90000"/>
-              </a:lnSpc>
-              <a:spcBef>
-                <a:spcPts val="500"/>
-              </a:spcBef>
-              <a:buFont typeface="Arial" panose="020B0604020202020204" pitchFamily="34" charset="0"/>
-              <a:buChar char="•"/>
-              <a:defRPr sz="1800" kern="1200">
-                <a:solidFill>
-                  <a:schemeClr val="tx1"/>
-                </a:solidFill>
-                <a:latin typeface="+mn-lt"/>
-                <a:ea typeface="+mn-ea"/>
-                <a:cs typeface="+mn-cs"/>
-              </a:defRPr>
-            </a:lvl7pPr>
-            <a:lvl8pPr marL="3429000" indent="-228600" algn="l" defTabSz="914400" rtl="0" eaLnBrk="1" latinLnBrk="1" hangingPunct="1">
-              <a:lnSpc>
-                <a:spcPct val="90000"/>
-              </a:lnSpc>
-              <a:spcBef>
-                <a:spcPts val="500"/>
-              </a:spcBef>
-              <a:buFont typeface="Arial" panose="020B0604020202020204" pitchFamily="34" charset="0"/>
-              <a:buChar char="•"/>
-              <a:defRPr sz="1800" kern="1200">
-                <a:solidFill>
-                  <a:schemeClr val="tx1"/>
-                </a:solidFill>
-                <a:latin typeface="+mn-lt"/>
-                <a:ea typeface="+mn-ea"/>
-                <a:cs typeface="+mn-cs"/>
-              </a:defRPr>
-            </a:lvl8pPr>
-            <a:lvl9pPr marL="3886200" indent="-228600" algn="l" defTabSz="914400" rtl="0" eaLnBrk="1" latinLnBrk="1" hangingPunct="1">
-              <a:lnSpc>
-                <a:spcPct val="90000"/>
-              </a:lnSpc>
-              <a:spcBef>
-                <a:spcPts val="500"/>
-              </a:spcBef>
-              <a:buFont typeface="Arial" panose="020B0604020202020204" pitchFamily="34" charset="0"/>
-              <a:buChar char="•"/>
-              <a:defRPr sz="1800" kern="1200">
-                <a:solidFill>
-                  <a:schemeClr val="tx1"/>
-                </a:solidFill>
-                <a:latin typeface="+mn-lt"/>
-                <a:ea typeface="+mn-ea"/>
-                <a:cs typeface="+mn-cs"/>
-              </a:defRPr>
-            </a:lvl9pPr>
-          </a:lstStyle>
-          <a:p>
-            <a:r>
-              <a:rPr lang="en-US" altLang="ko-KR" sz="1800" dirty="0" err="1" smtClean="0"/>
-              <a:t>Grmon</a:t>
-            </a:r>
-            <a:r>
-              <a:rPr lang="en-US" altLang="ko-KR" sz="1800" dirty="0" smtClean="0"/>
-              <a:t> </a:t>
-            </a:r>
-            <a:r>
-              <a:rPr lang="ko-KR" altLang="en-US" sz="1800" dirty="0" smtClean="0"/>
-              <a:t>연결 진행 시 </a:t>
-            </a:r>
-            <a:r>
-              <a:rPr lang="en-US" altLang="ko-KR" sz="1800" dirty="0" smtClean="0"/>
-              <a:t>OBT/SOH Request</a:t>
-            </a:r>
-            <a:r>
-              <a:rPr lang="ko-KR" altLang="en-US" sz="1800" dirty="0" smtClean="0"/>
-              <a:t> 송신 할</a:t>
-            </a:r>
-            <a:r>
-              <a:rPr lang="en-US" altLang="ko-KR" sz="1800" dirty="0" smtClean="0"/>
-              <a:t> </a:t>
-            </a:r>
-            <a:r>
-              <a:rPr lang="ko-KR" altLang="en-US" sz="1800" dirty="0" smtClean="0"/>
-              <a:t>경우</a:t>
-            </a:r>
-            <a:r>
-              <a:rPr lang="en-US" altLang="ko-KR" sz="1800" dirty="0" smtClean="0"/>
-              <a:t/>
-            </a:r>
-            <a:br>
-              <a:rPr lang="en-US" altLang="ko-KR" sz="1800" dirty="0" smtClean="0"/>
-            </a:br>
-            <a:r>
-              <a:rPr lang="en-US" altLang="ko-KR" sz="1800" dirty="0" smtClean="0"/>
-              <a:t>- GRMON</a:t>
-            </a:r>
-            <a:r>
-              <a:rPr lang="ko-KR" altLang="en-US" sz="1800" dirty="0" smtClean="0"/>
-              <a:t>을 연결하게 되면 </a:t>
-            </a:r>
-            <a:r>
-              <a:rPr lang="en-US" altLang="ko-KR" sz="1800" dirty="0" err="1" smtClean="0"/>
-              <a:t>cont</a:t>
-            </a:r>
-            <a:r>
-              <a:rPr lang="en-US" altLang="ko-KR" sz="1800" dirty="0" smtClean="0"/>
-              <a:t> </a:t>
-            </a:r>
-            <a:r>
-              <a:rPr lang="ko-KR" altLang="en-US" sz="1800" dirty="0" smtClean="0"/>
-              <a:t>명령 입력 전까지 </a:t>
-            </a:r>
-            <a:r>
-              <a:rPr lang="en-US" altLang="ko-KR" sz="1800" dirty="0" smtClean="0"/>
-              <a:t>Halt </a:t>
-            </a:r>
-            <a:r>
-              <a:rPr lang="ko-KR" altLang="en-US" sz="1800" dirty="0" smtClean="0"/>
-              <a:t>상태가 유지됨</a:t>
-            </a:r>
-            <a:r>
-              <a:rPr lang="en-US" altLang="ko-KR" sz="1800" dirty="0" smtClean="0"/>
+          <a:bodyPr/>
+          <a:lstStyle/>
+          <a:p>
+            <a:r>
+              <a:rPr lang="en-US" altLang="ko-KR" dirty="0" smtClean="0"/>
+              <a:t>ACK</a:t>
+            </a:r>
+            <a:r>
+              <a:rPr lang="ko-KR" altLang="en-US" dirty="0" smtClean="0"/>
+              <a:t>가 간헐적으로 송출하지 못한 원인은 다음과 같음</a:t>
+            </a:r>
+            <a:r>
+              <a:rPr lang="en-US" altLang="ko-KR" dirty="0" smtClean="0"/>
               <a:t>.</a:t>
             </a:r>
-            <a:endParaRPr lang="ko-KR" altLang="en-US" sz="1800" dirty="0"/>
-          </a:p>
-        </p:txBody>
-      </p:sp>
-      <p:pic>
-        <p:nvPicPr>
-          <p:cNvPr id="5" name="그림 4"/>
-          <p:cNvPicPr>
-            <a:picLocks noChangeAspect="1"/>
-          </p:cNvPicPr>
-          <p:nvPr/>
-        </p:nvPicPr>
-        <p:blipFill>
-          <a:blip r:embed="rId2"/>
-          <a:stretch>
-            <a:fillRect/>
-          </a:stretch>
-        </p:blipFill>
-        <p:spPr>
-          <a:xfrm>
-            <a:off x="364932" y="1556748"/>
-            <a:ext cx="3909243" cy="2140549"/>
-          </a:xfrm>
-          <a:prstGeom prst="rect">
-            <a:avLst/>
-          </a:prstGeom>
-        </p:spPr>
-      </p:pic>
-      <p:pic>
-        <p:nvPicPr>
-          <p:cNvPr id="6" name="그림 5"/>
-          <p:cNvPicPr>
-            <a:picLocks noChangeAspect="1"/>
-          </p:cNvPicPr>
-          <p:nvPr/>
-        </p:nvPicPr>
-        <p:blipFill>
-          <a:blip r:embed="rId3"/>
-          <a:stretch>
-            <a:fillRect/>
-          </a:stretch>
-        </p:blipFill>
-        <p:spPr>
-          <a:xfrm>
-            <a:off x="4876475" y="1556748"/>
-            <a:ext cx="4045516" cy="2140549"/>
-          </a:xfrm>
-          <a:prstGeom prst="rect">
-            <a:avLst/>
-          </a:prstGeom>
-        </p:spPr>
-      </p:pic>
-      <p:sp>
-        <p:nvSpPr>
-          <p:cNvPr id="8" name="내용 개체 틀 2"/>
-          <p:cNvSpPr txBox="1">
-            <a:spLocks/>
-          </p:cNvSpPr>
-          <p:nvPr/>
-        </p:nvSpPr>
-        <p:spPr bwMode="auto">
-          <a:xfrm>
-            <a:off x="1118441" y="3636841"/>
-            <a:ext cx="2063068" cy="436396"/>
-          </a:xfrm>
-          <a:prstGeom prst="rect">
-            <a:avLst/>
-          </a:prstGeom>
-          <a:noFill/>
-          <a:ln>
-            <a:noFill/>
-          </a:ln>
-          <a:effectLst/>
-          <a:extLst>
-            <a:ext uri="{909E8E84-426E-40DD-AFC4-6F175D3DCCD1}">
-              <a14:hiddenFill xmlns:a14="http://schemas.microsoft.com/office/drawing/2010/main">
-                <a:solidFill>
-                  <a:schemeClr val="accent1"/>
-                </a:solidFill>
-              </a14:hiddenFill>
-            </a:ext>
-            <a:ext uri="{91240B29-F687-4F45-9708-019B960494DF}">
-              <a14:hiddenLine xmlns:a14="http://schemas.microsoft.com/office/drawing/2010/main" w="9525">
-                <a:solidFill>
-                  <a:schemeClr val="tx1"/>
-                </a:solidFill>
-                <a:miter lim="800000"/>
-                <a:headEnd/>
-                <a:tailEnd/>
-              </a14:hiddenLine>
-            </a:ext>
-            <a:ext uri="{AF507438-7753-43E0-B8FC-AC1667EBCBE1}">
-              <a14:hiddenEffects xmlns:a14="http://schemas.microsoft.com/office/drawing/2010/main">
-                <a:effectLst>
-                  <a:outerShdw dist="35921" dir="2700000" algn="ctr" rotWithShape="0">
-                    <a:schemeClr val="bg2"/>
-                  </a:outerShdw>
-                </a:effectLst>
-              </a14:hiddenEffects>
-            </a:ext>
-          </a:extLst>
-        </p:spPr>
-        <p:txBody>
-          <a:bodyPr vert="horz" wrap="square" lIns="92075" tIns="46038" rIns="92075" bIns="46038" numCol="1" anchor="t" anchorCtr="0" compatLnSpc="1">
-            <a:prstTxWarp prst="textNoShape">
-              <a:avLst/>
-            </a:prstTxWarp>
-          </a:bodyPr>
-          <a:lstStyle>
-            <a:lvl1pPr marL="190500" indent="-190500" algn="l" rtl="0" eaLnBrk="0" fontAlgn="base" latinLnBrk="1" hangingPunct="0">
-              <a:spcBef>
-                <a:spcPct val="20000"/>
-              </a:spcBef>
-              <a:spcAft>
-                <a:spcPct val="0"/>
-              </a:spcAft>
-              <a:buFont typeface="Wingdings" panose="05000000000000000000" pitchFamily="2" charset="2"/>
-              <a:buChar char="§"/>
-              <a:defRPr kumimoji="1" b="1" kern="1200" baseline="0">
-                <a:solidFill>
-                  <a:schemeClr val="tx1"/>
-                </a:solidFill>
-                <a:latin typeface="Arial" panose="020B0604020202020204" pitchFamily="34" charset="0"/>
-                <a:ea typeface="맑은 고딕" panose="020B0503020000020004" pitchFamily="50" charset="-127"/>
-                <a:cs typeface="+mn-cs"/>
-              </a:defRPr>
-            </a:lvl1pPr>
-            <a:lvl2pPr marL="538163" indent="-190500" algn="l" rtl="0" eaLnBrk="0" fontAlgn="base" latinLnBrk="1" hangingPunct="0">
-              <a:spcBef>
-                <a:spcPct val="20000"/>
-              </a:spcBef>
-              <a:spcAft>
-                <a:spcPct val="0"/>
-              </a:spcAft>
-              <a:buChar char="–"/>
-              <a:defRPr kumimoji="1" sz="1600" kern="1200" baseline="0">
-                <a:solidFill>
-                  <a:schemeClr val="tx1"/>
-                </a:solidFill>
-                <a:latin typeface="Arial" panose="020B0604020202020204" pitchFamily="34" charset="0"/>
-                <a:ea typeface="맑은 고딕" panose="020B0503020000020004" pitchFamily="50" charset="-127"/>
-                <a:cs typeface="+mn-cs"/>
-              </a:defRPr>
-            </a:lvl2pPr>
-            <a:lvl3pPr marL="896938" indent="-228600" algn="l" rtl="0" eaLnBrk="0" fontAlgn="base" latinLnBrk="1" hangingPunct="0">
-              <a:spcBef>
-                <a:spcPct val="20000"/>
-              </a:spcBef>
-              <a:spcAft>
-                <a:spcPct val="0"/>
-              </a:spcAft>
-              <a:buChar char="•"/>
-              <a:defRPr kumimoji="1" sz="1600" b="0" kern="1200" baseline="0">
-                <a:solidFill>
-                  <a:schemeClr val="tx1"/>
-                </a:solidFill>
-                <a:latin typeface="Arial" panose="020B0604020202020204" pitchFamily="34" charset="0"/>
-                <a:ea typeface="맑은 고딕" panose="020B0503020000020004" pitchFamily="50" charset="-127"/>
-                <a:cs typeface="+mn-cs"/>
-              </a:defRPr>
-            </a:lvl3pPr>
-            <a:lvl4pPr marL="1255713" indent="-228600" algn="l" rtl="0" eaLnBrk="0" fontAlgn="base" latinLnBrk="1" hangingPunct="0">
-              <a:spcBef>
-                <a:spcPct val="20000"/>
-              </a:spcBef>
-              <a:spcAft>
-                <a:spcPct val="0"/>
-              </a:spcAft>
-              <a:buChar char="–"/>
-              <a:defRPr kumimoji="1" sz="1400" b="0" kern="1200" baseline="0">
-                <a:solidFill>
-                  <a:schemeClr val="tx1"/>
-                </a:solidFill>
-                <a:latin typeface="Arial" panose="020B0604020202020204" pitchFamily="34" charset="0"/>
-                <a:ea typeface="맑은 고딕" panose="020B0503020000020004" pitchFamily="50" charset="-127"/>
-                <a:cs typeface="+mn-cs"/>
-              </a:defRPr>
-            </a:lvl4pPr>
-            <a:lvl5pPr marL="1614488" indent="-228600" algn="l" rtl="0" eaLnBrk="0" fontAlgn="base" latinLnBrk="1" hangingPunct="0">
-              <a:spcBef>
-                <a:spcPct val="20000"/>
-              </a:spcBef>
-              <a:spcAft>
-                <a:spcPct val="0"/>
-              </a:spcAft>
-              <a:buChar char="»"/>
-              <a:defRPr kumimoji="1" sz="1400" b="0" kern="1200" baseline="0">
-                <a:solidFill>
-                  <a:schemeClr val="tx1"/>
-                </a:solidFill>
-                <a:latin typeface="Arial" panose="020B0604020202020204" pitchFamily="34" charset="0"/>
-                <a:ea typeface="맑은 고딕" panose="020B0503020000020004" pitchFamily="50" charset="-127"/>
-                <a:cs typeface="+mn-cs"/>
-              </a:defRPr>
-            </a:lvl5pPr>
-            <a:lvl6pPr marL="2514600" indent="-228600" algn="l" defTabSz="914400" rtl="0" eaLnBrk="1" latinLnBrk="1" hangingPunct="1">
-              <a:lnSpc>
-                <a:spcPct val="90000"/>
-              </a:lnSpc>
-              <a:spcBef>
-                <a:spcPts val="500"/>
-              </a:spcBef>
-              <a:buFont typeface="Arial" panose="020B0604020202020204" pitchFamily="34" charset="0"/>
-              <a:buChar char="•"/>
-              <a:defRPr sz="1800" kern="1200">
-                <a:solidFill>
-                  <a:schemeClr val="tx1"/>
-                </a:solidFill>
-                <a:latin typeface="+mn-lt"/>
-                <a:ea typeface="+mn-ea"/>
-                <a:cs typeface="+mn-cs"/>
-              </a:defRPr>
-            </a:lvl6pPr>
-            <a:lvl7pPr marL="2971800" indent="-228600" algn="l" defTabSz="914400" rtl="0" eaLnBrk="1" latinLnBrk="1" hangingPunct="1">
-              <a:lnSpc>
-                <a:spcPct val="90000"/>
-              </a:lnSpc>
-              <a:spcBef>
-                <a:spcPts val="500"/>
-              </a:spcBef>
-              <a:buFont typeface="Arial" panose="020B0604020202020204" pitchFamily="34" charset="0"/>
-              <a:buChar char="•"/>
-              <a:defRPr sz="1800" kern="1200">
-                <a:solidFill>
-                  <a:schemeClr val="tx1"/>
-                </a:solidFill>
-                <a:latin typeface="+mn-lt"/>
-                <a:ea typeface="+mn-ea"/>
-                <a:cs typeface="+mn-cs"/>
-              </a:defRPr>
-            </a:lvl7pPr>
-            <a:lvl8pPr marL="3429000" indent="-228600" algn="l" defTabSz="914400" rtl="0" eaLnBrk="1" latinLnBrk="1" hangingPunct="1">
-              <a:lnSpc>
-                <a:spcPct val="90000"/>
-              </a:lnSpc>
-              <a:spcBef>
-                <a:spcPts val="500"/>
-              </a:spcBef>
-              <a:buFont typeface="Arial" panose="020B0604020202020204" pitchFamily="34" charset="0"/>
-              <a:buChar char="•"/>
-              <a:defRPr sz="1800" kern="1200">
-                <a:solidFill>
-                  <a:schemeClr val="tx1"/>
-                </a:solidFill>
-                <a:latin typeface="+mn-lt"/>
-                <a:ea typeface="+mn-ea"/>
-                <a:cs typeface="+mn-cs"/>
-              </a:defRPr>
-            </a:lvl8pPr>
-            <a:lvl9pPr marL="3886200" indent="-228600" algn="l" defTabSz="914400" rtl="0" eaLnBrk="1" latinLnBrk="1" hangingPunct="1">
-              <a:lnSpc>
-                <a:spcPct val="90000"/>
-              </a:lnSpc>
-              <a:spcBef>
-                <a:spcPts val="500"/>
-              </a:spcBef>
-              <a:buFont typeface="Arial" panose="020B0604020202020204" pitchFamily="34" charset="0"/>
-              <a:buChar char="•"/>
-              <a:defRPr sz="1800" kern="1200">
-                <a:solidFill>
-                  <a:schemeClr val="tx1"/>
-                </a:solidFill>
-                <a:latin typeface="+mn-lt"/>
-                <a:ea typeface="+mn-ea"/>
-                <a:cs typeface="+mn-cs"/>
-              </a:defRPr>
-            </a:lvl9pPr>
-          </a:lstStyle>
-          <a:p>
-            <a:pPr marL="0" indent="0">
-              <a:buNone/>
-            </a:pPr>
-            <a:r>
-              <a:rPr lang="en-US" altLang="ko-KR" sz="1600" dirty="0" err="1" smtClean="0"/>
-              <a:t>Grmon</a:t>
-            </a:r>
-            <a:r>
-              <a:rPr lang="en-US" altLang="ko-KR" sz="1600" dirty="0" smtClean="0"/>
-              <a:t> </a:t>
-            </a:r>
-            <a:r>
-              <a:rPr lang="ko-KR" altLang="en-US" sz="1600" dirty="0" smtClean="0"/>
-              <a:t>연결 상태</a:t>
-            </a:r>
-            <a:endParaRPr lang="ko-KR" altLang="en-US" sz="1600" dirty="0"/>
-          </a:p>
-        </p:txBody>
-      </p:sp>
-      <p:sp>
-        <p:nvSpPr>
-          <p:cNvPr id="9" name="내용 개체 틀 2"/>
-          <p:cNvSpPr txBox="1">
-            <a:spLocks/>
-          </p:cNvSpPr>
-          <p:nvPr/>
-        </p:nvSpPr>
-        <p:spPr bwMode="auto">
-          <a:xfrm>
-            <a:off x="4876474" y="3689740"/>
-            <a:ext cx="3987915" cy="436396"/>
-          </a:xfrm>
-          <a:prstGeom prst="rect">
-            <a:avLst/>
-          </a:prstGeom>
-          <a:noFill/>
-          <a:ln>
-            <a:noFill/>
-          </a:ln>
-          <a:effectLst/>
-          <a:extLst>
-            <a:ext uri="{909E8E84-426E-40DD-AFC4-6F175D3DCCD1}">
-              <a14:hiddenFill xmlns:a14="http://schemas.microsoft.com/office/drawing/2010/main">
-                <a:solidFill>
-                  <a:schemeClr val="accent1"/>
-                </a:solidFill>
-              </a14:hiddenFill>
-            </a:ext>
-            <a:ext uri="{91240B29-F687-4F45-9708-019B960494DF}">
-              <a14:hiddenLine xmlns:a14="http://schemas.microsoft.com/office/drawing/2010/main" w="9525">
-                <a:solidFill>
-                  <a:schemeClr val="tx1"/>
-                </a:solidFill>
-                <a:miter lim="800000"/>
-                <a:headEnd/>
-                <a:tailEnd/>
-              </a14:hiddenLine>
-            </a:ext>
-            <a:ext uri="{AF507438-7753-43E0-B8FC-AC1667EBCBE1}">
-              <a14:hiddenEffects xmlns:a14="http://schemas.microsoft.com/office/drawing/2010/main">
-                <a:effectLst>
-                  <a:outerShdw dist="35921" dir="2700000" algn="ctr" rotWithShape="0">
-                    <a:schemeClr val="bg2"/>
-                  </a:outerShdw>
-                </a:effectLst>
-              </a14:hiddenEffects>
-            </a:ext>
-          </a:extLst>
-        </p:spPr>
-        <p:txBody>
-          <a:bodyPr vert="horz" wrap="square" lIns="92075" tIns="46038" rIns="92075" bIns="46038" numCol="1" anchor="t" anchorCtr="0" compatLnSpc="1">
-            <a:prstTxWarp prst="textNoShape">
-              <a:avLst/>
-            </a:prstTxWarp>
-          </a:bodyPr>
-          <a:lstStyle>
-            <a:lvl1pPr marL="190500" indent="-190500" algn="l" rtl="0" eaLnBrk="0" fontAlgn="base" latinLnBrk="1" hangingPunct="0">
-              <a:spcBef>
-                <a:spcPct val="20000"/>
-              </a:spcBef>
-              <a:spcAft>
-                <a:spcPct val="0"/>
-              </a:spcAft>
-              <a:buFont typeface="Wingdings" panose="05000000000000000000" pitchFamily="2" charset="2"/>
-              <a:buChar char="§"/>
-              <a:defRPr kumimoji="1" b="1" kern="1200" baseline="0">
-                <a:solidFill>
-                  <a:schemeClr val="tx1"/>
-                </a:solidFill>
-                <a:latin typeface="Arial" panose="020B0604020202020204" pitchFamily="34" charset="0"/>
-                <a:ea typeface="맑은 고딕" panose="020B0503020000020004" pitchFamily="50" charset="-127"/>
-                <a:cs typeface="+mn-cs"/>
-              </a:defRPr>
-            </a:lvl1pPr>
-            <a:lvl2pPr marL="538163" indent="-190500" algn="l" rtl="0" eaLnBrk="0" fontAlgn="base" latinLnBrk="1" hangingPunct="0">
-              <a:spcBef>
-                <a:spcPct val="20000"/>
-              </a:spcBef>
-              <a:spcAft>
-                <a:spcPct val="0"/>
-              </a:spcAft>
-              <a:buChar char="–"/>
-              <a:defRPr kumimoji="1" sz="1600" kern="1200" baseline="0">
-                <a:solidFill>
-                  <a:schemeClr val="tx1"/>
-                </a:solidFill>
-                <a:latin typeface="Arial" panose="020B0604020202020204" pitchFamily="34" charset="0"/>
-                <a:ea typeface="맑은 고딕" panose="020B0503020000020004" pitchFamily="50" charset="-127"/>
-                <a:cs typeface="+mn-cs"/>
-              </a:defRPr>
-            </a:lvl2pPr>
-            <a:lvl3pPr marL="896938" indent="-228600" algn="l" rtl="0" eaLnBrk="0" fontAlgn="base" latinLnBrk="1" hangingPunct="0">
-              <a:spcBef>
-                <a:spcPct val="20000"/>
-              </a:spcBef>
-              <a:spcAft>
-                <a:spcPct val="0"/>
-              </a:spcAft>
-              <a:buChar char="•"/>
-              <a:defRPr kumimoji="1" sz="1600" b="0" kern="1200" baseline="0">
-                <a:solidFill>
-                  <a:schemeClr val="tx1"/>
-                </a:solidFill>
-                <a:latin typeface="Arial" panose="020B0604020202020204" pitchFamily="34" charset="0"/>
-                <a:ea typeface="맑은 고딕" panose="020B0503020000020004" pitchFamily="50" charset="-127"/>
-                <a:cs typeface="+mn-cs"/>
-              </a:defRPr>
-            </a:lvl3pPr>
-            <a:lvl4pPr marL="1255713" indent="-228600" algn="l" rtl="0" eaLnBrk="0" fontAlgn="base" latinLnBrk="1" hangingPunct="0">
-              <a:spcBef>
-                <a:spcPct val="20000"/>
-              </a:spcBef>
-              <a:spcAft>
-                <a:spcPct val="0"/>
-              </a:spcAft>
-              <a:buChar char="–"/>
-              <a:defRPr kumimoji="1" sz="1400" b="0" kern="1200" baseline="0">
-                <a:solidFill>
-                  <a:schemeClr val="tx1"/>
-                </a:solidFill>
-                <a:latin typeface="Arial" panose="020B0604020202020204" pitchFamily="34" charset="0"/>
-                <a:ea typeface="맑은 고딕" panose="020B0503020000020004" pitchFamily="50" charset="-127"/>
-                <a:cs typeface="+mn-cs"/>
-              </a:defRPr>
-            </a:lvl4pPr>
-            <a:lvl5pPr marL="1614488" indent="-228600" algn="l" rtl="0" eaLnBrk="0" fontAlgn="base" latinLnBrk="1" hangingPunct="0">
-              <a:spcBef>
-                <a:spcPct val="20000"/>
-              </a:spcBef>
-              <a:spcAft>
-                <a:spcPct val="0"/>
-              </a:spcAft>
-              <a:buChar char="»"/>
-              <a:defRPr kumimoji="1" sz="1400" b="0" kern="1200" baseline="0">
-                <a:solidFill>
-                  <a:schemeClr val="tx1"/>
-                </a:solidFill>
-                <a:latin typeface="Arial" panose="020B0604020202020204" pitchFamily="34" charset="0"/>
-                <a:ea typeface="맑은 고딕" panose="020B0503020000020004" pitchFamily="50" charset="-127"/>
-                <a:cs typeface="+mn-cs"/>
-              </a:defRPr>
-            </a:lvl5pPr>
-            <a:lvl6pPr marL="2514600" indent="-228600" algn="l" defTabSz="914400" rtl="0" eaLnBrk="1" latinLnBrk="1" hangingPunct="1">
-              <a:lnSpc>
-                <a:spcPct val="90000"/>
-              </a:lnSpc>
-              <a:spcBef>
-                <a:spcPts val="500"/>
-              </a:spcBef>
-              <a:buFont typeface="Arial" panose="020B0604020202020204" pitchFamily="34" charset="0"/>
-              <a:buChar char="•"/>
-              <a:defRPr sz="1800" kern="1200">
-                <a:solidFill>
-                  <a:schemeClr val="tx1"/>
-                </a:solidFill>
-                <a:latin typeface="+mn-lt"/>
-                <a:ea typeface="+mn-ea"/>
-                <a:cs typeface="+mn-cs"/>
-              </a:defRPr>
-            </a:lvl6pPr>
-            <a:lvl7pPr marL="2971800" indent="-228600" algn="l" defTabSz="914400" rtl="0" eaLnBrk="1" latinLnBrk="1" hangingPunct="1">
-              <a:lnSpc>
-                <a:spcPct val="90000"/>
-              </a:lnSpc>
-              <a:spcBef>
-                <a:spcPts val="500"/>
-              </a:spcBef>
-              <a:buFont typeface="Arial" panose="020B0604020202020204" pitchFamily="34" charset="0"/>
-              <a:buChar char="•"/>
-              <a:defRPr sz="1800" kern="1200">
-                <a:solidFill>
-                  <a:schemeClr val="tx1"/>
-                </a:solidFill>
-                <a:latin typeface="+mn-lt"/>
-                <a:ea typeface="+mn-ea"/>
-                <a:cs typeface="+mn-cs"/>
-              </a:defRPr>
-            </a:lvl7pPr>
-            <a:lvl8pPr marL="3429000" indent="-228600" algn="l" defTabSz="914400" rtl="0" eaLnBrk="1" latinLnBrk="1" hangingPunct="1">
-              <a:lnSpc>
-                <a:spcPct val="90000"/>
-              </a:lnSpc>
-              <a:spcBef>
-                <a:spcPts val="500"/>
-              </a:spcBef>
-              <a:buFont typeface="Arial" panose="020B0604020202020204" pitchFamily="34" charset="0"/>
-              <a:buChar char="•"/>
-              <a:defRPr sz="1800" kern="1200">
-                <a:solidFill>
-                  <a:schemeClr val="tx1"/>
-                </a:solidFill>
-                <a:latin typeface="+mn-lt"/>
-                <a:ea typeface="+mn-ea"/>
-                <a:cs typeface="+mn-cs"/>
-              </a:defRPr>
-            </a:lvl8pPr>
-            <a:lvl9pPr marL="3886200" indent="-228600" algn="l" defTabSz="914400" rtl="0" eaLnBrk="1" latinLnBrk="1" hangingPunct="1">
-              <a:lnSpc>
-                <a:spcPct val="90000"/>
-              </a:lnSpc>
-              <a:spcBef>
-                <a:spcPts val="500"/>
-              </a:spcBef>
-              <a:buFont typeface="Arial" panose="020B0604020202020204" pitchFamily="34" charset="0"/>
-              <a:buChar char="•"/>
-              <a:defRPr sz="1800" kern="1200">
-                <a:solidFill>
-                  <a:schemeClr val="tx1"/>
-                </a:solidFill>
-                <a:latin typeface="+mn-lt"/>
-                <a:ea typeface="+mn-ea"/>
-                <a:cs typeface="+mn-cs"/>
-              </a:defRPr>
-            </a:lvl9pPr>
-          </a:lstStyle>
-          <a:p>
-            <a:pPr marL="0" indent="0">
-              <a:buNone/>
-            </a:pPr>
-            <a:r>
-              <a:rPr lang="en-US" altLang="ko-KR" sz="1600" dirty="0" err="1" smtClean="0"/>
-              <a:t>Grmon</a:t>
-            </a:r>
-            <a:r>
-              <a:rPr lang="en-US" altLang="ko-KR" sz="1600" dirty="0" smtClean="0"/>
-              <a:t> </a:t>
-            </a:r>
-            <a:r>
-              <a:rPr lang="ko-KR" altLang="en-US" sz="1600" dirty="0" smtClean="0"/>
-              <a:t>연결 상태에서 </a:t>
-            </a:r>
-            <a:r>
-              <a:rPr lang="en-US" altLang="ko-KR" sz="1600" dirty="0" err="1" smtClean="0"/>
-              <a:t>cont</a:t>
-            </a:r>
-            <a:r>
-              <a:rPr lang="en-US" altLang="ko-KR" sz="1600" dirty="0" smtClean="0"/>
-              <a:t> </a:t>
-            </a:r>
-            <a:r>
-              <a:rPr lang="ko-KR" altLang="en-US" sz="1600" dirty="0" smtClean="0"/>
-              <a:t>명령 입력</a:t>
-            </a:r>
-            <a:endParaRPr lang="ko-KR" altLang="en-US" sz="1600" dirty="0"/>
-          </a:p>
-        </p:txBody>
-      </p:sp>
-      <p:sp>
-        <p:nvSpPr>
-          <p:cNvPr id="10" name="오른쪽 화살표 9"/>
-          <p:cNvSpPr/>
-          <p:nvPr/>
-        </p:nvSpPr>
-        <p:spPr bwMode="auto">
-          <a:xfrm rot="10800000">
-            <a:off x="6454795" y="3257078"/>
-            <a:ext cx="831272" cy="287167"/>
-          </a:xfrm>
-          <a:prstGeom prst="rightArrow">
-            <a:avLst/>
-          </a:prstGeom>
-          <a:solidFill>
-            <a:schemeClr val="accent1"/>
-          </a:solidFill>
-          <a:ln w="57150" cap="flat" cmpd="sng" algn="ctr">
-            <a:solidFill>
-              <a:schemeClr val="accent2"/>
-            </a:solidFill>
-            <a:prstDash val="solid"/>
-            <a:round/>
-            <a:headEnd type="none" w="sm" len="sm"/>
-            <a:tailEnd type="none" w="sm" len="sm"/>
-          </a:ln>
-          <a:effectLst/>
-          <a:extLst>
-            <a:ext uri="{AF507438-7753-43E0-B8FC-AC1667EBCBE1}">
-              <a14:hiddenEffects xmlns:a14="http://schemas.microsoft.com/office/drawing/2010/main">
-                <a:effectLst>
-                  <a:outerShdw dist="35921" dir="2700000" algn="ctr" rotWithShape="0">
-                    <a:schemeClr val="bg2"/>
-                  </a:outerShdw>
-                </a:effectLst>
-              </a14:hiddenEffects>
-            </a:ext>
-          </a:extLst>
-        </p:spPr>
-        <p:txBody>
-          <a:bodyPr vert="horz" wrap="none" lIns="91440" tIns="45720" rIns="91440" bIns="45720" numCol="1" rtlCol="0" anchor="ctr" anchorCtr="0" compatLnSpc="1">
-            <a:prstTxWarp prst="textNoShape">
-              <a:avLst/>
-            </a:prstTxWarp>
-          </a:bodyPr>
-          <a:lstStyle/>
-          <a:p>
-            <a:pPr marL="0" marR="0" indent="0" algn="ctr" defTabSz="914400" rtl="0" eaLnBrk="1" fontAlgn="base" latinLnBrk="1" hangingPunct="1">
-              <a:lnSpc>
-                <a:spcPct val="100000"/>
-              </a:lnSpc>
-              <a:spcBef>
-                <a:spcPct val="0"/>
-              </a:spcBef>
-              <a:spcAft>
-                <a:spcPct val="0"/>
-              </a:spcAft>
-              <a:buClrTx/>
-              <a:buSzTx/>
-              <a:buFontTx/>
-              <a:buNone/>
-              <a:tabLst/>
-            </a:pPr>
-            <a:endParaRPr kumimoji="1" lang="ko-KR" altLang="en-US" sz="2400" b="0" i="0" u="none" strike="noStrike" cap="none" normalizeH="0" baseline="0" smtClean="0">
-              <a:ln>
-                <a:noFill/>
-              </a:ln>
-              <a:solidFill>
-                <a:schemeClr val="tx1"/>
-              </a:solidFill>
-              <a:effectLst/>
-              <a:latin typeface="Times New Roman" panose="02020603050405020304" pitchFamily="18" charset="0"/>
-              <a:ea typeface="굴림" panose="020B0600000101010101" pitchFamily="50" charset="-127"/>
-            </a:endParaRPr>
-          </a:p>
-        </p:txBody>
-      </p:sp>
-      <p:sp>
-        <p:nvSpPr>
-          <p:cNvPr id="11" name="내용 개체 틀 2"/>
-          <p:cNvSpPr txBox="1">
-            <a:spLocks/>
-          </p:cNvSpPr>
-          <p:nvPr/>
-        </p:nvSpPr>
-        <p:spPr bwMode="auto">
-          <a:xfrm>
-            <a:off x="7286067" y="3120618"/>
-            <a:ext cx="1306270" cy="543150"/>
-          </a:xfrm>
-          <a:prstGeom prst="rect">
-            <a:avLst/>
-          </a:prstGeom>
-          <a:noFill/>
-          <a:ln>
-            <a:noFill/>
-          </a:ln>
-          <a:effectLst/>
-          <a:extLst>
-            <a:ext uri="{909E8E84-426E-40DD-AFC4-6F175D3DCCD1}">
-              <a14:hiddenFill xmlns:a14="http://schemas.microsoft.com/office/drawing/2010/main">
-                <a:solidFill>
-                  <a:schemeClr val="accent1"/>
-                </a:solidFill>
-              </a14:hiddenFill>
-            </a:ext>
-            <a:ext uri="{91240B29-F687-4F45-9708-019B960494DF}">
-              <a14:hiddenLine xmlns:a14="http://schemas.microsoft.com/office/drawing/2010/main" w="9525">
-                <a:solidFill>
-                  <a:schemeClr val="tx1"/>
-                </a:solidFill>
-                <a:miter lim="800000"/>
-                <a:headEnd/>
-                <a:tailEnd/>
-              </a14:hiddenLine>
-            </a:ext>
-            <a:ext uri="{AF507438-7753-43E0-B8FC-AC1667EBCBE1}">
-              <a14:hiddenEffects xmlns:a14="http://schemas.microsoft.com/office/drawing/2010/main">
-                <a:effectLst>
-                  <a:outerShdw dist="35921" dir="2700000" algn="ctr" rotWithShape="0">
-                    <a:schemeClr val="bg2"/>
-                  </a:outerShdw>
-                </a:effectLst>
-              </a14:hiddenEffects>
-            </a:ext>
-          </a:extLst>
-        </p:spPr>
-        <p:txBody>
-          <a:bodyPr vert="horz" wrap="square" lIns="92075" tIns="46038" rIns="92075" bIns="46038" numCol="1" anchor="t" anchorCtr="0" compatLnSpc="1">
-            <a:prstTxWarp prst="textNoShape">
-              <a:avLst/>
-            </a:prstTxWarp>
-          </a:bodyPr>
-          <a:lstStyle>
-            <a:lvl1pPr marL="190500" indent="-190500" algn="l" rtl="0" eaLnBrk="0" fontAlgn="base" latinLnBrk="1" hangingPunct="0">
-              <a:spcBef>
-                <a:spcPct val="20000"/>
-              </a:spcBef>
-              <a:spcAft>
-                <a:spcPct val="0"/>
-              </a:spcAft>
-              <a:buFont typeface="Wingdings" panose="05000000000000000000" pitchFamily="2" charset="2"/>
-              <a:buChar char="§"/>
-              <a:defRPr kumimoji="1" b="1" kern="1200" baseline="0">
-                <a:solidFill>
-                  <a:schemeClr val="tx1"/>
-                </a:solidFill>
-                <a:latin typeface="Arial" panose="020B0604020202020204" pitchFamily="34" charset="0"/>
-                <a:ea typeface="맑은 고딕" panose="020B0503020000020004" pitchFamily="50" charset="-127"/>
-                <a:cs typeface="+mn-cs"/>
-              </a:defRPr>
-            </a:lvl1pPr>
-            <a:lvl2pPr marL="538163" indent="-190500" algn="l" rtl="0" eaLnBrk="0" fontAlgn="base" latinLnBrk="1" hangingPunct="0">
-              <a:spcBef>
-                <a:spcPct val="20000"/>
-              </a:spcBef>
-              <a:spcAft>
-                <a:spcPct val="0"/>
-              </a:spcAft>
-              <a:buChar char="–"/>
-              <a:defRPr kumimoji="1" sz="1600" kern="1200" baseline="0">
-                <a:solidFill>
-                  <a:schemeClr val="tx1"/>
-                </a:solidFill>
-                <a:latin typeface="Arial" panose="020B0604020202020204" pitchFamily="34" charset="0"/>
-                <a:ea typeface="맑은 고딕" panose="020B0503020000020004" pitchFamily="50" charset="-127"/>
-                <a:cs typeface="+mn-cs"/>
-              </a:defRPr>
-            </a:lvl2pPr>
-            <a:lvl3pPr marL="896938" indent="-228600" algn="l" rtl="0" eaLnBrk="0" fontAlgn="base" latinLnBrk="1" hangingPunct="0">
-              <a:spcBef>
-                <a:spcPct val="20000"/>
-              </a:spcBef>
-              <a:spcAft>
-                <a:spcPct val="0"/>
-              </a:spcAft>
-              <a:buChar char="•"/>
-              <a:defRPr kumimoji="1" sz="1600" b="0" kern="1200" baseline="0">
-                <a:solidFill>
-                  <a:schemeClr val="tx1"/>
-                </a:solidFill>
-                <a:latin typeface="Arial" panose="020B0604020202020204" pitchFamily="34" charset="0"/>
-                <a:ea typeface="맑은 고딕" panose="020B0503020000020004" pitchFamily="50" charset="-127"/>
-                <a:cs typeface="+mn-cs"/>
-              </a:defRPr>
-            </a:lvl3pPr>
-            <a:lvl4pPr marL="1255713" indent="-228600" algn="l" rtl="0" eaLnBrk="0" fontAlgn="base" latinLnBrk="1" hangingPunct="0">
-              <a:spcBef>
-                <a:spcPct val="20000"/>
-              </a:spcBef>
-              <a:spcAft>
-                <a:spcPct val="0"/>
-              </a:spcAft>
-              <a:buChar char="–"/>
-              <a:defRPr kumimoji="1" sz="1400" b="0" kern="1200" baseline="0">
-                <a:solidFill>
-                  <a:schemeClr val="tx1"/>
-                </a:solidFill>
-                <a:latin typeface="Arial" panose="020B0604020202020204" pitchFamily="34" charset="0"/>
-                <a:ea typeface="맑은 고딕" panose="020B0503020000020004" pitchFamily="50" charset="-127"/>
-                <a:cs typeface="+mn-cs"/>
-              </a:defRPr>
-            </a:lvl4pPr>
-            <a:lvl5pPr marL="1614488" indent="-228600" algn="l" rtl="0" eaLnBrk="0" fontAlgn="base" latinLnBrk="1" hangingPunct="0">
-              <a:spcBef>
-                <a:spcPct val="20000"/>
-              </a:spcBef>
-              <a:spcAft>
-                <a:spcPct val="0"/>
-              </a:spcAft>
-              <a:buChar char="»"/>
-              <a:defRPr kumimoji="1" sz="1400" b="0" kern="1200" baseline="0">
-                <a:solidFill>
-                  <a:schemeClr val="tx1"/>
-                </a:solidFill>
-                <a:latin typeface="Arial" panose="020B0604020202020204" pitchFamily="34" charset="0"/>
-                <a:ea typeface="맑은 고딕" panose="020B0503020000020004" pitchFamily="50" charset="-127"/>
-                <a:cs typeface="+mn-cs"/>
-              </a:defRPr>
-            </a:lvl5pPr>
-            <a:lvl6pPr marL="2514600" indent="-228600" algn="l" defTabSz="914400" rtl="0" eaLnBrk="1" latinLnBrk="1" hangingPunct="1">
-              <a:lnSpc>
-                <a:spcPct val="90000"/>
-              </a:lnSpc>
-              <a:spcBef>
-                <a:spcPts val="500"/>
-              </a:spcBef>
-              <a:buFont typeface="Arial" panose="020B0604020202020204" pitchFamily="34" charset="0"/>
-              <a:buChar char="•"/>
-              <a:defRPr sz="1800" kern="1200">
-                <a:solidFill>
-                  <a:schemeClr val="tx1"/>
-                </a:solidFill>
-                <a:latin typeface="+mn-lt"/>
-                <a:ea typeface="+mn-ea"/>
-                <a:cs typeface="+mn-cs"/>
-              </a:defRPr>
-            </a:lvl6pPr>
-            <a:lvl7pPr marL="2971800" indent="-228600" algn="l" defTabSz="914400" rtl="0" eaLnBrk="1" latinLnBrk="1" hangingPunct="1">
-              <a:lnSpc>
-                <a:spcPct val="90000"/>
-              </a:lnSpc>
-              <a:spcBef>
-                <a:spcPts val="500"/>
-              </a:spcBef>
-              <a:buFont typeface="Arial" panose="020B0604020202020204" pitchFamily="34" charset="0"/>
-              <a:buChar char="•"/>
-              <a:defRPr sz="1800" kern="1200">
-                <a:solidFill>
-                  <a:schemeClr val="tx1"/>
-                </a:solidFill>
-                <a:latin typeface="+mn-lt"/>
-                <a:ea typeface="+mn-ea"/>
-                <a:cs typeface="+mn-cs"/>
-              </a:defRPr>
-            </a:lvl7pPr>
-            <a:lvl8pPr marL="3429000" indent="-228600" algn="l" defTabSz="914400" rtl="0" eaLnBrk="1" latinLnBrk="1" hangingPunct="1">
-              <a:lnSpc>
-                <a:spcPct val="90000"/>
-              </a:lnSpc>
-              <a:spcBef>
-                <a:spcPts val="500"/>
-              </a:spcBef>
-              <a:buFont typeface="Arial" panose="020B0604020202020204" pitchFamily="34" charset="0"/>
-              <a:buChar char="•"/>
-              <a:defRPr sz="1800" kern="1200">
-                <a:solidFill>
-                  <a:schemeClr val="tx1"/>
-                </a:solidFill>
-                <a:latin typeface="+mn-lt"/>
-                <a:ea typeface="+mn-ea"/>
-                <a:cs typeface="+mn-cs"/>
-              </a:defRPr>
-            </a:lvl8pPr>
-            <a:lvl9pPr marL="3886200" indent="-228600" algn="l" defTabSz="914400" rtl="0" eaLnBrk="1" latinLnBrk="1" hangingPunct="1">
-              <a:lnSpc>
-                <a:spcPct val="90000"/>
-              </a:lnSpc>
-              <a:spcBef>
-                <a:spcPts val="500"/>
-              </a:spcBef>
-              <a:buFont typeface="Arial" panose="020B0604020202020204" pitchFamily="34" charset="0"/>
-              <a:buChar char="•"/>
-              <a:defRPr sz="1800" kern="1200">
-                <a:solidFill>
-                  <a:schemeClr val="tx1"/>
-                </a:solidFill>
-                <a:latin typeface="+mn-lt"/>
-                <a:ea typeface="+mn-ea"/>
-                <a:cs typeface="+mn-cs"/>
-              </a:defRPr>
-            </a:lvl9pPr>
-          </a:lstStyle>
-          <a:p>
-            <a:pPr marL="0" indent="0">
-              <a:buNone/>
-            </a:pPr>
-            <a:r>
-              <a:rPr lang="ko-KR" altLang="en-US" sz="1600" dirty="0" smtClean="0">
-                <a:solidFill>
-                  <a:schemeClr val="accent2"/>
-                </a:solidFill>
-              </a:rPr>
-              <a:t>정상적으로 </a:t>
-            </a:r>
-            <a:r>
-              <a:rPr lang="en-US" altLang="ko-KR" sz="1600" dirty="0" smtClean="0">
-                <a:solidFill>
-                  <a:schemeClr val="accent2"/>
-                </a:solidFill>
-              </a:rPr>
-              <a:t>ACK</a:t>
-            </a:r>
-            <a:r>
-              <a:rPr lang="ko-KR" altLang="en-US" sz="1600" dirty="0" smtClean="0">
-                <a:solidFill>
-                  <a:schemeClr val="accent2"/>
-                </a:solidFill>
-              </a:rPr>
-              <a:t>응답</a:t>
-            </a:r>
-            <a:endParaRPr lang="ko-KR" altLang="en-US" sz="1600" dirty="0">
-              <a:solidFill>
-                <a:schemeClr val="accent2"/>
-              </a:solidFill>
-            </a:endParaRPr>
-          </a:p>
-        </p:txBody>
-      </p:sp>
-      <p:pic>
-        <p:nvPicPr>
-          <p:cNvPr id="12" name="그림 11"/>
-          <p:cNvPicPr>
-            <a:picLocks noChangeAspect="1"/>
-          </p:cNvPicPr>
-          <p:nvPr/>
-        </p:nvPicPr>
-        <p:blipFill>
-          <a:blip r:embed="rId4"/>
-          <a:stretch>
-            <a:fillRect/>
-          </a:stretch>
-        </p:blipFill>
-        <p:spPr>
-          <a:xfrm>
-            <a:off x="3048331" y="4007134"/>
-            <a:ext cx="2808363" cy="2478390"/>
-          </a:xfrm>
-          <a:prstGeom prst="rect">
-            <a:avLst/>
-          </a:prstGeom>
-        </p:spPr>
-      </p:pic>
-      <p:sp>
-        <p:nvSpPr>
-          <p:cNvPr id="13" name="모서리가 둥근 직사각형 12"/>
-          <p:cNvSpPr/>
-          <p:nvPr/>
-        </p:nvSpPr>
-        <p:spPr bwMode="auto">
-          <a:xfrm>
-            <a:off x="3048331" y="4330175"/>
-            <a:ext cx="2808363" cy="1330037"/>
-          </a:xfrm>
-          <a:prstGeom prst="roundRect">
-            <a:avLst/>
-          </a:prstGeom>
-          <a:noFill/>
-          <a:ln w="57150" cap="flat" cmpd="sng" algn="ctr">
-            <a:solidFill>
-              <a:schemeClr val="accent2"/>
-            </a:solidFill>
-            <a:prstDash val="solid"/>
-            <a:round/>
-            <a:headEnd type="none" w="sm" len="sm"/>
-            <a:tailEnd type="none" w="sm" len="sm"/>
-          </a:ln>
-          <a:effectLst/>
-          <a:extLst/>
-        </p:spPr>
-        <p:txBody>
-          <a:bodyPr vert="horz" wrap="none" lIns="91440" tIns="45720" rIns="91440" bIns="45720" numCol="1" rtlCol="0" anchor="ctr" anchorCtr="0" compatLnSpc="1">
-            <a:prstTxWarp prst="textNoShape">
-              <a:avLst/>
-            </a:prstTxWarp>
-          </a:bodyPr>
-          <a:lstStyle/>
-          <a:p>
-            <a:pPr marL="0" marR="0" indent="0" algn="ctr" defTabSz="914400" rtl="0" eaLnBrk="1" fontAlgn="base" latinLnBrk="1" hangingPunct="1">
-              <a:lnSpc>
-                <a:spcPct val="100000"/>
-              </a:lnSpc>
-              <a:spcBef>
-                <a:spcPct val="0"/>
-              </a:spcBef>
-              <a:spcAft>
-                <a:spcPct val="0"/>
-              </a:spcAft>
-              <a:buClrTx/>
-              <a:buSzTx/>
-              <a:buFontTx/>
-              <a:buNone/>
-              <a:tabLst/>
-            </a:pPr>
-            <a:endParaRPr kumimoji="1" lang="ko-KR" altLang="en-US" sz="2400" b="0" i="0" u="none" strike="noStrike" cap="none" normalizeH="0" baseline="0" smtClean="0">
-              <a:ln>
-                <a:noFill/>
-              </a:ln>
-              <a:solidFill>
-                <a:schemeClr val="tx1"/>
-              </a:solidFill>
-              <a:effectLst/>
-              <a:latin typeface="Times New Roman" panose="02020603050405020304" pitchFamily="18" charset="0"/>
-              <a:ea typeface="굴림" panose="020B0600000101010101" pitchFamily="50" charset="-127"/>
-            </a:endParaRPr>
-          </a:p>
-        </p:txBody>
-      </p:sp>
-      <p:sp>
-        <p:nvSpPr>
-          <p:cNvPr id="14" name="모서리가 둥근 직사각형 13"/>
-          <p:cNvSpPr/>
-          <p:nvPr/>
-        </p:nvSpPr>
-        <p:spPr bwMode="auto">
-          <a:xfrm>
-            <a:off x="3048330" y="5760362"/>
-            <a:ext cx="2808363" cy="604563"/>
-          </a:xfrm>
-          <a:prstGeom prst="roundRect">
-            <a:avLst/>
-          </a:prstGeom>
-          <a:noFill/>
-          <a:ln w="57150" cap="flat" cmpd="sng" algn="ctr">
-            <a:solidFill>
-              <a:schemeClr val="accent2"/>
-            </a:solidFill>
-            <a:prstDash val="solid"/>
-            <a:round/>
-            <a:headEnd type="none" w="sm" len="sm"/>
-            <a:tailEnd type="none" w="sm" len="sm"/>
-          </a:ln>
-          <a:effectLst/>
-          <a:extLst/>
-        </p:spPr>
-        <p:txBody>
-          <a:bodyPr vert="horz" wrap="none" lIns="91440" tIns="45720" rIns="91440" bIns="45720" numCol="1" rtlCol="0" anchor="ctr" anchorCtr="0" compatLnSpc="1">
-            <a:prstTxWarp prst="textNoShape">
-              <a:avLst/>
-            </a:prstTxWarp>
-          </a:bodyPr>
-          <a:lstStyle/>
-          <a:p>
-            <a:pPr marL="0" marR="0" indent="0" algn="ctr" defTabSz="914400" rtl="0" eaLnBrk="1" fontAlgn="base" latinLnBrk="1" hangingPunct="1">
-              <a:lnSpc>
-                <a:spcPct val="100000"/>
-              </a:lnSpc>
-              <a:spcBef>
-                <a:spcPct val="0"/>
-              </a:spcBef>
-              <a:spcAft>
-                <a:spcPct val="0"/>
-              </a:spcAft>
-              <a:buClrTx/>
-              <a:buSzTx/>
-              <a:buFontTx/>
-              <a:buNone/>
-              <a:tabLst/>
-            </a:pPr>
-            <a:endParaRPr kumimoji="1" lang="ko-KR" altLang="en-US" sz="2400" b="0" i="0" u="none" strike="noStrike" cap="none" normalizeH="0" baseline="0" smtClean="0">
-              <a:ln>
-                <a:noFill/>
-              </a:ln>
-              <a:solidFill>
-                <a:schemeClr val="tx1"/>
-              </a:solidFill>
-              <a:effectLst/>
-              <a:latin typeface="Times New Roman" panose="02020603050405020304" pitchFamily="18" charset="0"/>
-              <a:ea typeface="굴림" panose="020B0600000101010101" pitchFamily="50" charset="-127"/>
-            </a:endParaRPr>
-          </a:p>
-        </p:txBody>
-      </p:sp>
-      <p:sp>
-        <p:nvSpPr>
-          <p:cNvPr id="15" name="위로 굽은 화살표 14"/>
-          <p:cNvSpPr/>
-          <p:nvPr/>
-        </p:nvSpPr>
-        <p:spPr bwMode="auto">
-          <a:xfrm>
-            <a:off x="5947378" y="4414101"/>
-            <a:ext cx="1148668" cy="1783458"/>
-          </a:xfrm>
-          <a:prstGeom prst="bentUpArrow">
-            <a:avLst/>
-          </a:prstGeom>
-          <a:solidFill>
-            <a:schemeClr val="accent1"/>
-          </a:solidFill>
-          <a:ln w="57150" cap="flat" cmpd="sng" algn="ctr">
-            <a:solidFill>
-              <a:schemeClr val="accent2"/>
-            </a:solidFill>
-            <a:prstDash val="solid"/>
-            <a:round/>
-            <a:headEnd type="none" w="sm" len="sm"/>
-            <a:tailEnd type="none" w="sm" len="sm"/>
-          </a:ln>
-          <a:effectLst/>
-          <a:extLst>
-            <a:ext uri="{AF507438-7753-43E0-B8FC-AC1667EBCBE1}">
-              <a14:hiddenEffects xmlns:a14="http://schemas.microsoft.com/office/drawing/2010/main">
-                <a:effectLst>
-                  <a:outerShdw dist="35921" dir="2700000" algn="ctr" rotWithShape="0">
-                    <a:schemeClr val="bg2"/>
-                  </a:outerShdw>
-                </a:effectLst>
-              </a14:hiddenEffects>
-            </a:ext>
-          </a:extLst>
-        </p:spPr>
-        <p:txBody>
-          <a:bodyPr vert="horz" wrap="none" lIns="91440" tIns="45720" rIns="91440" bIns="45720" numCol="1" rtlCol="0" anchor="ctr" anchorCtr="0" compatLnSpc="1">
-            <a:prstTxWarp prst="textNoShape">
-              <a:avLst/>
-            </a:prstTxWarp>
-          </a:bodyPr>
-          <a:lstStyle/>
-          <a:p>
-            <a:pPr marL="0" marR="0" indent="0" algn="ctr" defTabSz="914400" rtl="0" eaLnBrk="1" fontAlgn="base" latinLnBrk="1" hangingPunct="1">
-              <a:lnSpc>
-                <a:spcPct val="100000"/>
-              </a:lnSpc>
-              <a:spcBef>
-                <a:spcPct val="0"/>
-              </a:spcBef>
-              <a:spcAft>
-                <a:spcPct val="0"/>
-              </a:spcAft>
-              <a:buClrTx/>
-              <a:buSzTx/>
-              <a:buFontTx/>
-              <a:buNone/>
-              <a:tabLst/>
-            </a:pPr>
-            <a:r>
-              <a:rPr lang="en-US" altLang="ko-KR" sz="1200" dirty="0" smtClean="0"/>
+            <a:endParaRPr lang="en-US" altLang="ko-KR" dirty="0"/>
+          </a:p>
+          <a:p>
+            <a:pPr lvl="1"/>
+            <a:r>
+              <a:rPr lang="en-US" altLang="ko-KR" dirty="0" smtClean="0"/>
+              <a:t>JTAG </a:t>
+            </a:r>
+            <a:r>
+              <a:rPr lang="ko-KR" altLang="en-US" dirty="0" smtClean="0"/>
+              <a:t>을 </a:t>
+            </a:r>
+            <a:r>
+              <a:rPr lang="en-US" altLang="ko-KR" dirty="0" smtClean="0"/>
+              <a:t>DTNPL</a:t>
+            </a:r>
+            <a:r>
+              <a:rPr lang="ko-KR" altLang="en-US" dirty="0" smtClean="0"/>
+              <a:t>에 연결하고 </a:t>
+            </a:r>
+            <a:r>
+              <a:rPr lang="en-US" altLang="ko-KR" dirty="0" smtClean="0"/>
+              <a:t>GRMON</a:t>
+            </a:r>
+            <a:r>
+              <a:rPr lang="ko-KR" altLang="en-US" dirty="0" smtClean="0"/>
+              <a:t>을 실행하는 경우</a:t>
+            </a:r>
+            <a:endParaRPr lang="en-US" altLang="ko-KR" dirty="0" smtClean="0"/>
+          </a:p>
+          <a:p>
+            <a:pPr lvl="1"/>
+            <a:r>
+              <a:rPr lang="en-US" altLang="ko-KR" dirty="0" smtClean="0"/>
+              <a:t>DTNPL Reset </a:t>
+            </a:r>
+            <a:r>
+              <a:rPr lang="ko-KR" altLang="en-US" dirty="0" smtClean="0"/>
+              <a:t>후</a:t>
+            </a:r>
+            <a:r>
+              <a:rPr lang="en-US" altLang="ko-KR" dirty="0" smtClean="0"/>
+              <a:t> 30</a:t>
+            </a:r>
+            <a:r>
+              <a:rPr lang="ko-KR" altLang="en-US" dirty="0" smtClean="0"/>
+              <a:t>초간 </a:t>
+            </a:r>
+            <a:r>
+              <a:rPr lang="en-US" altLang="ko-KR" dirty="0" smtClean="0"/>
               <a:t>ACK </a:t>
             </a:r>
             <a:r>
-              <a:rPr lang="ko-KR" altLang="en-US" sz="1200" dirty="0" smtClean="0"/>
-              <a:t>응답</a:t>
-            </a:r>
-            <a:endParaRPr kumimoji="1" lang="ko-KR" altLang="en-US" sz="1200" b="0" i="0" u="none" strike="noStrike" cap="none" normalizeH="0" baseline="0" dirty="0" smtClean="0">
-              <a:ln>
-                <a:noFill/>
-              </a:ln>
-              <a:solidFill>
-                <a:schemeClr val="tx1"/>
-              </a:solidFill>
-              <a:effectLst/>
-            </a:endParaRPr>
-          </a:p>
-        </p:txBody>
-      </p:sp>
-      <p:sp>
-        <p:nvSpPr>
-          <p:cNvPr id="16" name="위로 굽은 화살표 15"/>
-          <p:cNvSpPr/>
-          <p:nvPr/>
-        </p:nvSpPr>
-        <p:spPr bwMode="auto">
-          <a:xfrm flipH="1">
-            <a:off x="1602494" y="4015332"/>
-            <a:ext cx="1355153" cy="1230997"/>
-          </a:xfrm>
-          <a:prstGeom prst="bentUpArrow">
-            <a:avLst/>
-          </a:prstGeom>
-          <a:solidFill>
-            <a:schemeClr val="accent1"/>
-          </a:solidFill>
-          <a:ln w="57150" cap="flat" cmpd="sng" algn="ctr">
-            <a:solidFill>
-              <a:schemeClr val="accent2"/>
-            </a:solidFill>
-            <a:prstDash val="solid"/>
-            <a:round/>
-            <a:headEnd type="none" w="sm" len="sm"/>
-            <a:tailEnd type="none" w="sm" len="sm"/>
-          </a:ln>
-          <a:effectLst/>
-          <a:extLst>
-            <a:ext uri="{AF507438-7753-43E0-B8FC-AC1667EBCBE1}">
-              <a14:hiddenEffects xmlns:a14="http://schemas.microsoft.com/office/drawing/2010/main">
-                <a:effectLst>
-                  <a:outerShdw dist="35921" dir="2700000" algn="ctr" rotWithShape="0">
-                    <a:schemeClr val="bg2"/>
-                  </a:outerShdw>
-                </a:effectLst>
-              </a14:hiddenEffects>
-            </a:ext>
-          </a:extLst>
-        </p:spPr>
-        <p:txBody>
-          <a:bodyPr vert="horz" wrap="none" lIns="91440" tIns="45720" rIns="91440" bIns="45720" numCol="1" rtlCol="0" anchor="ctr" anchorCtr="0" compatLnSpc="1">
-            <a:prstTxWarp prst="textNoShape">
-              <a:avLst/>
-            </a:prstTxWarp>
-          </a:bodyPr>
-          <a:lstStyle/>
-          <a:p>
-            <a:pPr marL="0" marR="0" indent="0" algn="ctr" defTabSz="914400" rtl="0" eaLnBrk="1" fontAlgn="base" latinLnBrk="1" hangingPunct="1">
-              <a:lnSpc>
-                <a:spcPct val="100000"/>
-              </a:lnSpc>
-              <a:spcBef>
-                <a:spcPct val="0"/>
-              </a:spcBef>
-              <a:spcAft>
-                <a:spcPct val="0"/>
-              </a:spcAft>
-              <a:buClrTx/>
-              <a:buSzTx/>
-              <a:buFontTx/>
-              <a:buNone/>
-              <a:tabLst/>
-            </a:pPr>
-            <a:r>
-              <a:rPr lang="en-US" altLang="ko-KR" sz="1200" dirty="0" smtClean="0"/>
-              <a:t>ACK</a:t>
-            </a:r>
-            <a:r>
-              <a:rPr lang="ko-KR" altLang="en-US" sz="1200" dirty="0" smtClean="0"/>
-              <a:t>응답 없음</a:t>
-            </a:r>
-            <a:endParaRPr kumimoji="1" lang="ko-KR" altLang="en-US" sz="1200" b="0" i="0" u="none" strike="noStrike" cap="none" normalizeH="0" baseline="0" dirty="0" smtClean="0">
-              <a:ln>
-                <a:noFill/>
-              </a:ln>
-              <a:solidFill>
-                <a:schemeClr val="tx1"/>
-              </a:solidFill>
-              <a:effectLst/>
-            </a:endParaRPr>
+              <a:rPr lang="ko-KR" altLang="en-US" dirty="0" smtClean="0"/>
+              <a:t>송출 안 함</a:t>
+            </a:r>
+            <a:r>
+              <a:rPr lang="en-US" altLang="ko-KR" dirty="0" smtClean="0"/>
+              <a:t>. </a:t>
+            </a:r>
+          </a:p>
+          <a:p>
+            <a:pPr lvl="1"/>
+            <a:endParaRPr lang="en-US" altLang="ko-KR" dirty="0" smtClean="0"/>
+          </a:p>
+          <a:p>
+            <a:r>
+              <a:rPr lang="ko-KR" altLang="en-US" dirty="0" smtClean="0"/>
+              <a:t>조치 사항</a:t>
+            </a:r>
+            <a:endParaRPr lang="en-US" altLang="ko-KR" dirty="0"/>
+          </a:p>
+          <a:p>
+            <a:pPr lvl="1"/>
+            <a:r>
+              <a:rPr lang="en-US" altLang="ko-KR" dirty="0" smtClean="0"/>
+              <a:t>DTNPL</a:t>
+            </a:r>
+            <a:r>
+              <a:rPr lang="ko-KR" altLang="en-US" dirty="0" smtClean="0"/>
+              <a:t>에</a:t>
+            </a:r>
+            <a:r>
+              <a:rPr lang="en-US" altLang="ko-KR" dirty="0" smtClean="0"/>
+              <a:t> JTAG</a:t>
+            </a:r>
+            <a:r>
+              <a:rPr lang="ko-KR" altLang="en-US" dirty="0" smtClean="0"/>
+              <a:t>과 </a:t>
+            </a:r>
+            <a:r>
+              <a:rPr lang="en-US" altLang="ko-KR" dirty="0" smtClean="0"/>
+              <a:t>GRMON</a:t>
+            </a:r>
+            <a:r>
+              <a:rPr lang="ko-KR" altLang="en-US" dirty="0" smtClean="0"/>
+              <a:t>을 연결하지 않고 운용할 예정임</a:t>
+            </a:r>
+            <a:r>
+              <a:rPr lang="en-US" altLang="ko-KR" dirty="0" smtClean="0"/>
+              <a:t>.</a:t>
+            </a:r>
+          </a:p>
+          <a:p>
+            <a:pPr lvl="1"/>
+            <a:r>
+              <a:rPr lang="en-US" altLang="ko-KR" dirty="0" smtClean="0"/>
+              <a:t>DTNPL Reset</a:t>
+            </a:r>
+            <a:r>
+              <a:rPr lang="ko-KR" altLang="en-US" dirty="0" smtClean="0"/>
+              <a:t> 후 </a:t>
+            </a:r>
+            <a:r>
+              <a:rPr lang="en-US" altLang="ko-KR" dirty="0" smtClean="0"/>
+              <a:t>30</a:t>
+            </a:r>
+            <a:r>
+              <a:rPr lang="ko-KR" altLang="en-US" dirty="0" smtClean="0"/>
+              <a:t>초간 </a:t>
+            </a:r>
+            <a:r>
+              <a:rPr lang="en-US" altLang="ko-KR" dirty="0" smtClean="0"/>
+              <a:t>sleep time </a:t>
+            </a:r>
+            <a:r>
+              <a:rPr lang="ko-KR" altLang="en-US" dirty="0" smtClean="0"/>
+              <a:t>적용 예정</a:t>
+            </a:r>
+            <a:r>
+              <a:rPr lang="en-US" altLang="ko-KR" dirty="0" smtClean="0"/>
+              <a:t>. </a:t>
+            </a:r>
+          </a:p>
+          <a:p>
+            <a:pPr lvl="1"/>
+            <a:endParaRPr lang="en-US" altLang="ko-KR" dirty="0" smtClean="0"/>
+          </a:p>
+          <a:p>
+            <a:r>
+              <a:rPr lang="ko-KR" altLang="en-US" dirty="0" smtClean="0"/>
+              <a:t>결론</a:t>
+            </a:r>
+            <a:endParaRPr lang="en-US" altLang="ko-KR" dirty="0" smtClean="0"/>
+          </a:p>
+          <a:p>
+            <a:pPr lvl="1"/>
+            <a:r>
+              <a:rPr lang="en-US" altLang="ko-KR" dirty="0" smtClean="0"/>
+              <a:t>TRS28</a:t>
+            </a:r>
+            <a:r>
+              <a:rPr lang="ko-KR" altLang="en-US" dirty="0" smtClean="0"/>
+              <a:t>은 해결된 것으로 보이므로 종결을 요청 함</a:t>
+            </a:r>
+            <a:r>
+              <a:rPr lang="en-US" altLang="ko-KR" smtClean="0"/>
+              <a:t>. </a:t>
+            </a:r>
+            <a:endParaRPr lang="ko-KR" altLang="en-US" dirty="0"/>
           </a:p>
         </p:txBody>
       </p:sp>
     </p:spTree>
     <p:extLst>
       <p:ext uri="{BB962C8B-B14F-4D97-AF65-F5344CB8AC3E}">
-        <p14:creationId xmlns:p14="http://schemas.microsoft.com/office/powerpoint/2010/main" val="1029048150"/>
+        <p14:creationId xmlns:p14="http://schemas.microsoft.com/office/powerpoint/2010/main" val="3857359720"/>
       </p:ext>
     </p:extLst>
   </p:cSld>
